--- a/Presentation/Presentation.pptx
+++ b/Presentation/Presentation.pptx
@@ -5,16 +5,16 @@
     <p:sldMasterId id="2147483648" r:id="rId4"/>
   </p:sldMasterIdLst>
   <p:notesMasterIdLst>
-    <p:notesMasterId r:id="rId33"/>
+    <p:notesMasterId r:id="rId34"/>
   </p:notesMasterIdLst>
   <p:handoutMasterIdLst>
-    <p:handoutMasterId r:id="rId34"/>
+    <p:handoutMasterId r:id="rId35"/>
   </p:handoutMasterIdLst>
   <p:sldIdLst>
     <p:sldId id="256" r:id="rId5"/>
     <p:sldId id="278" r:id="rId6"/>
-    <p:sldId id="257" r:id="rId7"/>
-    <p:sldId id="258" r:id="rId8"/>
+    <p:sldId id="258" r:id="rId7"/>
+    <p:sldId id="257" r:id="rId8"/>
     <p:sldId id="259" r:id="rId9"/>
     <p:sldId id="277" r:id="rId10"/>
     <p:sldId id="285" r:id="rId11"/>
@@ -23,22 +23,23 @@
     <p:sldId id="273" r:id="rId14"/>
     <p:sldId id="279" r:id="rId15"/>
     <p:sldId id="283" r:id="rId16"/>
-    <p:sldId id="280" r:id="rId17"/>
-    <p:sldId id="276" r:id="rId18"/>
-    <p:sldId id="266" r:id="rId19"/>
-    <p:sldId id="265" r:id="rId20"/>
+    <p:sldId id="276" r:id="rId17"/>
+    <p:sldId id="280" r:id="rId18"/>
+    <p:sldId id="265" r:id="rId19"/>
+    <p:sldId id="284" r:id="rId20"/>
     <p:sldId id="281" r:id="rId21"/>
-    <p:sldId id="284" r:id="rId22"/>
-    <p:sldId id="287" r:id="rId23"/>
-    <p:sldId id="289" r:id="rId24"/>
-    <p:sldId id="288" r:id="rId25"/>
-    <p:sldId id="293" r:id="rId26"/>
-    <p:sldId id="282" r:id="rId27"/>
-    <p:sldId id="291" r:id="rId28"/>
+    <p:sldId id="287" r:id="rId22"/>
+    <p:sldId id="289" r:id="rId23"/>
+    <p:sldId id="288" r:id="rId24"/>
+    <p:sldId id="291" r:id="rId25"/>
+    <p:sldId id="282" r:id="rId26"/>
+    <p:sldId id="293" r:id="rId27"/>
+    <p:sldId id="266" r:id="rId28"/>
     <p:sldId id="292" r:id="rId29"/>
     <p:sldId id="290" r:id="rId30"/>
     <p:sldId id="267" r:id="rId31"/>
     <p:sldId id="275" r:id="rId32"/>
+    <p:sldId id="294" r:id="rId33"/>
   </p:sldIdLst>
   <p:sldSz cx="12192000" cy="6858000"/>
   <p:notesSz cx="6858000" cy="9144000"/>
@@ -138,6 +139,67 @@
     </a:lvl9pPr>
   </p:defaultTextStyle>
   <p:extLst>
+    <p:ext uri="{521415D9-36F7-43E2-AB2F-B90AF26B5E84}">
+      <p14:sectionLst xmlns:p14="http://schemas.microsoft.com/office/powerpoint/2010/main">
+        <p14:section name="Introduction" id="{47D9B5B4-06DA-4014-93D5-E66B034728BC}">
+          <p14:sldIdLst>
+            <p14:sldId id="256"/>
+            <p14:sldId id="278"/>
+            <p14:sldId id="258"/>
+            <p14:sldId id="257"/>
+          </p14:sldIdLst>
+        </p14:section>
+        <p14:section name="Project Parameters" id="{0984423D-A594-4442-AAEF-192CB2AFC5EA}">
+          <p14:sldIdLst>
+            <p14:sldId id="259"/>
+            <p14:sldId id="277"/>
+            <p14:sldId id="285"/>
+            <p14:sldId id="260"/>
+            <p14:sldId id="286"/>
+            <p14:sldId id="273"/>
+            <p14:sldId id="279"/>
+            <p14:sldId id="283"/>
+            <p14:sldId id="276"/>
+          </p14:sldIdLst>
+        </p14:section>
+        <p14:section name="What is the Benefit / Goals, Value" id="{02B1D109-5FA0-47FE-A72A-B404AF99A981}">
+          <p14:sldIdLst>
+            <p14:sldId id="280"/>
+            <p14:sldId id="265"/>
+            <p14:sldId id="284"/>
+          </p14:sldIdLst>
+        </p14:section>
+        <p14:section name="Undertaking the Project / Actions" id="{1E8CF9FC-ACCC-4B94-89E8-8520E4F91119}">
+          <p14:sldIdLst>
+            <p14:sldId id="281"/>
+            <p14:sldId id="287"/>
+            <p14:sldId id="289"/>
+            <p14:sldId id="288"/>
+            <p14:sldId id="291"/>
+          </p14:sldIdLst>
+        </p14:section>
+        <p14:section name="Key Lessons and Takeaways / Learnings" id="{1FE671F1-15F0-4F7C-B37E-52FD91B11656}">
+          <p14:sldIdLst>
+            <p14:sldId id="282"/>
+            <p14:sldId id="293"/>
+            <p14:sldId id="266"/>
+            <p14:sldId id="292"/>
+            <p14:sldId id="290"/>
+          </p14:sldIdLst>
+        </p14:section>
+        <p14:section name="Summary" id="{B65DF101-E934-4C97-B7F9-4230AFB6976B}">
+          <p14:sldIdLst>
+            <p14:sldId id="267"/>
+            <p14:sldId id="275"/>
+          </p14:sldIdLst>
+        </p14:section>
+        <p14:section name="Bibliography" id="{6E41F4E5-3B15-4FDC-90D7-6203ABD9D67E}">
+          <p14:sldIdLst>
+            <p14:sldId id="294"/>
+          </p14:sldIdLst>
+        </p14:section>
+      </p14:sectionLst>
+    </p:ext>
     <p:ext uri="{EFAFB233-063F-42B5-8137-9DF3F51BA10A}">
       <p15:sldGuideLst xmlns:p15="http://schemas.microsoft.com/office/powerpoint/2012/main"/>
     </p:ext>
@@ -163,16 +225,14 @@
 <file path=ppt/revisionInfo.xml><?xml version="1.0" encoding="utf-8"?>
 <p1510:revInfo xmlns:a="http://schemas.openxmlformats.org/drawingml/2006/main" xmlns:r="http://schemas.openxmlformats.org/officeDocument/2006/relationships" xmlns:p1510="http://schemas.microsoft.com/office/powerpoint/2015/10/main">
   <p1510:revLst>
-    <p1510:client id="{117E2835-E9FD-4DE9-9685-2B3D674FBC3F}" v="15" dt="2023-10-07T03:42:23.449"/>
-    <p1510:client id="{1B224365-E57D-4CA6-9B48-2F970F9BA8DE}" v="13" dt="2023-10-07T02:59:51.874"/>
-    <p1510:client id="{27CD75E6-F262-4FFE-829F-336B98C2B3C5}" v="11" dt="2023-10-07T03:46:39.571"/>
-    <p1510:client id="{29EF3A95-3DA9-448E-864B-42AC2B755665}" v="255" dt="2023-10-07T05:17:29.053"/>
     <p1510:client id="{2B3AC9E3-50E4-4C57-8573-6348C90DE6E0}" v="2" dt="2023-10-09T00:36:10.254"/>
+    <p1510:client id="{460B9301-B662-4821-BD05-010F2C8DF772}" v="478" dt="2023-10-09T04:55:07.991"/>
     <p1510:client id="{6DE166B3-5308-4EF4-8C0C-842D859D4799}" v="1" dt="2023-10-09T00:34:03.194"/>
-    <p1510:client id="{90E546A6-6D08-4D06-B7A4-06CB2839157A}" v="2039" dt="2023-10-07T05:40:42.310"/>
     <p1510:client id="{9450F87E-F497-4509-8F8C-4E1F7C737596}" v="1" dt="2023-10-09T02:29:27.135"/>
     <p1510:client id="{9E4E769F-5503-46CD-A5A9-E6AD48AF3775}" v="531" dt="2023-10-09T03:50:13.726"/>
-    <p1510:client id="{BFD613DD-6348-47E0-8FDF-CFE943C1D406}" v="164" dt="2023-10-07T04:10:06.099"/>
+    <p1510:client id="{BE5106F9-30F4-41BD-BA1F-C7AD3731F44A}" v="129" dt="2023-10-09T05:38:41.508"/>
+    <p1510:client id="{DE9594D2-E034-4004-B02E-B06246A962E8}" v="36" dt="2023-10-09T05:00:26.875"/>
+    <p1510:client id="{E1862F73-943A-428F-BF7E-59A010326442}" v="3" dt="2023-10-09T05:37:29.523"/>
     <p1510:client id="{F067F2B7-3F8A-4446-9B82-1F015354FFE7}" v="22" dt="2023-10-09T02:36:26.041"/>
   </p1510:revLst>
 </p1510:revInfo>
@@ -180,45 +240,6 @@
 
 <file path=ppt/changesInfos/changesInfo1.xml><?xml version="1.0" encoding="utf-8"?>
 <pc:chgInfo xmlns:a="http://schemas.openxmlformats.org/drawingml/2006/main" xmlns:r="http://schemas.openxmlformats.org/officeDocument/2006/relationships" xmlns:ac="http://schemas.microsoft.com/office/drawing/2013/main/command" xmlns:pc="http://schemas.microsoft.com/office/powerpoint/2013/main/command">
-  <pc:docChgLst>
-    <pc:chgData name="Curtis.Richardson" userId="S::u3201908@uni.canberra.edu.au::5a3d664a-8736-421b-a879-7f578dcad4e8" providerId="AD" clId="Web-{6DE166B3-5308-4EF4-8C0C-842D859D4799}"/>
-    <pc:docChg chg="modSld">
-      <pc:chgData name="Curtis.Richardson" userId="S::u3201908@uni.canberra.edu.au::5a3d664a-8736-421b-a879-7f578dcad4e8" providerId="AD" clId="Web-{6DE166B3-5308-4EF4-8C0C-842D859D4799}" dt="2023-10-09T00:34:01.991" v="1"/>
-      <pc:docMkLst>
-        <pc:docMk/>
-      </pc:docMkLst>
-      <pc:sldChg chg="modNotes">
-        <pc:chgData name="Curtis.Richardson" userId="S::u3201908@uni.canberra.edu.au::5a3d664a-8736-421b-a879-7f578dcad4e8" providerId="AD" clId="Web-{6DE166B3-5308-4EF4-8C0C-842D859D4799}" dt="2023-10-09T00:34:01.991" v="1"/>
-        <pc:sldMkLst>
-          <pc:docMk/>
-          <pc:sldMk cId="2169961402" sldId="285"/>
-        </pc:sldMkLst>
-      </pc:sldChg>
-    </pc:docChg>
-  </pc:docChgLst>
-  <pc:docChgLst>
-    <pc:chgData name="Minjeong.Kim" userId="S::u3225675@uni.canberra.edu.au::e9e33d8b-5f28-4025-9e9e-21f7d590a063" providerId="AD" clId="Web-{9450F87E-F497-4509-8F8C-4E1F7C737596}"/>
-    <pc:docChg chg="modSld">
-      <pc:chgData name="Minjeong.Kim" userId="S::u3225675@uni.canberra.edu.au::e9e33d8b-5f28-4025-9e9e-21f7d590a063" providerId="AD" clId="Web-{9450F87E-F497-4509-8F8C-4E1F7C737596}" dt="2023-10-09T02:34:50.970" v="34"/>
-      <pc:docMkLst>
-        <pc:docMk/>
-      </pc:docMkLst>
-      <pc:sldChg chg="modNotes">
-        <pc:chgData name="Minjeong.Kim" userId="S::u3225675@uni.canberra.edu.au::e9e33d8b-5f28-4025-9e9e-21f7d590a063" providerId="AD" clId="Web-{9450F87E-F497-4509-8F8C-4E1F7C737596}" dt="2023-10-09T02:34:50.970" v="34"/>
-        <pc:sldMkLst>
-          <pc:docMk/>
-          <pc:sldMk cId="4212917468" sldId="260"/>
-        </pc:sldMkLst>
-      </pc:sldChg>
-      <pc:sldChg chg="modNotes">
-        <pc:chgData name="Minjeong.Kim" userId="S::u3225675@uni.canberra.edu.au::e9e33d8b-5f28-4025-9e9e-21f7d590a063" providerId="AD" clId="Web-{9450F87E-F497-4509-8F8C-4E1F7C737596}" dt="2023-10-09T02:29:26.978" v="17"/>
-        <pc:sldMkLst>
-          <pc:docMk/>
-          <pc:sldMk cId="3980004169" sldId="286"/>
-        </pc:sldMkLst>
-      </pc:sldChg>
-    </pc:docChg>
-  </pc:docChgLst>
   <pc:docChgLst>
     <pc:chgData name="Minjeong.Kim" userId="S::u3225675@uni.canberra.edu.au::e9e33d8b-5f28-4025-9e9e-21f7d590a063" providerId="AD" clId="Web-{29EF3A95-3DA9-448E-864B-42AC2B755665}"/>
     <pc:docChg chg="addSld modSld">
@@ -387,106 +408,402 @@
     </pc:docChg>
   </pc:docChgLst>
   <pc:docChgLst>
-    <pc:chgData name="Minjeong.Kim" userId="S::u3225675@uni.canberra.edu.au::e9e33d8b-5f28-4025-9e9e-21f7d590a063" providerId="AD" clId="Web-{27CD75E6-F262-4FFE-829F-336B98C2B3C5}"/>
-    <pc:docChg chg="modSld">
-      <pc:chgData name="Minjeong.Kim" userId="S::u3225675@uni.canberra.edu.au::e9e33d8b-5f28-4025-9e9e-21f7d590a063" providerId="AD" clId="Web-{27CD75E6-F262-4FFE-829F-336B98C2B3C5}" dt="2023-10-07T03:46:39.571" v="9" actId="1076"/>
+    <pc:chgData name="Curtis.Richardson" userId="S::u3201908@uni.canberra.edu.au::5a3d664a-8736-421b-a879-7f578dcad4e8" providerId="AD" clId="Web-{E1862F73-943A-428F-BF7E-59A010326442}"/>
+    <pc:docChg chg="modSld modSection">
+      <pc:chgData name="Curtis.Richardson" userId="S::u3201908@uni.canberra.edu.au::5a3d664a-8736-421b-a879-7f578dcad4e8" providerId="AD" clId="Web-{E1862F73-943A-428F-BF7E-59A010326442}" dt="2023-10-09T05:37:29.523" v="2"/>
       <pc:docMkLst>
         <pc:docMk/>
       </pc:docMkLst>
-      <pc:sldChg chg="addSp delSp modSp">
-        <pc:chgData name="Minjeong.Kim" userId="S::u3225675@uni.canberra.edu.au::e9e33d8b-5f28-4025-9e9e-21f7d590a063" providerId="AD" clId="Web-{27CD75E6-F262-4FFE-829F-336B98C2B3C5}" dt="2023-10-07T03:46:39.571" v="9" actId="1076"/>
+      <pc:sldChg chg="mod modShow">
+        <pc:chgData name="Curtis.Richardson" userId="S::u3201908@uni.canberra.edu.au::5a3d664a-8736-421b-a879-7f578dcad4e8" providerId="AD" clId="Web-{E1862F73-943A-428F-BF7E-59A010326442}" dt="2023-10-09T05:15:34.210" v="0"/>
         <pc:sldMkLst>
           <pc:docMk/>
-          <pc:sldMk cId="4212917468" sldId="260"/>
+          <pc:sldMk cId="2068641284" sldId="279"/>
         </pc:sldMkLst>
-        <pc:spChg chg="del">
-          <ac:chgData name="Minjeong.Kim" userId="S::u3225675@uni.canberra.edu.au::e9e33d8b-5f28-4025-9e9e-21f7d590a063" providerId="AD" clId="Web-{27CD75E6-F262-4FFE-829F-336B98C2B3C5}" dt="2023-10-07T03:43:23.784" v="1"/>
-          <ac:spMkLst>
-            <pc:docMk/>
-            <pc:sldMk cId="4212917468" sldId="260"/>
-            <ac:spMk id="8" creationId="{177092F7-F306-B15D-5778-114889DE5A60}"/>
-          </ac:spMkLst>
-        </pc:spChg>
-        <pc:spChg chg="add del mod">
-          <ac:chgData name="Minjeong.Kim" userId="S::u3225675@uni.canberra.edu.au::e9e33d8b-5f28-4025-9e9e-21f7d590a063" providerId="AD" clId="Web-{27CD75E6-F262-4FFE-829F-336B98C2B3C5}" dt="2023-10-07T03:46:02.288" v="3"/>
-          <ac:spMkLst>
-            <pc:docMk/>
-            <pc:sldMk cId="4212917468" sldId="260"/>
-            <ac:spMk id="25" creationId="{6679A112-54F9-7E1A-CEA6-46BFB23065E4}"/>
-          </ac:spMkLst>
-        </pc:spChg>
-        <pc:graphicFrameChg chg="add del mod ord modGraphic">
-          <ac:chgData name="Minjeong.Kim" userId="S::u3225675@uni.canberra.edu.au::e9e33d8b-5f28-4025-9e9e-21f7d590a063" providerId="AD" clId="Web-{27CD75E6-F262-4FFE-829F-336B98C2B3C5}" dt="2023-10-07T03:43:26.940" v="2"/>
-          <ac:graphicFrameMkLst>
-            <pc:docMk/>
-            <pc:sldMk cId="4212917468" sldId="260"/>
-            <ac:graphicFrameMk id="7" creationId="{810DAD8F-D6BA-30DE-B1CC-53C77B8A4FF6}"/>
-          </ac:graphicFrameMkLst>
-        </pc:graphicFrameChg>
-        <pc:picChg chg="del">
-          <ac:chgData name="Minjeong.Kim" userId="S::u3225675@uni.canberra.edu.au::e9e33d8b-5f28-4025-9e9e-21f7d590a063" providerId="AD" clId="Web-{27CD75E6-F262-4FFE-829F-336B98C2B3C5}" dt="2023-10-07T03:43:05.080" v="0"/>
-          <ac:picMkLst>
-            <pc:docMk/>
-            <pc:sldMk cId="4212917468" sldId="260"/>
-            <ac:picMk id="4" creationId="{E47BB048-1C46-5378-16B6-83D382586F4E}"/>
-          </ac:picMkLst>
-        </pc:picChg>
-        <pc:picChg chg="add mod ord">
-          <ac:chgData name="Minjeong.Kim" userId="S::u3225675@uni.canberra.edu.au::e9e33d8b-5f28-4025-9e9e-21f7d590a063" providerId="AD" clId="Web-{27CD75E6-F262-4FFE-829F-336B98C2B3C5}" dt="2023-10-07T03:46:39.571" v="9" actId="1076"/>
-          <ac:picMkLst>
-            <pc:docMk/>
-            <pc:sldMk cId="4212917468" sldId="260"/>
-            <ac:picMk id="26" creationId="{A60436FE-2E5F-FA8E-AFEE-172B8502859B}"/>
-          </ac:picMkLst>
-        </pc:picChg>
       </pc:sldChg>
     </pc:docChg>
   </pc:docChgLst>
   <pc:docChgLst>
-    <pc:chgData name="Curtis.Richardson" userId="S::u3201908@uni.canberra.edu.au::5a3d664a-8736-421b-a879-7f578dcad4e8" providerId="AD" clId="Web-{2B3AC9E3-50E4-4C57-8573-6348C90DE6E0}"/>
+    <pc:chgData name="Curtis.Richardson" userId="S::u3201908@uni.canberra.edu.au::5a3d664a-8736-421b-a879-7f578dcad4e8" providerId="AD" clId="Web-{6DE166B3-5308-4EF4-8C0C-842D859D4799}"/>
     <pc:docChg chg="modSld">
-      <pc:chgData name="Curtis.Richardson" userId="S::u3201908@uni.canberra.edu.au::5a3d664a-8736-421b-a879-7f578dcad4e8" providerId="AD" clId="Web-{2B3AC9E3-50E4-4C57-8573-6348C90DE6E0}" dt="2023-10-09T00:36:10.254" v="1" actId="20577"/>
+      <pc:chgData name="Curtis.Richardson" userId="S::u3201908@uni.canberra.edu.au::5a3d664a-8736-421b-a879-7f578dcad4e8" providerId="AD" clId="Web-{6DE166B3-5308-4EF4-8C0C-842D859D4799}" dt="2023-10-09T00:34:01.991" v="1"/>
       <pc:docMkLst>
         <pc:docMk/>
       </pc:docMkLst>
-      <pc:sldChg chg="modSp">
-        <pc:chgData name="Curtis.Richardson" userId="S::u3201908@uni.canberra.edu.au::5a3d664a-8736-421b-a879-7f578dcad4e8" providerId="AD" clId="Web-{2B3AC9E3-50E4-4C57-8573-6348C90DE6E0}" dt="2023-10-09T00:36:10.254" v="1" actId="20577"/>
+      <pc:sldChg chg="modNotes">
+        <pc:chgData name="Curtis.Richardson" userId="S::u3201908@uni.canberra.edu.au::5a3d664a-8736-421b-a879-7f578dcad4e8" providerId="AD" clId="Web-{6DE166B3-5308-4EF4-8C0C-842D859D4799}" dt="2023-10-09T00:34:01.991" v="1"/>
         <pc:sldMkLst>
           <pc:docMk/>
-          <pc:sldMk cId="1102643536" sldId="278"/>
+          <pc:sldMk cId="2169961402" sldId="285"/>
+        </pc:sldMkLst>
+      </pc:sldChg>
+    </pc:docChg>
+  </pc:docChgLst>
+  <pc:docChgLst>
+    <pc:chgData name="Curtis.Richardson" userId="S::u3201908@uni.canberra.edu.au::5a3d664a-8736-421b-a879-7f578dcad4e8" providerId="AD" clId="Web-{9E4E769F-5503-46CD-A5A9-E6AD48AF3775}"/>
+    <pc:docChg chg="modSld sldOrd">
+      <pc:chgData name="Curtis.Richardson" userId="S::u3201908@uni.canberra.edu.au::5a3d664a-8736-421b-a879-7f578dcad4e8" providerId="AD" clId="Web-{9E4E769F-5503-46CD-A5A9-E6AD48AF3775}" dt="2023-10-09T03:50:13.726" v="678"/>
+      <pc:docMkLst>
+        <pc:docMk/>
+      </pc:docMkLst>
+      <pc:sldChg chg="ord">
+        <pc:chgData name="Curtis.Richardson" userId="S::u3201908@uni.canberra.edu.au::5a3d664a-8736-421b-a879-7f578dcad4e8" providerId="AD" clId="Web-{9E4E769F-5503-46CD-A5A9-E6AD48AF3775}" dt="2023-10-09T03:50:00.725" v="677"/>
+        <pc:sldMkLst>
+          <pc:docMk/>
+          <pc:sldMk cId="2563119616" sldId="265"/>
+        </pc:sldMkLst>
+      </pc:sldChg>
+      <pc:sldChg chg="delSp modSp">
+        <pc:chgData name="Curtis.Richardson" userId="S::u3201908@uni.canberra.edu.au::5a3d664a-8736-421b-a879-7f578dcad4e8" providerId="AD" clId="Web-{9E4E769F-5503-46CD-A5A9-E6AD48AF3775}" dt="2023-10-09T03:49:10.943" v="666" actId="20577"/>
+        <pc:sldMkLst>
+          <pc:docMk/>
+          <pc:sldMk cId="2068641284" sldId="279"/>
+        </pc:sldMkLst>
+        <pc:spChg chg="del">
+          <ac:chgData name="Curtis.Richardson" userId="S::u3201908@uni.canberra.edu.au::5a3d664a-8736-421b-a879-7f578dcad4e8" providerId="AD" clId="Web-{9E4E769F-5503-46CD-A5A9-E6AD48AF3775}" dt="2023-10-09T03:46:06.001" v="541"/>
+          <ac:spMkLst>
+            <pc:docMk/>
+            <pc:sldMk cId="2068641284" sldId="279"/>
+            <ac:spMk id="7" creationId="{3DF711C5-0717-962D-76F3-0A8766B7911A}"/>
+          </ac:spMkLst>
+        </pc:spChg>
+        <pc:spChg chg="mod">
+          <ac:chgData name="Curtis.Richardson" userId="S::u3201908@uni.canberra.edu.au::5a3d664a-8736-421b-a879-7f578dcad4e8" providerId="AD" clId="Web-{9E4E769F-5503-46CD-A5A9-E6AD48AF3775}" dt="2023-10-09T03:49:10.943" v="666" actId="20577"/>
+          <ac:spMkLst>
+            <pc:docMk/>
+            <pc:sldMk cId="2068641284" sldId="279"/>
+            <ac:spMk id="9" creationId="{13F4D941-B97F-B00C-76DB-691046CF9E0A}"/>
+          </ac:spMkLst>
+        </pc:spChg>
+      </pc:sldChg>
+      <pc:sldChg chg="ord">
+        <pc:chgData name="Curtis.Richardson" userId="S::u3201908@uni.canberra.edu.au::5a3d664a-8736-421b-a879-7f578dcad4e8" providerId="AD" clId="Web-{9E4E769F-5503-46CD-A5A9-E6AD48AF3775}" dt="2023-10-09T03:50:13.726" v="678"/>
+        <pc:sldMkLst>
+          <pc:docMk/>
+          <pc:sldMk cId="2852717937" sldId="282"/>
+        </pc:sldMkLst>
+      </pc:sldChg>
+      <pc:sldChg chg="modNotes">
+        <pc:chgData name="Curtis.Richardson" userId="S::u3201908@uni.canberra.edu.au::5a3d664a-8736-421b-a879-7f578dcad4e8" providerId="AD" clId="Web-{9E4E769F-5503-46CD-A5A9-E6AD48AF3775}" dt="2023-10-09T03:49:56.835" v="676"/>
+        <pc:sldMkLst>
+          <pc:docMk/>
+          <pc:sldMk cId="2107094149" sldId="283"/>
+        </pc:sldMkLst>
+      </pc:sldChg>
+      <pc:sldChg chg="modSp">
+        <pc:chgData name="Curtis.Richardson" userId="S::u3201908@uni.canberra.edu.au::5a3d664a-8736-421b-a879-7f578dcad4e8" providerId="AD" clId="Web-{9E4E769F-5503-46CD-A5A9-E6AD48AF3775}" dt="2023-10-09T03:36:49.661" v="137" actId="20577"/>
+        <pc:sldMkLst>
+          <pc:docMk/>
+          <pc:sldMk cId="2576133969" sldId="288"/>
+        </pc:sldMkLst>
+        <pc:graphicFrameChg chg="modGraphic">
+          <ac:chgData name="Curtis.Richardson" userId="S::u3201908@uni.canberra.edu.au::5a3d664a-8736-421b-a879-7f578dcad4e8" providerId="AD" clId="Web-{9E4E769F-5503-46CD-A5A9-E6AD48AF3775}" dt="2023-10-09T03:36:49.661" v="137" actId="20577"/>
+          <ac:graphicFrameMkLst>
+            <pc:docMk/>
+            <pc:sldMk cId="2576133969" sldId="288"/>
+            <ac:graphicFrameMk id="6" creationId="{D14715CF-1E28-E09B-0D9A-F79DE54FAB99}"/>
+          </ac:graphicFrameMkLst>
+        </pc:graphicFrameChg>
+      </pc:sldChg>
+      <pc:sldChg chg="modSp">
+        <pc:chgData name="Curtis.Richardson" userId="S::u3201908@uni.canberra.edu.au::5a3d664a-8736-421b-a879-7f578dcad4e8" providerId="AD" clId="Web-{9E4E769F-5503-46CD-A5A9-E6AD48AF3775}" dt="2023-10-09T03:37:22.036" v="141" actId="20577"/>
+        <pc:sldMkLst>
+          <pc:docMk/>
+          <pc:sldMk cId="3105804923" sldId="293"/>
         </pc:sldMkLst>
         <pc:spChg chg="mod">
-          <ac:chgData name="Curtis.Richardson" userId="S::u3201908@uni.canberra.edu.au::5a3d664a-8736-421b-a879-7f578dcad4e8" providerId="AD" clId="Web-{2B3AC9E3-50E4-4C57-8573-6348C90DE6E0}" dt="2023-10-09T00:36:10.254" v="1" actId="20577"/>
+          <ac:chgData name="Curtis.Richardson" userId="S::u3201908@uni.canberra.edu.au::5a3d664a-8736-421b-a879-7f578dcad4e8" providerId="AD" clId="Web-{9E4E769F-5503-46CD-A5A9-E6AD48AF3775}" dt="2023-10-09T03:37:22.036" v="141" actId="20577"/>
           <ac:spMkLst>
             <pc:docMk/>
-            <pc:sldMk cId="1102643536" sldId="278"/>
-            <ac:spMk id="37" creationId="{7990731F-95DE-4F44-8EA0-E275CEAFD8A2}"/>
+            <pc:sldMk cId="3105804923" sldId="293"/>
+            <ac:spMk id="23" creationId="{63520EF2-F970-9413-3201-5F8599F01594}"/>
           </ac:spMkLst>
         </pc:spChg>
       </pc:sldChg>
     </pc:docChg>
   </pc:docChgLst>
   <pc:docChgLst>
-    <pc:chgData name="Curtis.Richardson" userId="S::u3201908@uni.canberra.edu.au::5a3d664a-8736-421b-a879-7f578dcad4e8" providerId="AD" clId="Web-{F067F2B7-3F8A-4446-9B82-1F015354FFE7}"/>
+    <pc:chgData name="Minjeong.Kim" userId="S::u3225675@uni.canberra.edu.au::e9e33d8b-5f28-4025-9e9e-21f7d590a063" providerId="AD" clId="Web-{9450F87E-F497-4509-8F8C-4E1F7C737596}"/>
     <pc:docChg chg="modSld">
-      <pc:chgData name="Curtis.Richardson" userId="S::u3201908@uni.canberra.edu.au::5a3d664a-8736-421b-a879-7f578dcad4e8" providerId="AD" clId="Web-{F067F2B7-3F8A-4446-9B82-1F015354FFE7}" dt="2023-10-09T02:36:26.041" v="21" actId="20577"/>
+      <pc:chgData name="Minjeong.Kim" userId="S::u3225675@uni.canberra.edu.au::e9e33d8b-5f28-4025-9e9e-21f7d590a063" providerId="AD" clId="Web-{9450F87E-F497-4509-8F8C-4E1F7C737596}" dt="2023-10-09T02:34:50.970" v="34"/>
+      <pc:docMkLst>
+        <pc:docMk/>
+      </pc:docMkLst>
+      <pc:sldChg chg="modNotes">
+        <pc:chgData name="Minjeong.Kim" userId="S::u3225675@uni.canberra.edu.au::e9e33d8b-5f28-4025-9e9e-21f7d590a063" providerId="AD" clId="Web-{9450F87E-F497-4509-8F8C-4E1F7C737596}" dt="2023-10-09T02:34:50.970" v="34"/>
+        <pc:sldMkLst>
+          <pc:docMk/>
+          <pc:sldMk cId="4212917468" sldId="260"/>
+        </pc:sldMkLst>
+      </pc:sldChg>
+      <pc:sldChg chg="modNotes">
+        <pc:chgData name="Minjeong.Kim" userId="S::u3225675@uni.canberra.edu.au::e9e33d8b-5f28-4025-9e9e-21f7d590a063" providerId="AD" clId="Web-{9450F87E-F497-4509-8F8C-4E1F7C737596}" dt="2023-10-09T02:29:26.978" v="17"/>
+        <pc:sldMkLst>
+          <pc:docMk/>
+          <pc:sldMk cId="3980004169" sldId="286"/>
+        </pc:sldMkLst>
+      </pc:sldChg>
+    </pc:docChg>
+  </pc:docChgLst>
+  <pc:docChgLst>
+    <pc:chgData name="Curtis.Richardson" userId="S::u3201908@uni.canberra.edu.au::5a3d664a-8736-421b-a879-7f578dcad4e8" providerId="AD" clId="Web-{DE9594D2-E034-4004-B02E-B06246A962E8}"/>
+    <pc:docChg chg="modSld sldOrd">
+      <pc:chgData name="Curtis.Richardson" userId="S::u3201908@uni.canberra.edu.au::5a3d664a-8736-421b-a879-7f578dcad4e8" providerId="AD" clId="Web-{DE9594D2-E034-4004-B02E-B06246A962E8}" dt="2023-10-09T05:00:59.690" v="62"/>
+      <pc:docMkLst>
+        <pc:docMk/>
+      </pc:docMkLst>
+      <pc:sldChg chg="modSp modNotes">
+        <pc:chgData name="Curtis.Richardson" userId="S::u3201908@uni.canberra.edu.au::5a3d664a-8736-421b-a879-7f578dcad4e8" providerId="AD" clId="Web-{DE9594D2-E034-4004-B02E-B06246A962E8}" dt="2023-10-09T05:00:59.690" v="62"/>
+        <pc:sldMkLst>
+          <pc:docMk/>
+          <pc:sldMk cId="2107094149" sldId="283"/>
+        </pc:sldMkLst>
+        <pc:spChg chg="mod">
+          <ac:chgData name="Curtis.Richardson" userId="S::u3201908@uni.canberra.edu.au::5a3d664a-8736-421b-a879-7f578dcad4e8" providerId="AD" clId="Web-{DE9594D2-E034-4004-B02E-B06246A962E8}" dt="2023-10-09T05:00:26.875" v="49" actId="20577"/>
+          <ac:spMkLst>
+            <pc:docMk/>
+            <pc:sldMk cId="2107094149" sldId="283"/>
+            <ac:spMk id="2" creationId="{E5F191A4-7839-4F63-B17C-7C366C59488C}"/>
+          </ac:spMkLst>
+        </pc:spChg>
+      </pc:sldChg>
+      <pc:sldChg chg="ord">
+        <pc:chgData name="Curtis.Richardson" userId="S::u3201908@uni.canberra.edu.au::5a3d664a-8736-421b-a879-7f578dcad4e8" providerId="AD" clId="Web-{DE9594D2-E034-4004-B02E-B06246A962E8}" dt="2023-10-09T04:56:32.611" v="0"/>
+        <pc:sldMkLst>
+          <pc:docMk/>
+          <pc:sldMk cId="2576133969" sldId="288"/>
+        </pc:sldMkLst>
+      </pc:sldChg>
+      <pc:sldChg chg="ord">
+        <pc:chgData name="Curtis.Richardson" userId="S::u3201908@uni.canberra.edu.au::5a3d664a-8736-421b-a879-7f578dcad4e8" providerId="AD" clId="Web-{DE9594D2-E034-4004-B02E-B06246A962E8}" dt="2023-10-09T04:56:34.564" v="1"/>
+        <pc:sldMkLst>
+          <pc:docMk/>
+          <pc:sldMk cId="4255055894" sldId="289"/>
+        </pc:sldMkLst>
+      </pc:sldChg>
+    </pc:docChg>
+  </pc:docChgLst>
+  <pc:docChgLst>
+    <pc:chgData name="Curtis.Richardson" userId="S::u3201908@uni.canberra.edu.au::5a3d664a-8736-421b-a879-7f578dcad4e8" providerId="AD" clId="Web-{BE5106F9-30F4-41BD-BA1F-C7AD3731F44A}"/>
+    <pc:docChg chg="addSld delSld modSld sldOrd addSection delSection modSection">
+      <pc:chgData name="Curtis.Richardson" userId="S::u3201908@uni.canberra.edu.au::5a3d664a-8736-421b-a879-7f578dcad4e8" providerId="AD" clId="Web-{BE5106F9-30F4-41BD-BA1F-C7AD3731F44A}" dt="2023-10-09T05:38:35.977" v="202" actId="20577"/>
       <pc:docMkLst>
         <pc:docMk/>
       </pc:docMkLst>
       <pc:sldChg chg="modSp">
-        <pc:chgData name="Curtis.Richardson" userId="S::u3201908@uni.canberra.edu.au::5a3d664a-8736-421b-a879-7f578dcad4e8" providerId="AD" clId="Web-{F067F2B7-3F8A-4446-9B82-1F015354FFE7}" dt="2023-10-09T02:36:26.041" v="21" actId="20577"/>
+        <pc:chgData name="Curtis.Richardson" userId="S::u3201908@uni.canberra.edu.au::5a3d664a-8736-421b-a879-7f578dcad4e8" providerId="AD" clId="Web-{BE5106F9-30F4-41BD-BA1F-C7AD3731F44A}" dt="2023-10-09T05:32:48.121" v="134" actId="20577"/>
         <pc:sldMkLst>
           <pc:docMk/>
-          <pc:sldMk cId="2068641284" sldId="279"/>
+          <pc:sldMk cId="445070695" sldId="267"/>
         </pc:sldMkLst>
         <pc:spChg chg="mod">
-          <ac:chgData name="Curtis.Richardson" userId="S::u3201908@uni.canberra.edu.au::5a3d664a-8736-421b-a879-7f578dcad4e8" providerId="AD" clId="Web-{F067F2B7-3F8A-4446-9B82-1F015354FFE7}" dt="2023-10-09T02:36:26.041" v="21" actId="20577"/>
+          <ac:chgData name="Curtis.Richardson" userId="S::u3201908@uni.canberra.edu.au::5a3d664a-8736-421b-a879-7f578dcad4e8" providerId="AD" clId="Web-{BE5106F9-30F4-41BD-BA1F-C7AD3731F44A}" dt="2023-10-09T05:32:48.121" v="134" actId="20577"/>
           <ac:spMkLst>
             <pc:docMk/>
-            <pc:sldMk cId="2068641284" sldId="279"/>
-            <ac:spMk id="9" creationId="{13F4D941-B97F-B00C-76DB-691046CF9E0A}"/>
+            <pc:sldMk cId="445070695" sldId="267"/>
+            <ac:spMk id="3" creationId="{7B943E7C-A74D-4CB3-844B-51917C88C95F}"/>
           </ac:spMkLst>
         </pc:spChg>
+      </pc:sldChg>
+      <pc:sldChg chg="ord">
+        <pc:chgData name="Curtis.Richardson" userId="S::u3201908@uni.canberra.edu.au::5a3d664a-8736-421b-a879-7f578dcad4e8" providerId="AD" clId="Web-{BE5106F9-30F4-41BD-BA1F-C7AD3731F44A}" dt="2023-10-09T05:30:41.273" v="121"/>
+        <pc:sldMkLst>
+          <pc:docMk/>
+          <pc:sldMk cId="3828285987" sldId="280"/>
+        </pc:sldMkLst>
+      </pc:sldChg>
+      <pc:sldChg chg="modSp">
+        <pc:chgData name="Curtis.Richardson" userId="S::u3201908@uni.canberra.edu.au::5a3d664a-8736-421b-a879-7f578dcad4e8" providerId="AD" clId="Web-{BE5106F9-30F4-41BD-BA1F-C7AD3731F44A}" dt="2023-10-09T05:25:41.310" v="11" actId="20577"/>
+        <pc:sldMkLst>
+          <pc:docMk/>
+          <pc:sldMk cId="2107094149" sldId="283"/>
+        </pc:sldMkLst>
+        <pc:spChg chg="mod">
+          <ac:chgData name="Curtis.Richardson" userId="S::u3201908@uni.canberra.edu.au::5a3d664a-8736-421b-a879-7f578dcad4e8" providerId="AD" clId="Web-{BE5106F9-30F4-41BD-BA1F-C7AD3731F44A}" dt="2023-10-09T05:25:41.310" v="11" actId="20577"/>
+          <ac:spMkLst>
+            <pc:docMk/>
+            <pc:sldMk cId="2107094149" sldId="283"/>
+            <ac:spMk id="2" creationId="{E5F191A4-7839-4F63-B17C-7C366C59488C}"/>
+          </ac:spMkLst>
+        </pc:spChg>
+      </pc:sldChg>
+      <pc:sldChg chg="modNotes">
+        <pc:chgData name="Curtis.Richardson" userId="S::u3201908@uni.canberra.edu.au::5a3d664a-8736-421b-a879-7f578dcad4e8" providerId="AD" clId="Web-{BE5106F9-30F4-41BD-BA1F-C7AD3731F44A}" dt="2023-10-09T05:26:58.203" v="102"/>
+        <pc:sldMkLst>
+          <pc:docMk/>
+          <pc:sldMk cId="1595907160" sldId="290"/>
+        </pc:sldMkLst>
+      </pc:sldChg>
+      <pc:sldChg chg="modSp ord">
+        <pc:chgData name="Curtis.Richardson" userId="S::u3201908@uni.canberra.edu.au::5a3d664a-8736-421b-a879-7f578dcad4e8" providerId="AD" clId="Web-{BE5106F9-30F4-41BD-BA1F-C7AD3731F44A}" dt="2023-10-09T05:33:07.669" v="137"/>
+        <pc:sldMkLst>
+          <pc:docMk/>
+          <pc:sldMk cId="3105804923" sldId="293"/>
+        </pc:sldMkLst>
+        <pc:spChg chg="mod">
+          <ac:chgData name="Curtis.Richardson" userId="S::u3201908@uni.canberra.edu.au::5a3d664a-8736-421b-a879-7f578dcad4e8" providerId="AD" clId="Web-{BE5106F9-30F4-41BD-BA1F-C7AD3731F44A}" dt="2023-10-09T05:26:05.998" v="20" actId="20577"/>
+          <ac:spMkLst>
+            <pc:docMk/>
+            <pc:sldMk cId="3105804923" sldId="293"/>
+            <ac:spMk id="23" creationId="{63520EF2-F970-9413-3201-5F8599F01594}"/>
+          </ac:spMkLst>
+        </pc:spChg>
+      </pc:sldChg>
+      <pc:sldChg chg="addSp delSp modSp add mod ord replId modClrScheme chgLayout modNotes">
+        <pc:chgData name="Curtis.Richardson" userId="S::u3201908@uni.canberra.edu.au::5a3d664a-8736-421b-a879-7f578dcad4e8" providerId="AD" clId="Web-{BE5106F9-30F4-41BD-BA1F-C7AD3731F44A}" dt="2023-10-09T05:38:35.977" v="202" actId="20577"/>
+        <pc:sldMkLst>
+          <pc:docMk/>
+          <pc:sldMk cId="650017812" sldId="294"/>
+        </pc:sldMkLst>
+        <pc:spChg chg="del mod">
+          <ac:chgData name="Curtis.Richardson" userId="S::u3201908@uni.canberra.edu.au::5a3d664a-8736-421b-a879-7f578dcad4e8" providerId="AD" clId="Web-{BE5106F9-30F4-41BD-BA1F-C7AD3731F44A}" dt="2023-10-09T05:33:48.420" v="143"/>
+          <ac:spMkLst>
+            <pc:docMk/>
+            <pc:sldMk cId="650017812" sldId="294"/>
+            <ac:spMk id="2" creationId="{33AF65A7-995A-9F45-891C-82D9B9D40801}"/>
+          </ac:spMkLst>
+        </pc:spChg>
+        <pc:spChg chg="mod ord">
+          <ac:chgData name="Curtis.Richardson" userId="S::u3201908@uni.canberra.edu.au::5a3d664a-8736-421b-a879-7f578dcad4e8" providerId="AD" clId="Web-{BE5106F9-30F4-41BD-BA1F-C7AD3731F44A}" dt="2023-10-09T05:34:47.547" v="150"/>
+          <ac:spMkLst>
+            <pc:docMk/>
+            <pc:sldMk cId="650017812" sldId="294"/>
+            <ac:spMk id="3" creationId="{478098D2-E050-4923-6595-9B43771E61FE}"/>
+          </ac:spMkLst>
+        </pc:spChg>
+        <pc:spChg chg="mod ord">
+          <ac:chgData name="Curtis.Richardson" userId="S::u3201908@uni.canberra.edu.au::5a3d664a-8736-421b-a879-7f578dcad4e8" providerId="AD" clId="Web-{BE5106F9-30F4-41BD-BA1F-C7AD3731F44A}" dt="2023-10-09T05:34:47.547" v="150"/>
+          <ac:spMkLst>
+            <pc:docMk/>
+            <pc:sldMk cId="650017812" sldId="294"/>
+            <ac:spMk id="4" creationId="{6E4EA976-8646-0143-BA18-8675E6FA5EB7}"/>
+          </ac:spMkLst>
+        </pc:spChg>
+        <pc:spChg chg="mod ord">
+          <ac:chgData name="Curtis.Richardson" userId="S::u3201908@uni.canberra.edu.au::5a3d664a-8736-421b-a879-7f578dcad4e8" providerId="AD" clId="Web-{BE5106F9-30F4-41BD-BA1F-C7AD3731F44A}" dt="2023-10-09T05:34:47.547" v="150"/>
+          <ac:spMkLst>
+            <pc:docMk/>
+            <pc:sldMk cId="650017812" sldId="294"/>
+            <ac:spMk id="5" creationId="{7003A5E2-8F37-D546-BCD9-24A2037BB54D}"/>
+          </ac:spMkLst>
+        </pc:spChg>
+        <pc:spChg chg="del">
+          <ac:chgData name="Curtis.Richardson" userId="S::u3201908@uni.canberra.edu.au::5a3d664a-8736-421b-a879-7f578dcad4e8" providerId="AD" clId="Web-{BE5106F9-30F4-41BD-BA1F-C7AD3731F44A}" dt="2023-10-09T05:33:45.373" v="142"/>
+          <ac:spMkLst>
+            <pc:docMk/>
+            <pc:sldMk cId="650017812" sldId="294"/>
+            <ac:spMk id="7" creationId="{E178654B-08C9-4C41-8BEC-DFB720245862}"/>
+          </ac:spMkLst>
+        </pc:spChg>
+        <pc:spChg chg="add del mod">
+          <ac:chgData name="Curtis.Richardson" userId="S::u3201908@uni.canberra.edu.au::5a3d664a-8736-421b-a879-7f578dcad4e8" providerId="AD" clId="Web-{BE5106F9-30F4-41BD-BA1F-C7AD3731F44A}" dt="2023-10-09T05:33:56.811" v="146"/>
+          <ac:spMkLst>
+            <pc:docMk/>
+            <pc:sldMk cId="650017812" sldId="294"/>
+            <ac:spMk id="9" creationId="{59332418-A83F-92AD-60B9-447CD4A037AA}"/>
+          </ac:spMkLst>
+        </pc:spChg>
+        <pc:spChg chg="add del mod">
+          <ac:chgData name="Curtis.Richardson" userId="S::u3201908@uni.canberra.edu.au::5a3d664a-8736-421b-a879-7f578dcad4e8" providerId="AD" clId="Web-{BE5106F9-30F4-41BD-BA1F-C7AD3731F44A}" dt="2023-10-09T05:33:53.827" v="145"/>
+          <ac:spMkLst>
+            <pc:docMk/>
+            <pc:sldMk cId="650017812" sldId="294"/>
+            <ac:spMk id="11" creationId="{B1D16A01-583C-FBD9-971C-29A5C7DC4844}"/>
+          </ac:spMkLst>
+        </pc:spChg>
+        <pc:spChg chg="del mod">
+          <ac:chgData name="Curtis.Richardson" userId="S::u3201908@uni.canberra.edu.au::5a3d664a-8736-421b-a879-7f578dcad4e8" providerId="AD" clId="Web-{BE5106F9-30F4-41BD-BA1F-C7AD3731F44A}" dt="2023-10-09T05:33:33.795" v="140"/>
+          <ac:spMkLst>
+            <pc:docMk/>
+            <pc:sldMk cId="650017812" sldId="294"/>
+            <ac:spMk id="13" creationId="{6118A1B7-08BA-6B43-BBA8-952377DF944D}"/>
+          </ac:spMkLst>
+        </pc:spChg>
+        <pc:spChg chg="del">
+          <ac:chgData name="Curtis.Richardson" userId="S::u3201908@uni.canberra.edu.au::5a3d664a-8736-421b-a879-7f578dcad4e8" providerId="AD" clId="Web-{BE5106F9-30F4-41BD-BA1F-C7AD3731F44A}" dt="2023-10-09T05:33:37.373" v="141"/>
+          <ac:spMkLst>
+            <pc:docMk/>
+            <pc:sldMk cId="650017812" sldId="294"/>
+            <ac:spMk id="14" creationId="{A1F17760-D90A-AB46-A4E0-31B2684E3F5E}"/>
+          </ac:spMkLst>
+        </pc:spChg>
+        <pc:spChg chg="add del mod">
+          <ac:chgData name="Curtis.Richardson" userId="S::u3201908@uni.canberra.edu.au::5a3d664a-8736-421b-a879-7f578dcad4e8" providerId="AD" clId="Web-{BE5106F9-30F4-41BD-BA1F-C7AD3731F44A}" dt="2023-10-09T05:33:51.186" v="144"/>
+          <ac:spMkLst>
+            <pc:docMk/>
+            <pc:sldMk cId="650017812" sldId="294"/>
+            <ac:spMk id="15" creationId="{DB371760-E5BC-408B-8F5B-49E3164A8F6A}"/>
+          </ac:spMkLst>
+        </pc:spChg>
+        <pc:spChg chg="add del mod ord">
+          <ac:chgData name="Curtis.Richardson" userId="S::u3201908@uni.canberra.edu.au::5a3d664a-8736-421b-a879-7f578dcad4e8" providerId="AD" clId="Web-{BE5106F9-30F4-41BD-BA1F-C7AD3731F44A}" dt="2023-10-09T05:34:47.547" v="150"/>
+          <ac:spMkLst>
+            <pc:docMk/>
+            <pc:sldMk cId="650017812" sldId="294"/>
+            <ac:spMk id="16" creationId="{8CEAF809-9AF5-A740-DCCC-D55111912160}"/>
+          </ac:spMkLst>
+        </pc:spChg>
+        <pc:spChg chg="add del mod ord">
+          <ac:chgData name="Curtis.Richardson" userId="S::u3201908@uni.canberra.edu.au::5a3d664a-8736-421b-a879-7f578dcad4e8" providerId="AD" clId="Web-{BE5106F9-30F4-41BD-BA1F-C7AD3731F44A}" dt="2023-10-09T05:34:47.547" v="150"/>
+          <ac:spMkLst>
+            <pc:docMk/>
+            <pc:sldMk cId="650017812" sldId="294"/>
+            <ac:spMk id="17" creationId="{8BE713AA-D4FB-9092-2A05-02D08B2F9250}"/>
+          </ac:spMkLst>
+        </pc:spChg>
+        <pc:spChg chg="add del">
+          <ac:chgData name="Curtis.Richardson" userId="S::u3201908@uni.canberra.edu.au::5a3d664a-8736-421b-a879-7f578dcad4e8" providerId="AD" clId="Web-{BE5106F9-30F4-41BD-BA1F-C7AD3731F44A}" dt="2023-10-09T05:35:43.815" v="157"/>
+          <ac:spMkLst>
+            <pc:docMk/>
+            <pc:sldMk cId="650017812" sldId="294"/>
+            <ac:spMk id="18" creationId="{C7BB2E6E-7FCE-C49F-48A3-E042F92BDC42}"/>
+          </ac:spMkLst>
+        </pc:spChg>
+        <pc:spChg chg="add mod">
+          <ac:chgData name="Curtis.Richardson" userId="S::u3201908@uni.canberra.edu.au::5a3d664a-8736-421b-a879-7f578dcad4e8" providerId="AD" clId="Web-{BE5106F9-30F4-41BD-BA1F-C7AD3731F44A}" dt="2023-10-09T05:37:15.083" v="183" actId="14100"/>
+          <ac:spMkLst>
+            <pc:docMk/>
+            <pc:sldMk cId="650017812" sldId="294"/>
+            <ac:spMk id="20" creationId="{3AFBEB63-9431-D70F-1CF5-2780A212FFD2}"/>
+          </ac:spMkLst>
+        </pc:spChg>
+        <pc:spChg chg="add mod">
+          <ac:chgData name="Curtis.Richardson" userId="S::u3201908@uni.canberra.edu.au::5a3d664a-8736-421b-a879-7f578dcad4e8" providerId="AD" clId="Web-{BE5106F9-30F4-41BD-BA1F-C7AD3731F44A}" dt="2023-10-09T05:38:35.977" v="202" actId="20577"/>
+          <ac:spMkLst>
+            <pc:docMk/>
+            <pc:sldMk cId="650017812" sldId="294"/>
+            <ac:spMk id="22" creationId="{2EB98486-74F6-7F88-A0A0-F879903F080C}"/>
+          </ac:spMkLst>
+        </pc:spChg>
+        <pc:picChg chg="add del mod">
+          <ac:chgData name="Curtis.Richardson" userId="S::u3201908@uni.canberra.edu.au::5a3d664a-8736-421b-a879-7f578dcad4e8" providerId="AD" clId="Web-{BE5106F9-30F4-41BD-BA1F-C7AD3731F44A}" dt="2023-10-09T05:29:14.755" v="111"/>
+          <ac:picMkLst>
+            <pc:docMk/>
+            <pc:sldMk cId="650017812" sldId="294"/>
+            <ac:picMk id="6" creationId="{70ACA5D7-5406-02E4-FF44-015B6E68C94F}"/>
+          </ac:picMkLst>
+        </pc:picChg>
+      </pc:sldChg>
+      <pc:sldChg chg="new del">
+        <pc:chgData name="Curtis.Richardson" userId="S::u3201908@uni.canberra.edu.au::5a3d664a-8736-421b-a879-7f578dcad4e8" providerId="AD" clId="Web-{BE5106F9-30F4-41BD-BA1F-C7AD3731F44A}" dt="2023-10-09T05:34:16.249" v="148"/>
+        <pc:sldMkLst>
+          <pc:docMk/>
+          <pc:sldMk cId="1353624176" sldId="295"/>
+        </pc:sldMkLst>
+      </pc:sldChg>
+      <pc:sldChg chg="new del">
+        <pc:chgData name="Curtis.Richardson" userId="S::u3201908@uni.canberra.edu.au::5a3d664a-8736-421b-a879-7f578dcad4e8" providerId="AD" clId="Web-{BE5106F9-30F4-41BD-BA1F-C7AD3731F44A}" dt="2023-10-09T05:33:20.950" v="139"/>
+        <pc:sldMkLst>
+          <pc:docMk/>
+          <pc:sldMk cId="1754640520" sldId="295"/>
+        </pc:sldMkLst>
+      </pc:sldChg>
+      <pc:sldChg chg="new del">
+        <pc:chgData name="Curtis.Richardson" userId="S::u3201908@uni.canberra.edu.au::5a3d664a-8736-421b-a879-7f578dcad4e8" providerId="AD" clId="Web-{BE5106F9-30F4-41BD-BA1F-C7AD3731F44A}" dt="2023-10-09T05:35:01.985" v="152"/>
+        <pc:sldMkLst>
+          <pc:docMk/>
+          <pc:sldMk cId="2059130330" sldId="295"/>
+        </pc:sldMkLst>
       </pc:sldChg>
     </pc:docChg>
   </pc:docChgLst>
@@ -739,197 +1056,6 @@
         <pc:sldMkLst>
           <pc:docMk/>
           <pc:sldMk cId="2272833977" sldId="285"/>
-        </pc:sldMkLst>
-      </pc:sldChg>
-    </pc:docChg>
-  </pc:docChgLst>
-  <pc:docChgLst>
-    <pc:chgData name="Curtis.Richardson" userId="S::u3201908@uni.canberra.edu.au::5a3d664a-8736-421b-a879-7f578dcad4e8" providerId="AD" clId="Web-{9E4E769F-5503-46CD-A5A9-E6AD48AF3775}"/>
-    <pc:docChg chg="modSld sldOrd">
-      <pc:chgData name="Curtis.Richardson" userId="S::u3201908@uni.canberra.edu.au::5a3d664a-8736-421b-a879-7f578dcad4e8" providerId="AD" clId="Web-{9E4E769F-5503-46CD-A5A9-E6AD48AF3775}" dt="2023-10-09T03:50:13.726" v="678"/>
-      <pc:docMkLst>
-        <pc:docMk/>
-      </pc:docMkLst>
-      <pc:sldChg chg="ord">
-        <pc:chgData name="Curtis.Richardson" userId="S::u3201908@uni.canberra.edu.au::5a3d664a-8736-421b-a879-7f578dcad4e8" providerId="AD" clId="Web-{9E4E769F-5503-46CD-A5A9-E6AD48AF3775}" dt="2023-10-09T03:50:00.725" v="677"/>
-        <pc:sldMkLst>
-          <pc:docMk/>
-          <pc:sldMk cId="2563119616" sldId="265"/>
-        </pc:sldMkLst>
-      </pc:sldChg>
-      <pc:sldChg chg="delSp modSp">
-        <pc:chgData name="Curtis.Richardson" userId="S::u3201908@uni.canberra.edu.au::5a3d664a-8736-421b-a879-7f578dcad4e8" providerId="AD" clId="Web-{9E4E769F-5503-46CD-A5A9-E6AD48AF3775}" dt="2023-10-09T03:49:10.943" v="666" actId="20577"/>
-        <pc:sldMkLst>
-          <pc:docMk/>
-          <pc:sldMk cId="2068641284" sldId="279"/>
-        </pc:sldMkLst>
-        <pc:spChg chg="del">
-          <ac:chgData name="Curtis.Richardson" userId="S::u3201908@uni.canberra.edu.au::5a3d664a-8736-421b-a879-7f578dcad4e8" providerId="AD" clId="Web-{9E4E769F-5503-46CD-A5A9-E6AD48AF3775}" dt="2023-10-09T03:46:06.001" v="541"/>
-          <ac:spMkLst>
-            <pc:docMk/>
-            <pc:sldMk cId="2068641284" sldId="279"/>
-            <ac:spMk id="7" creationId="{3DF711C5-0717-962D-76F3-0A8766B7911A}"/>
-          </ac:spMkLst>
-        </pc:spChg>
-        <pc:spChg chg="mod">
-          <ac:chgData name="Curtis.Richardson" userId="S::u3201908@uni.canberra.edu.au::5a3d664a-8736-421b-a879-7f578dcad4e8" providerId="AD" clId="Web-{9E4E769F-5503-46CD-A5A9-E6AD48AF3775}" dt="2023-10-09T03:49:10.943" v="666" actId="20577"/>
-          <ac:spMkLst>
-            <pc:docMk/>
-            <pc:sldMk cId="2068641284" sldId="279"/>
-            <ac:spMk id="9" creationId="{13F4D941-B97F-B00C-76DB-691046CF9E0A}"/>
-          </ac:spMkLst>
-        </pc:spChg>
-      </pc:sldChg>
-      <pc:sldChg chg="ord">
-        <pc:chgData name="Curtis.Richardson" userId="S::u3201908@uni.canberra.edu.au::5a3d664a-8736-421b-a879-7f578dcad4e8" providerId="AD" clId="Web-{9E4E769F-5503-46CD-A5A9-E6AD48AF3775}" dt="2023-10-09T03:50:13.726" v="678"/>
-        <pc:sldMkLst>
-          <pc:docMk/>
-          <pc:sldMk cId="2852717937" sldId="282"/>
-        </pc:sldMkLst>
-      </pc:sldChg>
-      <pc:sldChg chg="modNotes">
-        <pc:chgData name="Curtis.Richardson" userId="S::u3201908@uni.canberra.edu.au::5a3d664a-8736-421b-a879-7f578dcad4e8" providerId="AD" clId="Web-{9E4E769F-5503-46CD-A5A9-E6AD48AF3775}" dt="2023-10-09T03:49:56.835" v="676"/>
-        <pc:sldMkLst>
-          <pc:docMk/>
-          <pc:sldMk cId="2107094149" sldId="283"/>
-        </pc:sldMkLst>
-      </pc:sldChg>
-      <pc:sldChg chg="modSp">
-        <pc:chgData name="Curtis.Richardson" userId="S::u3201908@uni.canberra.edu.au::5a3d664a-8736-421b-a879-7f578dcad4e8" providerId="AD" clId="Web-{9E4E769F-5503-46CD-A5A9-E6AD48AF3775}" dt="2023-10-09T03:36:49.661" v="137" actId="20577"/>
-        <pc:sldMkLst>
-          <pc:docMk/>
-          <pc:sldMk cId="2576133969" sldId="288"/>
-        </pc:sldMkLst>
-        <pc:graphicFrameChg chg="modGraphic">
-          <ac:chgData name="Curtis.Richardson" userId="S::u3201908@uni.canberra.edu.au::5a3d664a-8736-421b-a879-7f578dcad4e8" providerId="AD" clId="Web-{9E4E769F-5503-46CD-A5A9-E6AD48AF3775}" dt="2023-10-09T03:36:49.661" v="137" actId="20577"/>
-          <ac:graphicFrameMkLst>
-            <pc:docMk/>
-            <pc:sldMk cId="2576133969" sldId="288"/>
-            <ac:graphicFrameMk id="6" creationId="{D14715CF-1E28-E09B-0D9A-F79DE54FAB99}"/>
-          </ac:graphicFrameMkLst>
-        </pc:graphicFrameChg>
-      </pc:sldChg>
-      <pc:sldChg chg="modSp">
-        <pc:chgData name="Curtis.Richardson" userId="S::u3201908@uni.canberra.edu.au::5a3d664a-8736-421b-a879-7f578dcad4e8" providerId="AD" clId="Web-{9E4E769F-5503-46CD-A5A9-E6AD48AF3775}" dt="2023-10-09T03:37:22.036" v="141" actId="20577"/>
-        <pc:sldMkLst>
-          <pc:docMk/>
-          <pc:sldMk cId="3105804923" sldId="293"/>
-        </pc:sldMkLst>
-        <pc:spChg chg="mod">
-          <ac:chgData name="Curtis.Richardson" userId="S::u3201908@uni.canberra.edu.au::5a3d664a-8736-421b-a879-7f578dcad4e8" providerId="AD" clId="Web-{9E4E769F-5503-46CD-A5A9-E6AD48AF3775}" dt="2023-10-09T03:37:22.036" v="141" actId="20577"/>
-          <ac:spMkLst>
-            <pc:docMk/>
-            <pc:sldMk cId="3105804923" sldId="293"/>
-            <ac:spMk id="23" creationId="{63520EF2-F970-9413-3201-5F8599F01594}"/>
-          </ac:spMkLst>
-        </pc:spChg>
-      </pc:sldChg>
-    </pc:docChg>
-  </pc:docChgLst>
-  <pc:docChgLst>
-    <pc:chgData name="Minjeong.Kim" userId="S::u3225675@uni.canberra.edu.au::e9e33d8b-5f28-4025-9e9e-21f7d590a063" providerId="AD" clId="Web-{117E2835-E9FD-4DE9-9685-2B3D674FBC3F}"/>
-    <pc:docChg chg="modSld">
-      <pc:chgData name="Minjeong.Kim" userId="S::u3225675@uni.canberra.edu.au::e9e33d8b-5f28-4025-9e9e-21f7d590a063" providerId="AD" clId="Web-{117E2835-E9FD-4DE9-9685-2B3D674FBC3F}" dt="2023-10-07T03:42:23.449" v="57" actId="1076"/>
-      <pc:docMkLst>
-        <pc:docMk/>
-      </pc:docMkLst>
-      <pc:sldChg chg="addSp delSp modSp modNotes">
-        <pc:chgData name="Minjeong.Kim" userId="S::u3225675@uni.canberra.edu.au::e9e33d8b-5f28-4025-9e9e-21f7d590a063" providerId="AD" clId="Web-{117E2835-E9FD-4DE9-9685-2B3D674FBC3F}" dt="2023-10-07T03:42:23.449" v="57" actId="1076"/>
-        <pc:sldMkLst>
-          <pc:docMk/>
-          <pc:sldMk cId="4212917468" sldId="260"/>
-        </pc:sldMkLst>
-        <pc:spChg chg="add mod">
-          <ac:chgData name="Minjeong.Kim" userId="S::u3225675@uni.canberra.edu.au::e9e33d8b-5f28-4025-9e9e-21f7d590a063" providerId="AD" clId="Web-{117E2835-E9FD-4DE9-9685-2B3D674FBC3F}" dt="2023-10-07T03:41:56.824" v="50"/>
-          <ac:spMkLst>
-            <pc:docMk/>
-            <pc:sldMk cId="4212917468" sldId="260"/>
-            <ac:spMk id="8" creationId="{177092F7-F306-B15D-5778-114889DE5A60}"/>
-          </ac:spMkLst>
-        </pc:spChg>
-        <pc:graphicFrameChg chg="del">
-          <ac:chgData name="Minjeong.Kim" userId="S::u3225675@uni.canberra.edu.au::e9e33d8b-5f28-4025-9e9e-21f7d590a063" providerId="AD" clId="Web-{117E2835-E9FD-4DE9-9685-2B3D674FBC3F}" dt="2023-10-07T03:41:56.824" v="50"/>
-          <ac:graphicFrameMkLst>
-            <pc:docMk/>
-            <pc:sldMk cId="4212917468" sldId="260"/>
-            <ac:graphicFrameMk id="9" creationId="{3BED260D-999D-AEB9-1368-E94DEC80A52D}"/>
-          </ac:graphicFrameMkLst>
-        </pc:graphicFrameChg>
-        <pc:picChg chg="add mod">
-          <ac:chgData name="Minjeong.Kim" userId="S::u3225675@uni.canberra.edu.au::e9e33d8b-5f28-4025-9e9e-21f7d590a063" providerId="AD" clId="Web-{117E2835-E9FD-4DE9-9685-2B3D674FBC3F}" dt="2023-10-07T03:42:23.449" v="57" actId="1076"/>
-          <ac:picMkLst>
-            <pc:docMk/>
-            <pc:sldMk cId="4212917468" sldId="260"/>
-            <ac:picMk id="4" creationId="{E47BB048-1C46-5378-16B6-83D382586F4E}"/>
-          </ac:picMkLst>
-        </pc:picChg>
-      </pc:sldChg>
-      <pc:sldChg chg="modNotes">
-        <pc:chgData name="Minjeong.Kim" userId="S::u3225675@uni.canberra.edu.au::e9e33d8b-5f28-4025-9e9e-21f7d590a063" providerId="AD" clId="Web-{117E2835-E9FD-4DE9-9685-2B3D674FBC3F}" dt="2023-10-07T03:40:12.399" v="47"/>
-        <pc:sldMkLst>
-          <pc:docMk/>
-          <pc:sldMk cId="2689543258" sldId="277"/>
-        </pc:sldMkLst>
-      </pc:sldChg>
-    </pc:docChg>
-  </pc:docChgLst>
-  <pc:docChgLst>
-    <pc:chgData name="Minjeong.Kim" userId="S::u3225675@uni.canberra.edu.au::e9e33d8b-5f28-4025-9e9e-21f7d590a063" providerId="AD" clId="Web-{26EE4017-5657-4714-B330-B6855347B3C5}"/>
-    <pc:docChg chg="modSld">
-      <pc:chgData name="Minjeong.Kim" userId="S::u3225675@uni.canberra.edu.au::e9e33d8b-5f28-4025-9e9e-21f7d590a063" providerId="AD" clId="Web-{26EE4017-5657-4714-B330-B6855347B3C5}" dt="2023-10-09T01:55:13.788" v="73"/>
-      <pc:docMkLst>
-        <pc:docMk/>
-      </pc:docMkLst>
-      <pc:sldChg chg="modNotes">
-        <pc:chgData name="Minjeong.Kim" userId="S::u3225675@uni.canberra.edu.au::e9e33d8b-5f28-4025-9e9e-21f7d590a063" providerId="AD" clId="Web-{26EE4017-5657-4714-B330-B6855347B3C5}" dt="2023-10-09T01:24:44.661" v="10"/>
-        <pc:sldMkLst>
-          <pc:docMk/>
-          <pc:sldMk cId="2689543258" sldId="277"/>
-        </pc:sldMkLst>
-      </pc:sldChg>
-      <pc:sldChg chg="modNotes">
-        <pc:chgData name="Minjeong.Kim" userId="S::u3225675@uni.canberra.edu.au::e9e33d8b-5f28-4025-9e9e-21f7d590a063" providerId="AD" clId="Web-{26EE4017-5657-4714-B330-B6855347B3C5}" dt="2023-10-09T01:55:13.788" v="73"/>
-        <pc:sldMkLst>
-          <pc:docMk/>
-          <pc:sldMk cId="2169961402" sldId="285"/>
-        </pc:sldMkLst>
-      </pc:sldChg>
-      <pc:sldChg chg="modSp">
-        <pc:chgData name="Minjeong.Kim" userId="S::u3225675@uni.canberra.edu.au::e9e33d8b-5f28-4025-9e9e-21f7d590a063" providerId="AD" clId="Web-{26EE4017-5657-4714-B330-B6855347B3C5}" dt="2023-10-09T01:22:33.940" v="1" actId="1076"/>
-        <pc:sldMkLst>
-          <pc:docMk/>
-          <pc:sldMk cId="2576133969" sldId="288"/>
-        </pc:sldMkLst>
-        <pc:graphicFrameChg chg="mod">
-          <ac:chgData name="Minjeong.Kim" userId="S::u3225675@uni.canberra.edu.au::e9e33d8b-5f28-4025-9e9e-21f7d590a063" providerId="AD" clId="Web-{26EE4017-5657-4714-B330-B6855347B3C5}" dt="2023-10-09T01:22:33.940" v="1" actId="1076"/>
-          <ac:graphicFrameMkLst>
-            <pc:docMk/>
-            <pc:sldMk cId="2576133969" sldId="288"/>
-            <ac:graphicFrameMk id="6" creationId="{D14715CF-1E28-E09B-0D9A-F79DE54FAB99}"/>
-          </ac:graphicFrameMkLst>
-        </pc:graphicFrameChg>
-      </pc:sldChg>
-    </pc:docChg>
-  </pc:docChgLst>
-  <pc:docChgLst>
-    <pc:chgData name="Minjeong.Kim" userId="S::u3225675@uni.canberra.edu.au::e9e33d8b-5f28-4025-9e9e-21f7d590a063" providerId="AD" clId="Web-{0E0A4C50-0176-470B-8221-9D703B201A29}"/>
-    <pc:docChg chg="modSld">
-      <pc:chgData name="Minjeong.Kim" userId="S::u3225675@uni.canberra.edu.au::e9e33d8b-5f28-4025-9e9e-21f7d590a063" providerId="AD" clId="Web-{0E0A4C50-0176-470B-8221-9D703B201A29}" dt="2023-10-09T02:05:26.941" v="36"/>
-      <pc:docMkLst>
-        <pc:docMk/>
-      </pc:docMkLst>
-      <pc:sldChg chg="modNotes">
-        <pc:chgData name="Minjeong.Kim" userId="S::u3225675@uni.canberra.edu.au::e9e33d8b-5f28-4025-9e9e-21f7d590a063" providerId="AD" clId="Web-{0E0A4C50-0176-470B-8221-9D703B201A29}" dt="2023-10-09T02:05:26.941" v="36"/>
-        <pc:sldMkLst>
-          <pc:docMk/>
-          <pc:sldMk cId="4212917468" sldId="260"/>
-        </pc:sldMkLst>
-      </pc:sldChg>
-      <pc:sldChg chg="modNotes">
-        <pc:chgData name="Minjeong.Kim" userId="S::u3225675@uni.canberra.edu.au::e9e33d8b-5f28-4025-9e9e-21f7d590a063" providerId="AD" clId="Web-{0E0A4C50-0176-470B-8221-9D703B201A29}" dt="2023-10-09T02:02:14.577" v="29"/>
-        <pc:sldMkLst>
-          <pc:docMk/>
-          <pc:sldMk cId="2169961402" sldId="285"/>
         </pc:sldMkLst>
       </pc:sldChg>
     </pc:docChg>
@@ -2928,6 +3054,433 @@
             <ac:spMk id="25" creationId="{E68E3008-AF68-2240-2C0E-762DF212A84D}"/>
           </ac:spMkLst>
         </pc:spChg>
+      </pc:sldChg>
+    </pc:docChg>
+  </pc:docChgLst>
+  <pc:docChgLst>
+    <pc:chgData name="Curtis.Richardson" userId="S::u3201908@uni.canberra.edu.au::5a3d664a-8736-421b-a879-7f578dcad4e8" providerId="AD" clId="Web-{2B3AC9E3-50E4-4C57-8573-6348C90DE6E0}"/>
+    <pc:docChg chg="modSld">
+      <pc:chgData name="Curtis.Richardson" userId="S::u3201908@uni.canberra.edu.au::5a3d664a-8736-421b-a879-7f578dcad4e8" providerId="AD" clId="Web-{2B3AC9E3-50E4-4C57-8573-6348C90DE6E0}" dt="2023-10-09T00:36:10.254" v="1" actId="20577"/>
+      <pc:docMkLst>
+        <pc:docMk/>
+      </pc:docMkLst>
+      <pc:sldChg chg="modSp">
+        <pc:chgData name="Curtis.Richardson" userId="S::u3201908@uni.canberra.edu.au::5a3d664a-8736-421b-a879-7f578dcad4e8" providerId="AD" clId="Web-{2B3AC9E3-50E4-4C57-8573-6348C90DE6E0}" dt="2023-10-09T00:36:10.254" v="1" actId="20577"/>
+        <pc:sldMkLst>
+          <pc:docMk/>
+          <pc:sldMk cId="1102643536" sldId="278"/>
+        </pc:sldMkLst>
+        <pc:spChg chg="mod">
+          <ac:chgData name="Curtis.Richardson" userId="S::u3201908@uni.canberra.edu.au::5a3d664a-8736-421b-a879-7f578dcad4e8" providerId="AD" clId="Web-{2B3AC9E3-50E4-4C57-8573-6348C90DE6E0}" dt="2023-10-09T00:36:10.254" v="1" actId="20577"/>
+          <ac:spMkLst>
+            <pc:docMk/>
+            <pc:sldMk cId="1102643536" sldId="278"/>
+            <ac:spMk id="37" creationId="{7990731F-95DE-4F44-8EA0-E275CEAFD8A2}"/>
+          </ac:spMkLst>
+        </pc:spChg>
+      </pc:sldChg>
+    </pc:docChg>
+  </pc:docChgLst>
+  <pc:docChgLst>
+    <pc:chgData name="Curtis.Richardson" userId="S::u3201908@uni.canberra.edu.au::5a3d664a-8736-421b-a879-7f578dcad4e8" providerId="AD" clId="Web-{F067F2B7-3F8A-4446-9B82-1F015354FFE7}"/>
+    <pc:docChg chg="modSld">
+      <pc:chgData name="Curtis.Richardson" userId="S::u3201908@uni.canberra.edu.au::5a3d664a-8736-421b-a879-7f578dcad4e8" providerId="AD" clId="Web-{F067F2B7-3F8A-4446-9B82-1F015354FFE7}" dt="2023-10-09T02:36:26.041" v="21" actId="20577"/>
+      <pc:docMkLst>
+        <pc:docMk/>
+      </pc:docMkLst>
+      <pc:sldChg chg="modSp">
+        <pc:chgData name="Curtis.Richardson" userId="S::u3201908@uni.canberra.edu.au::5a3d664a-8736-421b-a879-7f578dcad4e8" providerId="AD" clId="Web-{F067F2B7-3F8A-4446-9B82-1F015354FFE7}" dt="2023-10-09T02:36:26.041" v="21" actId="20577"/>
+        <pc:sldMkLst>
+          <pc:docMk/>
+          <pc:sldMk cId="2068641284" sldId="279"/>
+        </pc:sldMkLst>
+        <pc:spChg chg="mod">
+          <ac:chgData name="Curtis.Richardson" userId="S::u3201908@uni.canberra.edu.au::5a3d664a-8736-421b-a879-7f578dcad4e8" providerId="AD" clId="Web-{F067F2B7-3F8A-4446-9B82-1F015354FFE7}" dt="2023-10-09T02:36:26.041" v="21" actId="20577"/>
+          <ac:spMkLst>
+            <pc:docMk/>
+            <pc:sldMk cId="2068641284" sldId="279"/>
+            <ac:spMk id="9" creationId="{13F4D941-B97F-B00C-76DB-691046CF9E0A}"/>
+          </ac:spMkLst>
+        </pc:spChg>
+      </pc:sldChg>
+    </pc:docChg>
+  </pc:docChgLst>
+  <pc:docChgLst>
+    <pc:chgData name="Minjeong.Kim" userId="S::u3225675@uni.canberra.edu.au::e9e33d8b-5f28-4025-9e9e-21f7d590a063" providerId="AD" clId="Web-{0E0A4C50-0176-470B-8221-9D703B201A29}"/>
+    <pc:docChg chg="modSld">
+      <pc:chgData name="Minjeong.Kim" userId="S::u3225675@uni.canberra.edu.au::e9e33d8b-5f28-4025-9e9e-21f7d590a063" providerId="AD" clId="Web-{0E0A4C50-0176-470B-8221-9D703B201A29}" dt="2023-10-09T02:05:26.941" v="36"/>
+      <pc:docMkLst>
+        <pc:docMk/>
+      </pc:docMkLst>
+      <pc:sldChg chg="modNotes">
+        <pc:chgData name="Minjeong.Kim" userId="S::u3225675@uni.canberra.edu.au::e9e33d8b-5f28-4025-9e9e-21f7d590a063" providerId="AD" clId="Web-{0E0A4C50-0176-470B-8221-9D703B201A29}" dt="2023-10-09T02:05:26.941" v="36"/>
+        <pc:sldMkLst>
+          <pc:docMk/>
+          <pc:sldMk cId="4212917468" sldId="260"/>
+        </pc:sldMkLst>
+      </pc:sldChg>
+      <pc:sldChg chg="modNotes">
+        <pc:chgData name="Minjeong.Kim" userId="S::u3225675@uni.canberra.edu.au::e9e33d8b-5f28-4025-9e9e-21f7d590a063" providerId="AD" clId="Web-{0E0A4C50-0176-470B-8221-9D703B201A29}" dt="2023-10-09T02:02:14.577" v="29"/>
+        <pc:sldMkLst>
+          <pc:docMk/>
+          <pc:sldMk cId="2169961402" sldId="285"/>
+        </pc:sldMkLst>
+      </pc:sldChg>
+    </pc:docChg>
+  </pc:docChgLst>
+  <pc:docChgLst>
+    <pc:chgData name="Minjeong.Kim" userId="S::u3225675@uni.canberra.edu.au::e9e33d8b-5f28-4025-9e9e-21f7d590a063" providerId="AD" clId="Web-{26EE4017-5657-4714-B330-B6855347B3C5}"/>
+    <pc:docChg chg="modSld">
+      <pc:chgData name="Minjeong.Kim" userId="S::u3225675@uni.canberra.edu.au::e9e33d8b-5f28-4025-9e9e-21f7d590a063" providerId="AD" clId="Web-{26EE4017-5657-4714-B330-B6855347B3C5}" dt="2023-10-09T01:55:13.788" v="73"/>
+      <pc:docMkLst>
+        <pc:docMk/>
+      </pc:docMkLst>
+      <pc:sldChg chg="modNotes">
+        <pc:chgData name="Minjeong.Kim" userId="S::u3225675@uni.canberra.edu.au::e9e33d8b-5f28-4025-9e9e-21f7d590a063" providerId="AD" clId="Web-{26EE4017-5657-4714-B330-B6855347B3C5}" dt="2023-10-09T01:24:44.661" v="10"/>
+        <pc:sldMkLst>
+          <pc:docMk/>
+          <pc:sldMk cId="2689543258" sldId="277"/>
+        </pc:sldMkLst>
+      </pc:sldChg>
+      <pc:sldChg chg="modNotes">
+        <pc:chgData name="Minjeong.Kim" userId="S::u3225675@uni.canberra.edu.au::e9e33d8b-5f28-4025-9e9e-21f7d590a063" providerId="AD" clId="Web-{26EE4017-5657-4714-B330-B6855347B3C5}" dt="2023-10-09T01:55:13.788" v="73"/>
+        <pc:sldMkLst>
+          <pc:docMk/>
+          <pc:sldMk cId="2169961402" sldId="285"/>
+        </pc:sldMkLst>
+      </pc:sldChg>
+      <pc:sldChg chg="modSp">
+        <pc:chgData name="Minjeong.Kim" userId="S::u3225675@uni.canberra.edu.au::e9e33d8b-5f28-4025-9e9e-21f7d590a063" providerId="AD" clId="Web-{26EE4017-5657-4714-B330-B6855347B3C5}" dt="2023-10-09T01:22:33.940" v="1" actId="1076"/>
+        <pc:sldMkLst>
+          <pc:docMk/>
+          <pc:sldMk cId="2576133969" sldId="288"/>
+        </pc:sldMkLst>
+        <pc:graphicFrameChg chg="mod">
+          <ac:chgData name="Minjeong.Kim" userId="S::u3225675@uni.canberra.edu.au::e9e33d8b-5f28-4025-9e9e-21f7d590a063" providerId="AD" clId="Web-{26EE4017-5657-4714-B330-B6855347B3C5}" dt="2023-10-09T01:22:33.940" v="1" actId="1076"/>
+          <ac:graphicFrameMkLst>
+            <pc:docMk/>
+            <pc:sldMk cId="2576133969" sldId="288"/>
+            <ac:graphicFrameMk id="6" creationId="{D14715CF-1E28-E09B-0D9A-F79DE54FAB99}"/>
+          </ac:graphicFrameMkLst>
+        </pc:graphicFrameChg>
+      </pc:sldChg>
+    </pc:docChg>
+  </pc:docChgLst>
+  <pc:docChgLst>
+    <pc:chgData name="Curtis.Richardson" userId="S::u3201908@uni.canberra.edu.au::5a3d664a-8736-421b-a879-7f578dcad4e8" providerId="AD" clId="Web-{460B9301-B662-4821-BD05-010F2C8DF772}"/>
+    <pc:docChg chg="modSld sldOrd addSection delSection">
+      <pc:chgData name="Curtis.Richardson" userId="S::u3201908@uni.canberra.edu.au::5a3d664a-8736-421b-a879-7f578dcad4e8" providerId="AD" clId="Web-{460B9301-B662-4821-BD05-010F2C8DF772}" dt="2023-10-09T04:55:36.539" v="885"/>
+      <pc:docMkLst>
+        <pc:docMk/>
+      </pc:docMkLst>
+      <pc:sldChg chg="ord">
+        <pc:chgData name="Curtis.Richardson" userId="S::u3201908@uni.canberra.edu.au::5a3d664a-8736-421b-a879-7f578dcad4e8" providerId="AD" clId="Web-{460B9301-B662-4821-BD05-010F2C8DF772}" dt="2023-10-09T04:33:01.470" v="51"/>
+        <pc:sldMkLst>
+          <pc:docMk/>
+          <pc:sldMk cId="1325608595" sldId="257"/>
+        </pc:sldMkLst>
+      </pc:sldChg>
+      <pc:sldChg chg="mod ord modShow">
+        <pc:chgData name="Curtis.Richardson" userId="S::u3201908@uni.canberra.edu.au::5a3d664a-8736-421b-a879-7f578dcad4e8" providerId="AD" clId="Web-{460B9301-B662-4821-BD05-010F2C8DF772}" dt="2023-10-09T04:34:20.597" v="52"/>
+        <pc:sldMkLst>
+          <pc:docMk/>
+          <pc:sldMk cId="2721508595" sldId="266"/>
+        </pc:sldMkLst>
+      </pc:sldChg>
+      <pc:sldChg chg="modSp">
+        <pc:chgData name="Curtis.Richardson" userId="S::u3201908@uni.canberra.edu.au::5a3d664a-8736-421b-a879-7f578dcad4e8" providerId="AD" clId="Web-{460B9301-B662-4821-BD05-010F2C8DF772}" dt="2023-10-09T04:13:03.690" v="27" actId="20577"/>
+        <pc:sldMkLst>
+          <pc:docMk/>
+          <pc:sldMk cId="2639983765" sldId="273"/>
+        </pc:sldMkLst>
+        <pc:spChg chg="mod">
+          <ac:chgData name="Curtis.Richardson" userId="S::u3201908@uni.canberra.edu.au::5a3d664a-8736-421b-a879-7f578dcad4e8" providerId="AD" clId="Web-{460B9301-B662-4821-BD05-010F2C8DF772}" dt="2023-10-09T04:13:03.690" v="27" actId="20577"/>
+          <ac:spMkLst>
+            <pc:docMk/>
+            <pc:sldMk cId="2639983765" sldId="273"/>
+            <ac:spMk id="7" creationId="{E178654B-08C9-4C41-8BEC-DFB720245862}"/>
+          </ac:spMkLst>
+        </pc:spChg>
+      </pc:sldChg>
+      <pc:sldChg chg="modSp">
+        <pc:chgData name="Curtis.Richardson" userId="S::u3201908@uni.canberra.edu.au::5a3d664a-8736-421b-a879-7f578dcad4e8" providerId="AD" clId="Web-{460B9301-B662-4821-BD05-010F2C8DF772}" dt="2023-10-09T04:10:03.389" v="3" actId="1076"/>
+        <pc:sldMkLst>
+          <pc:docMk/>
+          <pc:sldMk cId="2689543258" sldId="277"/>
+        </pc:sldMkLst>
+        <pc:spChg chg="mod">
+          <ac:chgData name="Curtis.Richardson" userId="S::u3201908@uni.canberra.edu.au::5a3d664a-8736-421b-a879-7f578dcad4e8" providerId="AD" clId="Web-{460B9301-B662-4821-BD05-010F2C8DF772}" dt="2023-10-09T04:10:03.389" v="3" actId="1076"/>
+          <ac:spMkLst>
+            <pc:docMk/>
+            <pc:sldMk cId="2689543258" sldId="277"/>
+            <ac:spMk id="63" creationId="{2B1A36DE-AA6D-B664-CCC1-F154D6484119}"/>
+          </ac:spMkLst>
+        </pc:spChg>
+      </pc:sldChg>
+      <pc:sldChg chg="ord">
+        <pc:chgData name="Curtis.Richardson" userId="S::u3201908@uni.canberra.edu.au::5a3d664a-8736-421b-a879-7f578dcad4e8" providerId="AD" clId="Web-{460B9301-B662-4821-BD05-010F2C8DF772}" dt="2023-10-09T04:51:45.048" v="714"/>
+        <pc:sldMkLst>
+          <pc:docMk/>
+          <pc:sldMk cId="72899556" sldId="281"/>
+        </pc:sldMkLst>
+      </pc:sldChg>
+      <pc:sldChg chg="modSp">
+        <pc:chgData name="Curtis.Richardson" userId="S::u3201908@uni.canberra.edu.au::5a3d664a-8736-421b-a879-7f578dcad4e8" providerId="AD" clId="Web-{460B9301-B662-4821-BD05-010F2C8DF772}" dt="2023-10-09T04:11:21.438" v="15" actId="1076"/>
+        <pc:sldMkLst>
+          <pc:docMk/>
+          <pc:sldMk cId="2169961402" sldId="285"/>
+        </pc:sldMkLst>
+        <pc:spChg chg="mod">
+          <ac:chgData name="Curtis.Richardson" userId="S::u3201908@uni.canberra.edu.au::5a3d664a-8736-421b-a879-7f578dcad4e8" providerId="AD" clId="Web-{460B9301-B662-4821-BD05-010F2C8DF772}" dt="2023-10-09T04:11:14.672" v="13" actId="1076"/>
+          <ac:spMkLst>
+            <pc:docMk/>
+            <pc:sldMk cId="2169961402" sldId="285"/>
+            <ac:spMk id="10" creationId="{028B0E6F-20B5-B58A-313C-BDABC1445BC6}"/>
+          </ac:spMkLst>
+        </pc:spChg>
+        <pc:spChg chg="mod">
+          <ac:chgData name="Curtis.Richardson" userId="S::u3201908@uni.canberra.edu.au::5a3d664a-8736-421b-a879-7f578dcad4e8" providerId="AD" clId="Web-{460B9301-B662-4821-BD05-010F2C8DF772}" dt="2023-10-09T04:11:21.438" v="15" actId="1076"/>
+          <ac:spMkLst>
+            <pc:docMk/>
+            <pc:sldMk cId="2169961402" sldId="285"/>
+            <ac:spMk id="63" creationId="{2B1A36DE-AA6D-B664-CCC1-F154D6484119}"/>
+          </ac:spMkLst>
+        </pc:spChg>
+        <pc:picChg chg="mod">
+          <ac:chgData name="Curtis.Richardson" userId="S::u3201908@uni.canberra.edu.au::5a3d664a-8736-421b-a879-7f578dcad4e8" providerId="AD" clId="Web-{460B9301-B662-4821-BD05-010F2C8DF772}" dt="2023-10-09T04:11:18.500" v="14" actId="1076"/>
+          <ac:picMkLst>
+            <pc:docMk/>
+            <pc:sldMk cId="2169961402" sldId="285"/>
+            <ac:picMk id="62" creationId="{89FCD785-6171-D046-CB99-27D55BA4BF60}"/>
+          </ac:picMkLst>
+        </pc:picChg>
+      </pc:sldChg>
+      <pc:sldChg chg="modSp modNotes">
+        <pc:chgData name="Curtis.Richardson" userId="S::u3201908@uni.canberra.edu.au::5a3d664a-8736-421b-a879-7f578dcad4e8" providerId="AD" clId="Web-{460B9301-B662-4821-BD05-010F2C8DF772}" dt="2023-10-09T04:51:11.125" v="711"/>
+        <pc:sldMkLst>
+          <pc:docMk/>
+          <pc:sldMk cId="880208661" sldId="287"/>
+        </pc:sldMkLst>
+        <pc:spChg chg="mod">
+          <ac:chgData name="Curtis.Richardson" userId="S::u3201908@uni.canberra.edu.au::5a3d664a-8736-421b-a879-7f578dcad4e8" providerId="AD" clId="Web-{460B9301-B662-4821-BD05-010F2C8DF772}" dt="2023-10-09T04:43:21.519" v="229" actId="20577"/>
+          <ac:spMkLst>
+            <pc:docMk/>
+            <pc:sldMk cId="880208661" sldId="287"/>
+            <ac:spMk id="4" creationId="{9B9ED227-95A7-4B08-91FE-5E0EF0D41D20}"/>
+          </ac:spMkLst>
+        </pc:spChg>
+        <pc:spChg chg="mod">
+          <ac:chgData name="Curtis.Richardson" userId="S::u3201908@uni.canberra.edu.au::5a3d664a-8736-421b-a879-7f578dcad4e8" providerId="AD" clId="Web-{460B9301-B662-4821-BD05-010F2C8DF772}" dt="2023-10-09T04:46:55.728" v="323" actId="20577"/>
+          <ac:spMkLst>
+            <pc:docMk/>
+            <pc:sldMk cId="880208661" sldId="287"/>
+            <ac:spMk id="5" creationId="{9C2ECAAA-1E9C-4845-8EA9-E11A76F08150}"/>
+          </ac:spMkLst>
+        </pc:spChg>
+        <pc:spChg chg="mod">
+          <ac:chgData name="Curtis.Richardson" userId="S::u3201908@uni.canberra.edu.au::5a3d664a-8736-421b-a879-7f578dcad4e8" providerId="AD" clId="Web-{460B9301-B662-4821-BD05-010F2C8DF772}" dt="2023-10-09T04:36:43.398" v="79" actId="20577"/>
+          <ac:spMkLst>
+            <pc:docMk/>
+            <pc:sldMk cId="880208661" sldId="287"/>
+            <ac:spMk id="9" creationId="{472FA7B1-CD7F-3646-B44C-91A107A0CBEE}"/>
+          </ac:spMkLst>
+        </pc:spChg>
+        <pc:spChg chg="mod">
+          <ac:chgData name="Curtis.Richardson" userId="S::u3201908@uni.canberra.edu.au::5a3d664a-8736-421b-a879-7f578dcad4e8" providerId="AD" clId="Web-{460B9301-B662-4821-BD05-010F2C8DF772}" dt="2023-10-09T04:46:21.727" v="289" actId="20577"/>
+          <ac:spMkLst>
+            <pc:docMk/>
+            <pc:sldMk cId="880208661" sldId="287"/>
+            <ac:spMk id="10" creationId="{585697B7-EBBB-0E4B-AA02-0D3F94821C6E}"/>
+          </ac:spMkLst>
+        </pc:spChg>
+        <pc:spChg chg="mod">
+          <ac:chgData name="Curtis.Richardson" userId="S::u3201908@uni.canberra.edu.au::5a3d664a-8736-421b-a879-7f578dcad4e8" providerId="AD" clId="Web-{460B9301-B662-4821-BD05-010F2C8DF772}" dt="2023-10-09T04:45:54.242" v="288" actId="20577"/>
+          <ac:spMkLst>
+            <pc:docMk/>
+            <pc:sldMk cId="880208661" sldId="287"/>
+            <ac:spMk id="11" creationId="{48A12450-9474-8A49-BAEB-20C6F51540D5}"/>
+          </ac:spMkLst>
+        </pc:spChg>
+        <pc:spChg chg="mod">
+          <ac:chgData name="Curtis.Richardson" userId="S::u3201908@uni.canberra.edu.au::5a3d664a-8736-421b-a879-7f578dcad4e8" providerId="AD" clId="Web-{460B9301-B662-4821-BD05-010F2C8DF772}" dt="2023-10-09T04:49:38.107" v="517" actId="20577"/>
+          <ac:spMkLst>
+            <pc:docMk/>
+            <pc:sldMk cId="880208661" sldId="287"/>
+            <ac:spMk id="13" creationId="{EB1FFBC5-1733-5E4A-BF11-2C157D9917CC}"/>
+          </ac:spMkLst>
+        </pc:spChg>
+      </pc:sldChg>
+      <pc:sldChg chg="modSp ord modNotes">
+        <pc:chgData name="Curtis.Richardson" userId="S::u3201908@uni.canberra.edu.au::5a3d664a-8736-421b-a879-7f578dcad4e8" providerId="AD" clId="Web-{460B9301-B662-4821-BD05-010F2C8DF772}" dt="2023-10-09T04:55:36.539" v="885"/>
+        <pc:sldMkLst>
+          <pc:docMk/>
+          <pc:sldMk cId="4255055894" sldId="289"/>
+        </pc:sldMkLst>
+        <pc:spChg chg="mod">
+          <ac:chgData name="Curtis.Richardson" userId="S::u3201908@uni.canberra.edu.au::5a3d664a-8736-421b-a879-7f578dcad4e8" providerId="AD" clId="Web-{460B9301-B662-4821-BD05-010F2C8DF772}" dt="2023-10-09T04:53:21.020" v="786" actId="20577"/>
+          <ac:spMkLst>
+            <pc:docMk/>
+            <pc:sldMk cId="4255055894" sldId="289"/>
+            <ac:spMk id="3" creationId="{EFB90AB4-D228-4548-B072-726498212362}"/>
+          </ac:spMkLst>
+        </pc:spChg>
+        <pc:spChg chg="mod">
+          <ac:chgData name="Curtis.Richardson" userId="S::u3201908@uni.canberra.edu.au::5a3d664a-8736-421b-a879-7f578dcad4e8" providerId="AD" clId="Web-{460B9301-B662-4821-BD05-010F2C8DF772}" dt="2023-10-09T04:55:03.023" v="882" actId="20577"/>
+          <ac:spMkLst>
+            <pc:docMk/>
+            <pc:sldMk cId="4255055894" sldId="289"/>
+            <ac:spMk id="4" creationId="{950677C9-3E42-427F-93B8-526692906471}"/>
+          </ac:spMkLst>
+        </pc:spChg>
+        <pc:spChg chg="mod">
+          <ac:chgData name="Curtis.Richardson" userId="S::u3201908@uni.canberra.edu.au::5a3d664a-8736-421b-a879-7f578dcad4e8" providerId="AD" clId="Web-{460B9301-B662-4821-BD05-010F2C8DF772}" dt="2023-10-09T04:54:42.756" v="873" actId="20577"/>
+          <ac:spMkLst>
+            <pc:docMk/>
+            <pc:sldMk cId="4255055894" sldId="289"/>
+            <ac:spMk id="5" creationId="{BDB9D020-1E25-453D-83DF-1420ACD3968D}"/>
+          </ac:spMkLst>
+        </pc:spChg>
+        <pc:spChg chg="mod">
+          <ac:chgData name="Curtis.Richardson" userId="S::u3201908@uni.canberra.edu.au::5a3d664a-8736-421b-a879-7f578dcad4e8" providerId="AD" clId="Web-{460B9301-B662-4821-BD05-010F2C8DF772}" dt="2023-10-09T04:55:07.679" v="884" actId="20577"/>
+          <ac:spMkLst>
+            <pc:docMk/>
+            <pc:sldMk cId="4255055894" sldId="289"/>
+            <ac:spMk id="6" creationId="{F5018B6D-E395-49AD-92AD-AD69E3AB40C3}"/>
+          </ac:spMkLst>
+        </pc:spChg>
+      </pc:sldChg>
+      <pc:sldChg chg="modSp ord">
+        <pc:chgData name="Curtis.Richardson" userId="S::u3201908@uni.canberra.edu.au::5a3d664a-8736-421b-a879-7f578dcad4e8" providerId="AD" clId="Web-{460B9301-B662-4821-BD05-010F2C8DF772}" dt="2023-10-09T04:14:02.832" v="31"/>
+        <pc:sldMkLst>
+          <pc:docMk/>
+          <pc:sldMk cId="1600972175" sldId="291"/>
+        </pc:sldMkLst>
+        <pc:spChg chg="mod">
+          <ac:chgData name="Curtis.Richardson" userId="S::u3201908@uni.canberra.edu.au::5a3d664a-8736-421b-a879-7f578dcad4e8" providerId="AD" clId="Web-{460B9301-B662-4821-BD05-010F2C8DF772}" dt="2023-10-09T04:12:55.487" v="19" actId="20577"/>
+          <ac:spMkLst>
+            <pc:docMk/>
+            <pc:sldMk cId="1600972175" sldId="291"/>
+            <ac:spMk id="7" creationId="{E178654B-08C9-4C41-8BEC-DFB720245862}"/>
+          </ac:spMkLst>
+        </pc:spChg>
+      </pc:sldChg>
+      <pc:sldChg chg="modSp ord">
+        <pc:chgData name="Curtis.Richardson" userId="S::u3201908@uni.canberra.edu.au::5a3d664a-8736-421b-a879-7f578dcad4e8" providerId="AD" clId="Web-{460B9301-B662-4821-BD05-010F2C8DF772}" dt="2023-10-09T04:32:43.220" v="50" actId="20577"/>
+        <pc:sldMkLst>
+          <pc:docMk/>
+          <pc:sldMk cId="3105804923" sldId="293"/>
+        </pc:sldMkLst>
+        <pc:spChg chg="mod">
+          <ac:chgData name="Curtis.Richardson" userId="S::u3201908@uni.canberra.edu.au::5a3d664a-8736-421b-a879-7f578dcad4e8" providerId="AD" clId="Web-{460B9301-B662-4821-BD05-010F2C8DF772}" dt="2023-10-09T04:32:43.220" v="50" actId="20577"/>
+          <ac:spMkLst>
+            <pc:docMk/>
+            <pc:sldMk cId="3105804923" sldId="293"/>
+            <ac:spMk id="23" creationId="{63520EF2-F970-9413-3201-5F8599F01594}"/>
+          </ac:spMkLst>
+        </pc:spChg>
+      </pc:sldChg>
+    </pc:docChg>
+  </pc:docChgLst>
+  <pc:docChgLst>
+    <pc:chgData name="Minjeong.Kim" userId="S::u3225675@uni.canberra.edu.au::e9e33d8b-5f28-4025-9e9e-21f7d590a063" providerId="AD" clId="Web-{27CD75E6-F262-4FFE-829F-336B98C2B3C5}"/>
+    <pc:docChg chg="modSld">
+      <pc:chgData name="Minjeong.Kim" userId="S::u3225675@uni.canberra.edu.au::e9e33d8b-5f28-4025-9e9e-21f7d590a063" providerId="AD" clId="Web-{27CD75E6-F262-4FFE-829F-336B98C2B3C5}" dt="2023-10-07T03:46:39.571" v="9" actId="1076"/>
+      <pc:docMkLst>
+        <pc:docMk/>
+      </pc:docMkLst>
+      <pc:sldChg chg="addSp delSp modSp">
+        <pc:chgData name="Minjeong.Kim" userId="S::u3225675@uni.canberra.edu.au::e9e33d8b-5f28-4025-9e9e-21f7d590a063" providerId="AD" clId="Web-{27CD75E6-F262-4FFE-829F-336B98C2B3C5}" dt="2023-10-07T03:46:39.571" v="9" actId="1076"/>
+        <pc:sldMkLst>
+          <pc:docMk/>
+          <pc:sldMk cId="4212917468" sldId="260"/>
+        </pc:sldMkLst>
+        <pc:spChg chg="del">
+          <ac:chgData name="Minjeong.Kim" userId="S::u3225675@uni.canberra.edu.au::e9e33d8b-5f28-4025-9e9e-21f7d590a063" providerId="AD" clId="Web-{27CD75E6-F262-4FFE-829F-336B98C2B3C5}" dt="2023-10-07T03:43:23.784" v="1"/>
+          <ac:spMkLst>
+            <pc:docMk/>
+            <pc:sldMk cId="4212917468" sldId="260"/>
+            <ac:spMk id="8" creationId="{177092F7-F306-B15D-5778-114889DE5A60}"/>
+          </ac:spMkLst>
+        </pc:spChg>
+        <pc:spChg chg="add del mod">
+          <ac:chgData name="Minjeong.Kim" userId="S::u3225675@uni.canberra.edu.au::e9e33d8b-5f28-4025-9e9e-21f7d590a063" providerId="AD" clId="Web-{27CD75E6-F262-4FFE-829F-336B98C2B3C5}" dt="2023-10-07T03:46:02.288" v="3"/>
+          <ac:spMkLst>
+            <pc:docMk/>
+            <pc:sldMk cId="4212917468" sldId="260"/>
+            <ac:spMk id="25" creationId="{6679A112-54F9-7E1A-CEA6-46BFB23065E4}"/>
+          </ac:spMkLst>
+        </pc:spChg>
+        <pc:graphicFrameChg chg="add del mod ord modGraphic">
+          <ac:chgData name="Minjeong.Kim" userId="S::u3225675@uni.canberra.edu.au::e9e33d8b-5f28-4025-9e9e-21f7d590a063" providerId="AD" clId="Web-{27CD75E6-F262-4FFE-829F-336B98C2B3C5}" dt="2023-10-07T03:43:26.940" v="2"/>
+          <ac:graphicFrameMkLst>
+            <pc:docMk/>
+            <pc:sldMk cId="4212917468" sldId="260"/>
+            <ac:graphicFrameMk id="7" creationId="{810DAD8F-D6BA-30DE-B1CC-53C77B8A4FF6}"/>
+          </ac:graphicFrameMkLst>
+        </pc:graphicFrameChg>
+        <pc:picChg chg="del">
+          <ac:chgData name="Minjeong.Kim" userId="S::u3225675@uni.canberra.edu.au::e9e33d8b-5f28-4025-9e9e-21f7d590a063" providerId="AD" clId="Web-{27CD75E6-F262-4FFE-829F-336B98C2B3C5}" dt="2023-10-07T03:43:05.080" v="0"/>
+          <ac:picMkLst>
+            <pc:docMk/>
+            <pc:sldMk cId="4212917468" sldId="260"/>
+            <ac:picMk id="4" creationId="{E47BB048-1C46-5378-16B6-83D382586F4E}"/>
+          </ac:picMkLst>
+        </pc:picChg>
+        <pc:picChg chg="add mod ord">
+          <ac:chgData name="Minjeong.Kim" userId="S::u3225675@uni.canberra.edu.au::e9e33d8b-5f28-4025-9e9e-21f7d590a063" providerId="AD" clId="Web-{27CD75E6-F262-4FFE-829F-336B98C2B3C5}" dt="2023-10-07T03:46:39.571" v="9" actId="1076"/>
+          <ac:picMkLst>
+            <pc:docMk/>
+            <pc:sldMk cId="4212917468" sldId="260"/>
+            <ac:picMk id="26" creationId="{A60436FE-2E5F-FA8E-AFEE-172B8502859B}"/>
+          </ac:picMkLst>
+        </pc:picChg>
+      </pc:sldChg>
+    </pc:docChg>
+  </pc:docChgLst>
+  <pc:docChgLst>
+    <pc:chgData name="Minjeong.Kim" userId="S::u3225675@uni.canberra.edu.au::e9e33d8b-5f28-4025-9e9e-21f7d590a063" providerId="AD" clId="Web-{117E2835-E9FD-4DE9-9685-2B3D674FBC3F}"/>
+    <pc:docChg chg="modSld">
+      <pc:chgData name="Minjeong.Kim" userId="S::u3225675@uni.canberra.edu.au::e9e33d8b-5f28-4025-9e9e-21f7d590a063" providerId="AD" clId="Web-{117E2835-E9FD-4DE9-9685-2B3D674FBC3F}" dt="2023-10-07T03:42:23.449" v="57" actId="1076"/>
+      <pc:docMkLst>
+        <pc:docMk/>
+      </pc:docMkLst>
+      <pc:sldChg chg="addSp delSp modSp modNotes">
+        <pc:chgData name="Minjeong.Kim" userId="S::u3225675@uni.canberra.edu.au::e9e33d8b-5f28-4025-9e9e-21f7d590a063" providerId="AD" clId="Web-{117E2835-E9FD-4DE9-9685-2B3D674FBC3F}" dt="2023-10-07T03:42:23.449" v="57" actId="1076"/>
+        <pc:sldMkLst>
+          <pc:docMk/>
+          <pc:sldMk cId="4212917468" sldId="260"/>
+        </pc:sldMkLst>
+        <pc:spChg chg="add mod">
+          <ac:chgData name="Minjeong.Kim" userId="S::u3225675@uni.canberra.edu.au::e9e33d8b-5f28-4025-9e9e-21f7d590a063" providerId="AD" clId="Web-{117E2835-E9FD-4DE9-9685-2B3D674FBC3F}" dt="2023-10-07T03:41:56.824" v="50"/>
+          <ac:spMkLst>
+            <pc:docMk/>
+            <pc:sldMk cId="4212917468" sldId="260"/>
+            <ac:spMk id="8" creationId="{177092F7-F306-B15D-5778-114889DE5A60}"/>
+          </ac:spMkLst>
+        </pc:spChg>
+        <pc:graphicFrameChg chg="del">
+          <ac:chgData name="Minjeong.Kim" userId="S::u3225675@uni.canberra.edu.au::e9e33d8b-5f28-4025-9e9e-21f7d590a063" providerId="AD" clId="Web-{117E2835-E9FD-4DE9-9685-2B3D674FBC3F}" dt="2023-10-07T03:41:56.824" v="50"/>
+          <ac:graphicFrameMkLst>
+            <pc:docMk/>
+            <pc:sldMk cId="4212917468" sldId="260"/>
+            <ac:graphicFrameMk id="9" creationId="{3BED260D-999D-AEB9-1368-E94DEC80A52D}"/>
+          </ac:graphicFrameMkLst>
+        </pc:graphicFrameChg>
+        <pc:picChg chg="add mod">
+          <ac:chgData name="Minjeong.Kim" userId="S::u3225675@uni.canberra.edu.au::e9e33d8b-5f28-4025-9e9e-21f7d590a063" providerId="AD" clId="Web-{117E2835-E9FD-4DE9-9685-2B3D674FBC3F}" dt="2023-10-07T03:42:23.449" v="57" actId="1076"/>
+          <ac:picMkLst>
+            <pc:docMk/>
+            <pc:sldMk cId="4212917468" sldId="260"/>
+            <ac:picMk id="4" creationId="{E47BB048-1C46-5378-16B6-83D382586F4E}"/>
+          </ac:picMkLst>
+        </pc:picChg>
+      </pc:sldChg>
+      <pc:sldChg chg="modNotes">
+        <pc:chgData name="Minjeong.Kim" userId="S::u3225675@uni.canberra.edu.au::e9e33d8b-5f28-4025-9e9e-21f7d590a063" providerId="AD" clId="Web-{117E2835-E9FD-4DE9-9685-2B3D674FBC3F}" dt="2023-10-07T03:40:12.399" v="47"/>
+        <pc:sldMkLst>
+          <pc:docMk/>
+          <pc:sldMk cId="2689543258" sldId="277"/>
+        </pc:sldMkLst>
       </pc:sldChg>
     </pc:docChg>
   </pc:docChgLst>
@@ -6809,7 +7362,7 @@
             <a:defRPr b="1"/>
           </a:pPr>
           <a:r>
-            <a:rPr lang="en-AU" b="1" dirty="0">
+            <a:rPr lang="en-AU" b="1">
               <a:solidFill>
                 <a:schemeClr val="bg1"/>
               </a:solidFill>
@@ -6863,7 +7416,7 @@
             <a:defRPr b="1"/>
           </a:pPr>
           <a:r>
-            <a:rPr lang="en-AU" b="1" dirty="0">
+            <a:rPr lang="en-AU" b="1">
               <a:solidFill>
                 <a:schemeClr val="bg1"/>
               </a:solidFill>
@@ -6917,7 +7470,7 @@
             <a:defRPr b="1"/>
           </a:pPr>
           <a:r>
-            <a:rPr lang="en-AU" b="1" dirty="0">
+            <a:rPr lang="en-AU" b="1">
               <a:solidFill>
                 <a:schemeClr val="bg1"/>
               </a:solidFill>
@@ -6968,7 +7521,7 @@
         <a:lstStyle/>
         <a:p>
           <a:r>
-            <a:rPr lang="en-AU" b="0" dirty="0">
+            <a:rPr lang="en-AU" b="0">
               <a:solidFill>
                 <a:schemeClr val="bg1"/>
               </a:solidFill>
@@ -6995,7 +7548,7 @@
         <a:lstStyle/>
         <a:p>
           <a:r>
-            <a:rPr lang="en-AU" b="0" dirty="0">
+            <a:rPr lang="en-AU" b="0">
               <a:solidFill>
                 <a:schemeClr val="bg1"/>
               </a:solidFill>
@@ -7022,7 +7575,7 @@
         <a:lstStyle/>
         <a:p>
           <a:r>
-            <a:rPr lang="en-AU" b="0" dirty="0">
+            <a:rPr lang="en-AU" b="0">
               <a:solidFill>
                 <a:schemeClr val="bg1"/>
               </a:solidFill>
@@ -9725,7 +10278,7 @@
             <a:buNone/>
           </a:pPr>
           <a:r>
-            <a:rPr lang="en-AU" sz="1300" b="0" kern="1200" dirty="0">
+            <a:rPr lang="en-AU" sz="1300" b="0" kern="1200">
               <a:solidFill>
                 <a:schemeClr val="bg1"/>
               </a:solidFill>
@@ -9791,7 +10344,7 @@
             <a:defRPr b="1"/>
           </a:pPr>
           <a:r>
-            <a:rPr lang="en-AU" sz="1700" b="1" kern="1200" dirty="0">
+            <a:rPr lang="en-AU" sz="1700" b="1" kern="1200">
               <a:solidFill>
                 <a:schemeClr val="bg1"/>
               </a:solidFill>
@@ -10016,7 +10569,7 @@
             <a:buNone/>
           </a:pPr>
           <a:r>
-            <a:rPr lang="en-AU" sz="1300" b="0" kern="1200" dirty="0">
+            <a:rPr lang="en-AU" sz="1300" b="0" kern="1200">
               <a:solidFill>
                 <a:schemeClr val="bg1"/>
               </a:solidFill>
@@ -10082,7 +10635,7 @@
             <a:defRPr b="1"/>
           </a:pPr>
           <a:r>
-            <a:rPr lang="en-AU" sz="1700" b="1" kern="1200" dirty="0">
+            <a:rPr lang="en-AU" sz="1700" b="1" kern="1200">
               <a:solidFill>
                 <a:schemeClr val="bg1"/>
               </a:solidFill>
@@ -10307,7 +10860,7 @@
             <a:buNone/>
           </a:pPr>
           <a:r>
-            <a:rPr lang="en-AU" sz="1300" b="0" kern="1200" dirty="0">
+            <a:rPr lang="en-AU" sz="1300" b="0" kern="1200">
               <a:solidFill>
                 <a:schemeClr val="bg1"/>
               </a:solidFill>
@@ -10373,7 +10926,7 @@
             <a:defRPr b="1"/>
           </a:pPr>
           <a:r>
-            <a:rPr lang="en-AU" sz="1700" b="1" kern="1200" dirty="0">
+            <a:rPr lang="en-AU" sz="1700" b="1" kern="1200">
               <a:solidFill>
                 <a:schemeClr val="bg1"/>
               </a:solidFill>
@@ -16048,7 +16601,7 @@
           <a:p>
             <a:fld id="{9D8190EA-5EEC-4300-B6AE-D9734C6C648E}" type="datetimeFigureOut">
               <a:rPr lang="en-US" smtClean="0"/>
-              <a:t>10/8/2023</a:t>
+              <a:t>10/9/2023</a:t>
             </a:fld>
             <a:endParaRPr lang="en-US"/>
           </a:p>
@@ -16225,7 +16778,7 @@
           <a:p>
             <a:fld id="{7487ADD9-2083-264C-A652-8D52D02F7E72}" type="datetimeFigureOut">
               <a:rPr lang="en-US" smtClean="0"/>
-              <a:t>10/8/2023</a:t>
+              <a:t>10/9/2023</a:t>
             </a:fld>
             <a:endParaRPr lang="en-US"/>
           </a:p>
@@ -16800,11 +17353,25 @@
           <a:lstStyle/>
           <a:p>
             <a:r>
-              <a:rPr lang="en-US" dirty="0">
+              <a:rPr lang="en-US">
                 <a:ea typeface="Calibri"/>
                 <a:cs typeface="Calibri"/>
               </a:rPr>
-              <a:t>Graphs for presentation, go here</a:t>
+              <a:t>Graphs (for presentation) of data output, go here (Data </a:t>
+            </a:r>
+            <a:r>
+              <a:rPr lang="en-US" err="1">
+                <a:ea typeface="Calibri"/>
+                <a:cs typeface="Calibri"/>
+              </a:rPr>
+              <a:t>visualisation</a:t>
+            </a:r>
+            <a:r>
+              <a:rPr lang="en-US">
+                <a:ea typeface="Calibri"/>
+                <a:cs typeface="Calibri"/>
+              </a:rPr>
+              <a:t>)</a:t>
             </a:r>
           </a:p>
         </p:txBody>
@@ -16890,40 +17457,26 @@
           <a:lstStyle/>
           <a:p>
             <a:r>
-              <a:rPr lang="en-US"/>
-              <a:t>What are the goals and value derived from project implementation</a:t>
-            </a:r>
-          </a:p>
-          <a:p>
-            <a:endParaRPr lang="en-GB"/>
-          </a:p>
-          <a:p>
-            <a:r>
-              <a:rPr lang="en-GB"/>
-              <a:t>What is the benefit it is delivering?</a:t>
-            </a:r>
-          </a:p>
-          <a:p>
-            <a:endParaRPr lang="en-GB"/>
-          </a:p>
-          <a:p>
-            <a:pPr marL="228600" indent="-228600">
-              <a:buAutoNum type="arabicPeriod"/>
-            </a:pPr>
-            <a:r>
-              <a:rPr lang="en-GB"/>
-              <a:t>Less wasted communications with malicious neighbours</a:t>
-            </a:r>
-          </a:p>
-          <a:p>
-            <a:pPr marL="228600" indent="-228600">
-              <a:buAutoNum type="arabicPeriod"/>
-            </a:pPr>
-            <a:r>
-              <a:rPr lang="en-GB"/>
-              <a:t>Less consumed energy via unnecessary communication with malicious neighbours</a:t>
-            </a:r>
-            <a:endParaRPr lang="en-US"/>
+              <a:rPr lang="en-US">
+                <a:ea typeface="Calibri"/>
+                <a:cs typeface="Calibri"/>
+              </a:rPr>
+              <a:t>All stakeholders </a:t>
+            </a:r>
+            <a:r>
+              <a:rPr lang="en-US" err="1">
+                <a:ea typeface="Calibri"/>
+                <a:cs typeface="Calibri"/>
+              </a:rPr>
+              <a:t>utilise</a:t>
+            </a:r>
+            <a:r>
+              <a:rPr lang="en-US">
+                <a:ea typeface="Calibri"/>
+                <a:cs typeface="Calibri"/>
+              </a:rPr>
+              <a:t> AODV networks (generally, AODV is one of the implementable protocols available to each stakeholder)</a:t>
+            </a:r>
           </a:p>
         </p:txBody>
       </p:sp>
@@ -16953,7 +17506,7 @@
     </p:spTree>
     <p:extLst>
       <p:ext uri="{BB962C8B-B14F-4D97-AF65-F5344CB8AC3E}">
-        <p14:creationId xmlns:p14="http://schemas.microsoft.com/office/powerpoint/2010/main" val="4152065109"/>
+        <p14:creationId xmlns:p14="http://schemas.microsoft.com/office/powerpoint/2010/main" val="3229644762"/>
       </p:ext>
     </p:extLst>
   </p:cSld>
@@ -17008,26 +17561,40 @@
           <a:lstStyle/>
           <a:p>
             <a:r>
-              <a:rPr lang="en-US">
-                <a:ea typeface="Calibri"/>
-                <a:cs typeface="Calibri"/>
-              </a:rPr>
-              <a:t>All stakeholders </a:t>
-            </a:r>
-            <a:r>
-              <a:rPr lang="en-US" err="1">
-                <a:ea typeface="Calibri"/>
-                <a:cs typeface="Calibri"/>
-              </a:rPr>
-              <a:t>utilise</a:t>
-            </a:r>
-            <a:r>
-              <a:rPr lang="en-US">
-                <a:ea typeface="Calibri"/>
-                <a:cs typeface="Calibri"/>
-              </a:rPr>
-              <a:t> AODV networks (generally, AODV is one of the implementable protocols available to each stakeholder)</a:t>
-            </a:r>
+              <a:rPr lang="en-US"/>
+              <a:t>What are the goals and value derived from project implementation</a:t>
+            </a:r>
+          </a:p>
+          <a:p>
+            <a:endParaRPr lang="en-GB"/>
+          </a:p>
+          <a:p>
+            <a:r>
+              <a:rPr lang="en-GB"/>
+              <a:t>What is the benefit it is delivering?</a:t>
+            </a:r>
+          </a:p>
+          <a:p>
+            <a:endParaRPr lang="en-GB"/>
+          </a:p>
+          <a:p>
+            <a:pPr marL="228600" indent="-228600">
+              <a:buAutoNum type="arabicPeriod"/>
+            </a:pPr>
+            <a:r>
+              <a:rPr lang="en-GB"/>
+              <a:t>Less wasted communications with malicious neighbours</a:t>
+            </a:r>
+          </a:p>
+          <a:p>
+            <a:pPr marL="228600" indent="-228600">
+              <a:buAutoNum type="arabicPeriod"/>
+            </a:pPr>
+            <a:r>
+              <a:rPr lang="en-GB"/>
+              <a:t>Less consumed energy via unnecessary communication with malicious neighbours</a:t>
+            </a:r>
+            <a:endParaRPr lang="en-US"/>
           </a:p>
         </p:txBody>
       </p:sp>
@@ -17057,7 +17624,7 @@
     </p:spTree>
     <p:extLst>
       <p:ext uri="{BB962C8B-B14F-4D97-AF65-F5344CB8AC3E}">
-        <p14:creationId xmlns:p14="http://schemas.microsoft.com/office/powerpoint/2010/main" val="3229644762"/>
+        <p14:creationId xmlns:p14="http://schemas.microsoft.com/office/powerpoint/2010/main" val="4152065109"/>
       </p:ext>
     </p:extLst>
   </p:cSld>
@@ -17420,67 +17987,11 @@
           <a:lstStyle/>
           <a:p>
             <a:r>
-              <a:rPr lang="en-US"/>
-              <a:t>Computationally Inexpensive:</a:t>
-            </a:r>
-          </a:p>
-          <a:p>
-            <a:r>
-              <a:rPr lang="en-US"/>
-              <a:t>AODV-configured nodes generally low powered devices – CPU needs to be able to handle computational load</a:t>
-            </a:r>
-            <a:endParaRPr lang="en-US">
-              <a:ea typeface="Calibri"/>
-              <a:cs typeface="Calibri"/>
-            </a:endParaRPr>
-          </a:p>
-          <a:p>
-            <a:endParaRPr lang="en-US">
-              <a:ea typeface="Calibri"/>
-              <a:cs typeface="Calibri"/>
-            </a:endParaRPr>
-          </a:p>
-          <a:p>
-            <a:r>
-              <a:rPr lang="en-US"/>
-              <a:t>AODV-configures nodes often implemented as independent sensors, with its own separate power supply (from battery)</a:t>
-            </a:r>
-          </a:p>
-          <a:p>
-            <a:endParaRPr lang="en-US">
-              <a:ea typeface="Calibri"/>
-              <a:cs typeface="Calibri"/>
-            </a:endParaRPr>
-          </a:p>
-          <a:p>
-            <a:r>
-              <a:rPr lang="en-US">
+              <a:rPr lang="en-AU">
                 <a:ea typeface="Calibri"/>
                 <a:cs typeface="Calibri"/>
               </a:rPr>
-              <a:t>In cases where dangerous circumstances could arise (e.g. smart car collisions), the execution time of communication is extremely important</a:t>
-            </a:r>
-          </a:p>
-          <a:p>
-            <a:endParaRPr lang="en-US">
-              <a:ea typeface="Calibri"/>
-              <a:cs typeface="Calibri"/>
-            </a:endParaRPr>
-          </a:p>
-          <a:p>
-            <a:r>
-              <a:rPr lang="en-US">
-                <a:ea typeface="Calibri"/>
-                <a:cs typeface="Calibri"/>
-              </a:rPr>
-              <a:t>Excellent Usability:</a:t>
-            </a:r>
-            <a:endParaRPr lang="en-US"/>
-          </a:p>
-          <a:p>
-            <a:r>
-              <a:rPr lang="en-AU"/>
-              <a:t>Get real detection of malicious/Black Hole nodes  to greater than 90%</a:t>
+              <a:t>Additional to challenge of undertaking technical research project, and also continue working on Project Management unit assessments</a:t>
             </a:r>
           </a:p>
           <a:p>
@@ -17495,33 +18006,38 @@
                 <a:ea typeface="Calibri"/>
                 <a:cs typeface="Calibri"/>
               </a:rPr>
-              <a:t>Mitigation procedure </a:t>
-            </a:r>
-          </a:p>
-          <a:p>
-            <a:endParaRPr lang="en-AU"/>
-          </a:p>
-          <a:p>
-            <a:r>
-              <a:rPr lang="en-AU"/>
-              <a:t>Develop drop-in model, able to be applied to current production networks</a:t>
-            </a:r>
+              <a:t>Simulation Environment Setup – getting the software to run/build, in the first place</a:t>
+            </a:r>
+          </a:p>
+          <a:p>
             <a:endParaRPr lang="en-AU">
               <a:ea typeface="Calibri"/>
               <a:cs typeface="Calibri"/>
             </a:endParaRPr>
           </a:p>
           <a:p>
+            <a:r>
+              <a:rPr lang="en-AU">
+                <a:ea typeface="Calibri"/>
+                <a:cs typeface="Calibri"/>
+              </a:rPr>
+              <a:t>Project Goal Similarity – ensuring our project provides value to wider academic and industry community; so much time spent getting other two aspects working, difficulties in staying focused on being able to discern the value we are aiming for</a:t>
+            </a:r>
+          </a:p>
+          <a:p>
             <a:endParaRPr lang="en-AU">
               <a:ea typeface="Calibri"/>
               <a:cs typeface="Calibri"/>
             </a:endParaRPr>
           </a:p>
           <a:p>
-            <a:endParaRPr lang="en-AU">
-              <a:ea typeface="Calibri"/>
-              <a:cs typeface="Calibri"/>
-            </a:endParaRPr>
+            <a:r>
+              <a:rPr lang="en-AU">
+                <a:ea typeface="Calibri"/>
+                <a:cs typeface="Calibri"/>
+              </a:rPr>
+              <a:t>Program Customisation – NS3 is a very modular, and complex system: not only does the filesystem structure of the program need to be understood, but so too does the manner in which it outputs results (and how that can be customised through the different available modules – or even building your own modules)</a:t>
+            </a:r>
           </a:p>
         </p:txBody>
       </p:sp>
@@ -17542,7 +18058,7 @@
           <a:p>
             <a:fld id="{F97DC217-DF71-1A49-B3EA-559F1F43B0FF}" type="slidenum">
               <a:rPr lang="en-US" smtClean="0"/>
-              <a:t>20</a:t>
+              <a:t>18</a:t>
             </a:fld>
             <a:endParaRPr lang="en-US"/>
           </a:p>
@@ -17551,7 +18067,7 @@
     </p:spTree>
     <p:extLst>
       <p:ext uri="{BB962C8B-B14F-4D97-AF65-F5344CB8AC3E}">
-        <p14:creationId xmlns:p14="http://schemas.microsoft.com/office/powerpoint/2010/main" val="2165544039"/>
+        <p14:creationId xmlns:p14="http://schemas.microsoft.com/office/powerpoint/2010/main" val="3328722338"/>
       </p:ext>
     </p:extLst>
   </p:cSld>
@@ -17605,17 +18121,6 @@
           <a:bodyPr/>
           <a:lstStyle/>
           <a:p>
-            <a:r>
-              <a:rPr lang="en-GB"/>
-              <a:t>Remember to say: We went to sponsor to discuss change and get it approved, when we noticed it wouldn’t be feasible</a:t>
-            </a:r>
-            <a:endParaRPr lang="en-US"/>
-          </a:p>
-          <a:p>
-            <a:r>
-              <a:rPr lang="en-GB"/>
-              <a:t>Use language of process “got it approved by sponsor”, etc.</a:t>
-            </a:r>
             <a:endParaRPr lang="en-US">
               <a:ea typeface="Calibri"/>
               <a:cs typeface="Calibri"/>
@@ -17640,7 +18145,7 @@
           <a:p>
             <a:fld id="{F97DC217-DF71-1A49-B3EA-559F1F43B0FF}" type="slidenum">
               <a:rPr lang="en-US" smtClean="0"/>
-              <a:t>21</a:t>
+              <a:t>19</a:t>
             </a:fld>
             <a:endParaRPr lang="en-US"/>
           </a:p>
@@ -17649,7 +18154,7 @@
     </p:spTree>
     <p:extLst>
       <p:ext uri="{BB962C8B-B14F-4D97-AF65-F5344CB8AC3E}">
-        <p14:creationId xmlns:p14="http://schemas.microsoft.com/office/powerpoint/2010/main" val="1321760405"/>
+        <p14:creationId xmlns:p14="http://schemas.microsoft.com/office/powerpoint/2010/main" val="2165544039"/>
       </p:ext>
     </p:extLst>
   </p:cSld>
@@ -17704,98 +18209,20 @@
           <a:lstStyle/>
           <a:p>
             <a:r>
-              <a:rPr lang="en-US"/>
-              <a:t>Outcomes and recommendations; what did we learn</a:t>
-            </a:r>
-          </a:p>
-          <a:p>
-            <a:r>
-              <a:rPr lang="en-US">
-                <a:ea typeface="Calibri"/>
-                <a:cs typeface="Calibri"/>
-              </a:rPr>
-              <a:t>Outcomes:</a:t>
+              <a:rPr lang="en-GB"/>
+              <a:t>Remember to say: We went to sponsor to discuss change and get it approved, when we noticed it wouldn’t be feasible</a:t>
             </a:r>
             <a:endParaRPr lang="en-US"/>
           </a:p>
           <a:p>
             <a:r>
-              <a:rPr lang="en-US">
-                <a:ea typeface="Calibri"/>
-                <a:cs typeface="Calibri"/>
-              </a:rPr>
-              <a:t>___</a:t>
-            </a:r>
-          </a:p>
-          <a:p>
+              <a:rPr lang="en-GB"/>
+              <a:t>Use language of process “got it approved by sponsor”, etc.</a:t>
+            </a:r>
             <a:endParaRPr lang="en-US">
               <a:ea typeface="Calibri"/>
               <a:cs typeface="Calibri"/>
             </a:endParaRPr>
-          </a:p>
-          <a:p>
-            <a:r>
-              <a:rPr lang="en-US">
-                <a:ea typeface="Calibri"/>
-                <a:cs typeface="Calibri"/>
-              </a:rPr>
-              <a:t>Learned:</a:t>
-            </a:r>
-            <a:endParaRPr lang="en-US"/>
-          </a:p>
-          <a:p>
-            <a:r>
-              <a:rPr lang="en-US"/>
-              <a:t>1. Managing the process and flow of a highly academic research project</a:t>
-            </a:r>
-          </a:p>
-          <a:p>
-            <a:r>
-              <a:rPr lang="en-US"/>
-              <a:t>2. AODV protocol</a:t>
-            </a:r>
-          </a:p>
-          <a:p>
-            <a:r>
-              <a:rPr lang="en-US"/>
-              <a:t>3. Black Hole nodes and related malicious MITM attacks</a:t>
-            </a:r>
-          </a:p>
-          <a:p>
-            <a:r>
-              <a:rPr lang="en-US"/>
-              <a:t>4. NS3 software architecture and execution</a:t>
-            </a:r>
-          </a:p>
-          <a:p>
-            <a:r>
-              <a:rPr lang="en-US"/>
-              <a:t>5. </a:t>
-            </a:r>
-          </a:p>
-          <a:p>
-            <a:endParaRPr lang="en-US">
-              <a:ea typeface="Calibri" panose="020F0502020204030204"/>
-              <a:cs typeface="Calibri" panose="020F0502020204030204"/>
-            </a:endParaRPr>
-          </a:p>
-          <a:p>
-            <a:r>
-              <a:rPr lang="en-US">
-                <a:ea typeface="Calibri" panose="020F0502020204030204"/>
-                <a:cs typeface="Calibri" panose="020F0502020204030204"/>
-              </a:rPr>
-              <a:t>Recommendations:</a:t>
-            </a:r>
-          </a:p>
-          <a:p>
-            <a:r>
-              <a:rPr lang="en-US">
-                <a:ea typeface="Calibri" panose="020F0502020204030204"/>
-                <a:cs typeface="Calibri" panose="020F0502020204030204"/>
-              </a:rPr>
-              <a:t>___</a:t>
-            </a:r>
           </a:p>
         </p:txBody>
       </p:sp>
@@ -17816,7 +18243,7 @@
           <a:p>
             <a:fld id="{F97DC217-DF71-1A49-B3EA-559F1F43B0FF}" type="slidenum">
               <a:rPr lang="en-US" smtClean="0"/>
-              <a:t>22</a:t>
+              <a:t>20</a:t>
             </a:fld>
             <a:endParaRPr lang="en-US"/>
           </a:p>
@@ -17825,7 +18252,7 @@
     </p:spTree>
     <p:extLst>
       <p:ext uri="{BB962C8B-B14F-4D97-AF65-F5344CB8AC3E}">
-        <p14:creationId xmlns:p14="http://schemas.microsoft.com/office/powerpoint/2010/main" val="1772237836"/>
+        <p14:creationId xmlns:p14="http://schemas.microsoft.com/office/powerpoint/2010/main" val="1321760405"/>
       </p:ext>
     </p:extLst>
   </p:cSld>
@@ -17991,7 +18418,7 @@
           <a:p>
             <a:fld id="{F97DC217-DF71-1A49-B3EA-559F1F43B0FF}" type="slidenum">
               <a:rPr lang="en-US" smtClean="0"/>
-              <a:t>24</a:t>
+              <a:t>21</a:t>
             </a:fld>
             <a:endParaRPr lang="en-US"/>
           </a:p>
@@ -18056,14 +18483,29 @@
           <a:p>
             <a:r>
               <a:rPr lang="en-US"/>
-              <a:t>Learned:</a:t>
-            </a:r>
-          </a:p>
-          <a:p>
-            <a:r>
-              <a:rPr lang="en-US"/>
-              <a:t>1. Managing the process and flow of a highly academic research project</a:t>
-            </a:r>
+              <a:t>Outcomes and recommendations; what did we learn</a:t>
+            </a:r>
+          </a:p>
+          <a:p>
+            <a:r>
+              <a:rPr lang="en-US">
+                <a:ea typeface="Calibri"/>
+                <a:cs typeface="Calibri"/>
+              </a:rPr>
+              <a:t>Outcomes:</a:t>
+            </a:r>
+            <a:endParaRPr lang="en-US"/>
+          </a:p>
+          <a:p>
+            <a:r>
+              <a:rPr lang="en-US">
+                <a:ea typeface="Calibri"/>
+                <a:cs typeface="Calibri"/>
+              </a:rPr>
+              <a:t>___</a:t>
+            </a:r>
+          </a:p>
+          <a:p>
             <a:endParaRPr lang="en-US">
               <a:ea typeface="Calibri"/>
               <a:cs typeface="Calibri"/>
@@ -18071,43 +18513,67 @@
           </a:p>
           <a:p>
             <a:r>
+              <a:rPr lang="en-US">
+                <a:ea typeface="Calibri"/>
+                <a:cs typeface="Calibri"/>
+              </a:rPr>
+              <a:t>Learned:</a:t>
+            </a:r>
+            <a:endParaRPr lang="en-US"/>
+          </a:p>
+          <a:p>
+            <a:r>
+              <a:rPr lang="en-US"/>
+              <a:t>1. Managing the process and flow of a highly academic research project</a:t>
+            </a:r>
+          </a:p>
+          <a:p>
+            <a:r>
               <a:rPr lang="en-US"/>
               <a:t>2. AODV protocol</a:t>
             </a:r>
-            <a:endParaRPr lang="en-US">
-              <a:ea typeface="Calibri"/>
-              <a:cs typeface="Calibri"/>
-            </a:endParaRPr>
           </a:p>
           <a:p>
             <a:r>
               <a:rPr lang="en-US"/>
               <a:t>3. Black Hole nodes and related malicious MITM attacks</a:t>
             </a:r>
-            <a:endParaRPr lang="en-US">
-              <a:ea typeface="Calibri"/>
-              <a:cs typeface="Calibri"/>
-            </a:endParaRPr>
           </a:p>
           <a:p>
             <a:r>
               <a:rPr lang="en-US"/>
               <a:t>4. NS3 software architecture and execution</a:t>
             </a:r>
+          </a:p>
+          <a:p>
+            <a:r>
+              <a:rPr lang="en-US"/>
+              <a:t>5. </a:t>
+            </a:r>
+          </a:p>
+          <a:p>
             <a:endParaRPr lang="en-US">
-              <a:ea typeface="Calibri"/>
-              <a:cs typeface="Calibri"/>
+              <a:ea typeface="Calibri" panose="020F0502020204030204"/>
+              <a:cs typeface="Calibri" panose="020F0502020204030204"/>
             </a:endParaRPr>
           </a:p>
           <a:p>
             <a:r>
-              <a:rPr lang="en-US"/>
-              <a:t>5. </a:t>
-            </a:r>
-            <a:endParaRPr lang="en-US">
-              <a:ea typeface="Calibri"/>
-              <a:cs typeface="Calibri"/>
-            </a:endParaRPr>
+              <a:rPr lang="en-US">
+                <a:ea typeface="Calibri" panose="020F0502020204030204"/>
+                <a:cs typeface="Calibri" panose="020F0502020204030204"/>
+              </a:rPr>
+              <a:t>Recommendations:</a:t>
+            </a:r>
+          </a:p>
+          <a:p>
+            <a:r>
+              <a:rPr lang="en-US">
+                <a:ea typeface="Calibri" panose="020F0502020204030204"/>
+                <a:cs typeface="Calibri" panose="020F0502020204030204"/>
+              </a:rPr>
+              <a:t>___</a:t>
+            </a:r>
           </a:p>
         </p:txBody>
       </p:sp>
@@ -18128,7 +18594,7 @@
           <a:p>
             <a:fld id="{F97DC217-DF71-1A49-B3EA-559F1F43B0FF}" type="slidenum">
               <a:rPr lang="en-US" smtClean="0"/>
-              <a:t>25</a:t>
+              <a:t>22</a:t>
             </a:fld>
             <a:endParaRPr lang="en-US"/>
           </a:p>
@@ -18137,7 +18603,7 @@
     </p:spTree>
     <p:extLst>
       <p:ext uri="{BB962C8B-B14F-4D97-AF65-F5344CB8AC3E}">
-        <p14:creationId xmlns:p14="http://schemas.microsoft.com/office/powerpoint/2010/main" val="600578587"/>
+        <p14:creationId xmlns:p14="http://schemas.microsoft.com/office/powerpoint/2010/main" val="1772237836"/>
       </p:ext>
     </p:extLst>
   </p:cSld>
@@ -18191,7 +18657,60 @@
           <a:bodyPr/>
           <a:lstStyle/>
           <a:p>
-            <a:endParaRPr lang="en-US"/>
+            <a:r>
+              <a:rPr lang="en-US"/>
+              <a:t>Learned:</a:t>
+            </a:r>
+          </a:p>
+          <a:p>
+            <a:r>
+              <a:rPr lang="en-US"/>
+              <a:t>1. Managing the process and flow of a highly academic research project</a:t>
+            </a:r>
+            <a:endParaRPr lang="en-US">
+              <a:ea typeface="Calibri"/>
+              <a:cs typeface="Calibri"/>
+            </a:endParaRPr>
+          </a:p>
+          <a:p>
+            <a:r>
+              <a:rPr lang="en-US"/>
+              <a:t>2. AODV protocol</a:t>
+            </a:r>
+            <a:endParaRPr lang="en-US">
+              <a:ea typeface="Calibri"/>
+              <a:cs typeface="Calibri"/>
+            </a:endParaRPr>
+          </a:p>
+          <a:p>
+            <a:r>
+              <a:rPr lang="en-US"/>
+              <a:t>3. Black Hole nodes and related malicious MITM attacks</a:t>
+            </a:r>
+            <a:endParaRPr lang="en-US">
+              <a:ea typeface="Calibri"/>
+              <a:cs typeface="Calibri"/>
+            </a:endParaRPr>
+          </a:p>
+          <a:p>
+            <a:r>
+              <a:rPr lang="en-US"/>
+              <a:t>4. NS3 software architecture and execution</a:t>
+            </a:r>
+            <a:endParaRPr lang="en-US">
+              <a:ea typeface="Calibri"/>
+              <a:cs typeface="Calibri"/>
+            </a:endParaRPr>
+          </a:p>
+          <a:p>
+            <a:r>
+              <a:rPr lang="en-US"/>
+              <a:t>5. </a:t>
+            </a:r>
+            <a:endParaRPr lang="en-US">
+              <a:ea typeface="Calibri"/>
+              <a:cs typeface="Calibri"/>
+            </a:endParaRPr>
           </a:p>
         </p:txBody>
       </p:sp>
@@ -18212,7 +18731,7 @@
           <a:p>
             <a:fld id="{F97DC217-DF71-1A49-B3EA-559F1F43B0FF}" type="slidenum">
               <a:rPr lang="en-US" smtClean="0"/>
-              <a:t>26</a:t>
+              <a:t>25</a:t>
             </a:fld>
             <a:endParaRPr lang="en-US"/>
           </a:p>
@@ -18221,7 +18740,7 @@
     </p:spTree>
     <p:extLst>
       <p:ext uri="{BB962C8B-B14F-4D97-AF65-F5344CB8AC3E}">
-        <p14:creationId xmlns:p14="http://schemas.microsoft.com/office/powerpoint/2010/main" val="1757954075"/>
+        <p14:creationId xmlns:p14="http://schemas.microsoft.com/office/powerpoint/2010/main" val="600578587"/>
       </p:ext>
     </p:extLst>
   </p:cSld>
@@ -18275,6 +18794,97 @@
           <a:bodyPr/>
           <a:lstStyle/>
           <a:p>
+            <a:r>
+              <a:rPr lang="en-US">
+                <a:ea typeface="Calibri"/>
+                <a:cs typeface="Calibri"/>
+              </a:rPr>
+              <a:t>Changes, depending on if we're recommending future groups' development, or our methods have succeeded</a:t>
+            </a:r>
+            <a:endParaRPr lang="en-US"/>
+          </a:p>
+        </p:txBody>
+      </p:sp>
+      <p:sp>
+        <p:nvSpPr>
+          <p:cNvPr id="4" name="Slide Number Placeholder 3"/>
+          <p:cNvSpPr>
+            <a:spLocks noGrp="1"/>
+          </p:cNvSpPr>
+          <p:nvPr>
+            <p:ph type="sldNum" sz="quarter" idx="5"/>
+          </p:nvPr>
+        </p:nvSpPr>
+        <p:spPr/>
+        <p:txBody>
+          <a:bodyPr/>
+          <a:lstStyle/>
+          <a:p>
+            <a:fld id="{F97DC217-DF71-1A49-B3EA-559F1F43B0FF}" type="slidenum">
+              <a:rPr lang="en-US" smtClean="0"/>
+              <a:t>26</a:t>
+            </a:fld>
+            <a:endParaRPr lang="en-US"/>
+          </a:p>
+        </p:txBody>
+      </p:sp>
+    </p:spTree>
+    <p:extLst>
+      <p:ext uri="{BB962C8B-B14F-4D97-AF65-F5344CB8AC3E}">
+        <p14:creationId xmlns:p14="http://schemas.microsoft.com/office/powerpoint/2010/main" val="1757954075"/>
+      </p:ext>
+    </p:extLst>
+  </p:cSld>
+  <p:clrMapOvr>
+    <a:masterClrMapping/>
+  </p:clrMapOvr>
+</p:notes>
+</file>
+
+<file path=ppt/notesSlides/notesSlide24.xml><?xml version="1.0" encoding="utf-8"?>
+<p:notes xmlns:a="http://schemas.openxmlformats.org/drawingml/2006/main" xmlns:r="http://schemas.openxmlformats.org/officeDocument/2006/relationships" xmlns:p="http://schemas.openxmlformats.org/presentationml/2006/main">
+  <p:cSld>
+    <p:spTree>
+      <p:nvGrpSpPr>
+        <p:cNvPr id="1" name=""/>
+        <p:cNvGrpSpPr/>
+        <p:nvPr/>
+      </p:nvGrpSpPr>
+      <p:grpSpPr>
+        <a:xfrm>
+          <a:off x="0" y="0"/>
+          <a:ext cx="0" cy="0"/>
+          <a:chOff x="0" y="0"/>
+          <a:chExt cx="0" cy="0"/>
+        </a:xfrm>
+      </p:grpSpPr>
+      <p:sp>
+        <p:nvSpPr>
+          <p:cNvPr id="2" name="Slide Image Placeholder 1"/>
+          <p:cNvSpPr>
+            <a:spLocks noGrp="1" noRot="1" noChangeAspect="1"/>
+          </p:cNvSpPr>
+          <p:nvPr>
+            <p:ph type="sldImg"/>
+          </p:nvPr>
+        </p:nvSpPr>
+        <p:spPr/>
+      </p:sp>
+      <p:sp>
+        <p:nvSpPr>
+          <p:cNvPr id="3" name="Notes Placeholder 2"/>
+          <p:cNvSpPr>
+            <a:spLocks noGrp="1"/>
+          </p:cNvSpPr>
+          <p:nvPr>
+            <p:ph type="body" idx="1"/>
+          </p:nvPr>
+        </p:nvSpPr>
+        <p:spPr/>
+        <p:txBody>
+          <a:bodyPr/>
+          <a:lstStyle/>
+          <a:p>
             <a:pPr marL="0" marR="0" lvl="0" indent="0" algn="l" defTabSz="914400" rtl="0" eaLnBrk="1" fontAlgn="auto" latinLnBrk="0" hangingPunct="1">
               <a:lnSpc>
                 <a:spcPct val="100000"/>
@@ -18397,6 +19007,97 @@
     <p:extLst>
       <p:ext uri="{BB962C8B-B14F-4D97-AF65-F5344CB8AC3E}">
         <p14:creationId xmlns:p14="http://schemas.microsoft.com/office/powerpoint/2010/main" val="3395053633"/>
+      </p:ext>
+    </p:extLst>
+  </p:cSld>
+  <p:clrMapOvr>
+    <a:masterClrMapping/>
+  </p:clrMapOvr>
+</p:notes>
+</file>
+
+<file path=ppt/notesSlides/notesSlide25.xml><?xml version="1.0" encoding="utf-8"?>
+<p:notes xmlns:a="http://schemas.openxmlformats.org/drawingml/2006/main" xmlns:r="http://schemas.openxmlformats.org/officeDocument/2006/relationships" xmlns:p="http://schemas.openxmlformats.org/presentationml/2006/main">
+  <p:cSld>
+    <p:spTree>
+      <p:nvGrpSpPr>
+        <p:cNvPr id="1" name=""/>
+        <p:cNvGrpSpPr/>
+        <p:nvPr/>
+      </p:nvGrpSpPr>
+      <p:grpSpPr>
+        <a:xfrm>
+          <a:off x="0" y="0"/>
+          <a:ext cx="0" cy="0"/>
+          <a:chOff x="0" y="0"/>
+          <a:chExt cx="0" cy="0"/>
+        </a:xfrm>
+      </p:grpSpPr>
+      <p:sp>
+        <p:nvSpPr>
+          <p:cNvPr id="2" name="Slide Image Placeholder 1"/>
+          <p:cNvSpPr>
+            <a:spLocks noGrp="1" noRot="1" noChangeAspect="1"/>
+          </p:cNvSpPr>
+          <p:nvPr>
+            <p:ph type="sldImg"/>
+          </p:nvPr>
+        </p:nvSpPr>
+        <p:spPr/>
+      </p:sp>
+      <p:sp>
+        <p:nvSpPr>
+          <p:cNvPr id="3" name="Notes Placeholder 2"/>
+          <p:cNvSpPr>
+            <a:spLocks noGrp="1"/>
+          </p:cNvSpPr>
+          <p:nvPr>
+            <p:ph type="body" idx="1"/>
+          </p:nvPr>
+        </p:nvSpPr>
+        <p:spPr/>
+        <p:txBody>
+          <a:bodyPr/>
+          <a:lstStyle/>
+          <a:p>
+            <a:r>
+              <a:rPr lang="en-US">
+                <a:ea typeface="Calibri"/>
+                <a:cs typeface="Calibri"/>
+              </a:rPr>
+              <a:t>Bibliography slides</a:t>
+            </a:r>
+            <a:endParaRPr lang="en-US"/>
+          </a:p>
+        </p:txBody>
+      </p:sp>
+      <p:sp>
+        <p:nvSpPr>
+          <p:cNvPr id="4" name="Slide Number Placeholder 3"/>
+          <p:cNvSpPr>
+            <a:spLocks noGrp="1"/>
+          </p:cNvSpPr>
+          <p:nvPr>
+            <p:ph type="sldNum" sz="quarter" idx="5"/>
+          </p:nvPr>
+        </p:nvSpPr>
+        <p:spPr/>
+        <p:txBody>
+          <a:bodyPr/>
+          <a:lstStyle/>
+          <a:p>
+            <a:fld id="{F97DC217-DF71-1A49-B3EA-559F1F43B0FF}" type="slidenum">
+              <a:rPr lang="en-US" smtClean="0"/>
+              <a:t>29</a:t>
+            </a:fld>
+            <a:endParaRPr lang="en-US"/>
+          </a:p>
+        </p:txBody>
+      </p:sp>
+    </p:spTree>
+    <p:extLst>
+      <p:ext uri="{BB962C8B-B14F-4D97-AF65-F5344CB8AC3E}">
+        <p14:creationId xmlns:p14="http://schemas.microsoft.com/office/powerpoint/2010/main" val="1636525310"/>
       </p:ext>
     </p:extLst>
   </p:cSld>
@@ -18480,7 +19181,7 @@
     </p:spTree>
     <p:extLst>
       <p:ext uri="{BB962C8B-B14F-4D97-AF65-F5344CB8AC3E}">
-        <p14:creationId xmlns:p14="http://schemas.microsoft.com/office/powerpoint/2010/main" val="2915247852"/>
+        <p14:creationId xmlns:p14="http://schemas.microsoft.com/office/powerpoint/2010/main" val="2090438853"/>
       </p:ext>
     </p:extLst>
   </p:cSld>
@@ -18564,7 +19265,7 @@
     </p:spTree>
     <p:extLst>
       <p:ext uri="{BB962C8B-B14F-4D97-AF65-F5344CB8AC3E}">
-        <p14:creationId xmlns:p14="http://schemas.microsoft.com/office/powerpoint/2010/main" val="2090438853"/>
+        <p14:creationId xmlns:p14="http://schemas.microsoft.com/office/powerpoint/2010/main" val="2915247852"/>
       </p:ext>
     </p:extLst>
   </p:cSld>
@@ -33010,12 +33711,14 @@
           </a:xfrm>
         </p:spPr>
         <p:txBody>
-          <a:bodyPr/>
+          <a:bodyPr vert="horz" lIns="91440" tIns="45720" rIns="91440" bIns="45720" rtlCol="0" anchor="t">
+            <a:normAutofit/>
+          </a:bodyPr>
           <a:lstStyle/>
           <a:p>
             <a:r>
               <a:rPr lang="en-US"/>
-              <a:t>Concerned audience member</a:t>
+              <a:t>Curious audience member</a:t>
             </a:r>
           </a:p>
         </p:txBody>
@@ -33135,7 +33838,7 @@
 </file>
 
 <file path=ppt/slides/slide11.xml><?xml version="1.0" encoding="utf-8"?>
-<p:sld xmlns:a="http://schemas.openxmlformats.org/drawingml/2006/main" xmlns:r="http://schemas.openxmlformats.org/officeDocument/2006/relationships" xmlns:p="http://schemas.openxmlformats.org/presentationml/2006/main">
+<p:sld xmlns:a="http://schemas.openxmlformats.org/drawingml/2006/main" xmlns:r="http://schemas.openxmlformats.org/officeDocument/2006/relationships" xmlns:p="http://schemas.openxmlformats.org/presentationml/2006/main" show="0">
   <p:cSld>
     <p:spTree>
       <p:nvGrpSpPr>
@@ -33314,7 +34017,7 @@
           <a:lstStyle/>
           <a:p>
             <a:r>
-              <a:rPr lang="en-AU" sz="1200" b="1" dirty="0"/>
+              <a:rPr lang="en-AU" sz="1200" b="1"/>
               <a:t>Software / Overall</a:t>
             </a:r>
           </a:p>
@@ -33323,7 +34026,7 @@
               <a:buChar char="•"/>
             </a:pPr>
             <a:r>
-              <a:rPr lang="en-AU" sz="1200" dirty="0"/>
+              <a:rPr lang="en-AU" sz="1200"/>
               <a:t>Discrete Event Simulator</a:t>
             </a:r>
           </a:p>
@@ -33332,7 +34035,7 @@
               <a:buChar char="•"/>
             </a:pPr>
             <a:r>
-              <a:rPr lang="en-AU" sz="1200" dirty="0"/>
+              <a:rPr lang="en-AU" sz="1200"/>
               <a:t>Modifiable simulation scenarios</a:t>
             </a:r>
           </a:p>
@@ -33341,26 +34044,26 @@
               <a:buChar char="•"/>
             </a:pPr>
             <a:r>
-              <a:rPr lang="en-AU" sz="1200" dirty="0"/>
+              <a:rPr lang="en-AU" sz="1200"/>
               <a:t>User programs written in C++ or Python</a:t>
             </a:r>
           </a:p>
           <a:p>
-            <a:endParaRPr lang="en-AU" sz="1200" b="1" dirty="0"/>
-          </a:p>
-          <a:p>
-            <a:r>
-              <a:rPr lang="en-AU" sz="1200" b="1" dirty="0"/>
+            <a:endParaRPr lang="en-AU" sz="1200" b="1"/>
+          </a:p>
+          <a:p>
+            <a:r>
+              <a:rPr lang="en-AU" sz="1200" b="1"/>
               <a:t>Node</a:t>
             </a:r>
-            <a:endParaRPr lang="en-AU" dirty="0"/>
+            <a:endParaRPr lang="en-AU"/>
           </a:p>
           <a:p>
             <a:pPr marL="285750" indent="-285750">
               <a:buChar char="•"/>
             </a:pPr>
             <a:r>
-              <a:rPr lang="en-AU" sz="1200" dirty="0"/>
+              <a:rPr lang="en-AU" sz="1200"/>
               <a:t>Computing device that connects to a network</a:t>
             </a:r>
           </a:p>
@@ -33369,26 +34072,26 @@
               <a:buChar char="•"/>
             </a:pPr>
             <a:r>
-              <a:rPr lang="en-AU" sz="1200" dirty="0"/>
+              <a:rPr lang="en-AU" sz="1200"/>
               <a:t>C++ class "Node" provides methods for management and functions of computing devices in simulation</a:t>
             </a:r>
           </a:p>
           <a:p>
-            <a:endParaRPr lang="en-AU" sz="1200" b="1" dirty="0"/>
-          </a:p>
-          <a:p>
-            <a:r>
-              <a:rPr lang="en-AU" sz="1200" b="1" dirty="0"/>
+            <a:endParaRPr lang="en-AU" sz="1200" b="1"/>
+          </a:p>
+          <a:p>
+            <a:r>
+              <a:rPr lang="en-AU" sz="1200" b="1"/>
               <a:t>Application</a:t>
             </a:r>
-            <a:endParaRPr lang="en-AU" dirty="0"/>
+            <a:endParaRPr lang="en-AU"/>
           </a:p>
           <a:p>
             <a:pPr marL="285750" indent="-285750">
               <a:buChar char="•"/>
             </a:pPr>
             <a:r>
-              <a:rPr lang="en-AU" sz="1200" dirty="0"/>
+              <a:rPr lang="en-AU" sz="1200"/>
               <a:t>Basic abstraction for program that generates some simulated activity</a:t>
             </a:r>
           </a:p>
@@ -33397,26 +34100,26 @@
               <a:buChar char="•"/>
             </a:pPr>
             <a:r>
-              <a:rPr lang="en-AU" sz="1200" dirty="0"/>
+              <a:rPr lang="en-AU" sz="1200"/>
               <a:t>C++ class "Application" provides methods for simulation of activities</a:t>
             </a:r>
           </a:p>
           <a:p>
-            <a:endParaRPr lang="en-AU" sz="1200" b="1" dirty="0"/>
-          </a:p>
-          <a:p>
-            <a:r>
-              <a:rPr lang="en-AU" sz="1200" b="1" dirty="0"/>
+            <a:endParaRPr lang="en-AU" sz="1200" b="1"/>
+          </a:p>
+          <a:p>
+            <a:r>
+              <a:rPr lang="en-AU" sz="1200" b="1"/>
               <a:t>Channel</a:t>
             </a:r>
-            <a:endParaRPr lang="en-AU" dirty="0"/>
+            <a:endParaRPr lang="en-AU"/>
           </a:p>
           <a:p>
             <a:pPr marL="285750" indent="-285750">
               <a:buChar char="•"/>
             </a:pPr>
             <a:r>
-              <a:rPr lang="en-AU" sz="1200" dirty="0"/>
+              <a:rPr lang="en-AU" sz="1200"/>
               <a:t>Simulated media via which data flows between nodes</a:t>
             </a:r>
           </a:p>
@@ -33425,16 +34128,16 @@
               <a:buChar char="•"/>
             </a:pPr>
             <a:r>
-              <a:rPr lang="en-AU" sz="1200" dirty="0"/>
+              <a:rPr lang="en-AU" sz="1200"/>
               <a:t>C++ class "Channel" provides methods for simulating media types and behaviours</a:t>
             </a:r>
           </a:p>
           <a:p>
-            <a:endParaRPr lang="en-AU" sz="1200" dirty="0"/>
-          </a:p>
-          <a:p>
-            <a:r>
-              <a:rPr lang="en-AU" sz="1200" b="1" dirty="0"/>
+            <a:endParaRPr lang="en-AU" sz="1200"/>
+          </a:p>
+          <a:p>
+            <a:r>
+              <a:rPr lang="en-AU" sz="1200" b="1"/>
               <a:t>Net Device</a:t>
             </a:r>
           </a:p>
@@ -33443,7 +34146,7 @@
               <a:buChar char="•"/>
             </a:pPr>
             <a:r>
-              <a:rPr lang="en-AU" sz="1200" dirty="0"/>
+              <a:rPr lang="en-AU" sz="1200"/>
               <a:t>Abstraction for simulated software drivers and hardware</a:t>
             </a:r>
           </a:p>
@@ -33452,15 +34155,15 @@
               <a:buChar char="•"/>
             </a:pPr>
             <a:r>
-              <a:rPr lang="en-AU" sz="1200" dirty="0"/>
+              <a:rPr lang="en-AU" sz="1200"/>
               <a:t>C++ class "</a:t>
             </a:r>
             <a:r>
-              <a:rPr lang="en-AU" sz="1200" dirty="0" err="1"/>
+              <a:rPr lang="en-AU" sz="1200" err="1"/>
               <a:t>NetDevice</a:t>
             </a:r>
             <a:r>
-              <a:rPr lang="en-AU" sz="1200" dirty="0"/>
+              <a:rPr lang="en-AU" sz="1200"/>
               <a:t>" provides methods for simulated driver behaviours</a:t>
             </a:r>
           </a:p>
@@ -35032,13 +35735,8 @@
           <a:p>
             <a:r>
               <a:rPr lang="en-US"/>
-              <a:t>NS3 </a:t>
-            </a:r>
-            <a:r>
-              <a:rPr lang="en-US" err="1"/>
-              <a:t>NetAnim</a:t>
-            </a:r>
-            <a:endParaRPr lang="en-US"/>
+              <a:t>Network Simulator Data Vis.</a:t>
+            </a:r>
           </a:p>
         </p:txBody>
       </p:sp>
@@ -35281,101 +35979,6 @@
 </file>
 
 <file path=ppt/slides/slide13.xml><?xml version="1.0" encoding="utf-8"?>
-<p:sld xmlns:a="http://schemas.openxmlformats.org/drawingml/2006/main" xmlns:r="http://schemas.openxmlformats.org/officeDocument/2006/relationships" xmlns:p="http://schemas.openxmlformats.org/presentationml/2006/main">
-  <p:cSld>
-    <p:spTree>
-      <p:nvGrpSpPr>
-        <p:cNvPr id="1" name=""/>
-        <p:cNvGrpSpPr/>
-        <p:nvPr/>
-      </p:nvGrpSpPr>
-      <p:grpSpPr>
-        <a:xfrm>
-          <a:off x="0" y="0"/>
-          <a:ext cx="0" cy="0"/>
-          <a:chOff x="0" y="0"/>
-          <a:chExt cx="0" cy="0"/>
-        </a:xfrm>
-      </p:grpSpPr>
-      <p:sp>
-        <p:nvSpPr>
-          <p:cNvPr id="2" name="Title 1">
-            <a:extLst>
-              <a:ext uri="{FF2B5EF4-FFF2-40B4-BE49-F238E27FC236}">
-                <a16:creationId xmlns:a16="http://schemas.microsoft.com/office/drawing/2014/main" id="{8460295B-54B9-4937-90E3-BAB9CE69E30B}"/>
-              </a:ext>
-            </a:extLst>
-          </p:cNvPr>
-          <p:cNvSpPr>
-            <a:spLocks noGrp="1"/>
-          </p:cNvSpPr>
-          <p:nvPr>
-            <p:ph type="ctrTitle"/>
-          </p:nvPr>
-        </p:nvSpPr>
-        <p:spPr>
-          <a:xfrm>
-            <a:off x="1167494" y="177553"/>
-            <a:ext cx="6245912" cy="3269447"/>
-          </a:xfrm>
-        </p:spPr>
-        <p:txBody>
-          <a:bodyPr/>
-          <a:lstStyle/>
-          <a:p>
-            <a:r>
-              <a:rPr lang="en-US"/>
-              <a:t>What is the Benefit?</a:t>
-            </a:r>
-          </a:p>
-        </p:txBody>
-      </p:sp>
-      <p:sp>
-        <p:nvSpPr>
-          <p:cNvPr id="4" name="Text Placeholder 3">
-            <a:extLst>
-              <a:ext uri="{FF2B5EF4-FFF2-40B4-BE49-F238E27FC236}">
-                <a16:creationId xmlns:a16="http://schemas.microsoft.com/office/drawing/2014/main" id="{D51A6D85-3837-435F-A342-5A3F98172B12}"/>
-              </a:ext>
-            </a:extLst>
-          </p:cNvPr>
-          <p:cNvSpPr>
-            <a:spLocks noGrp="1"/>
-          </p:cNvSpPr>
-          <p:nvPr>
-            <p:ph type="subTitle" idx="1"/>
-          </p:nvPr>
-        </p:nvSpPr>
-        <p:spPr>
-          <a:xfrm>
-            <a:off x="1167494" y="3492896"/>
-            <a:ext cx="6245912" cy="912850"/>
-          </a:xfrm>
-        </p:spPr>
-        <p:txBody>
-          <a:bodyPr vert="horz" lIns="91440" tIns="45720" rIns="91440" bIns="45720" rtlCol="0" anchor="t">
-            <a:normAutofit/>
-          </a:bodyPr>
-          <a:lstStyle/>
-          <a:p>
-            <a:endParaRPr lang="en-US"/>
-          </a:p>
-        </p:txBody>
-      </p:sp>
-    </p:spTree>
-    <p:extLst>
-      <p:ext uri="{BB962C8B-B14F-4D97-AF65-F5344CB8AC3E}">
-        <p14:creationId xmlns:p14="http://schemas.microsoft.com/office/powerpoint/2010/main" val="3828285987"/>
-      </p:ext>
-    </p:extLst>
-  </p:cSld>
-  <p:clrMapOvr>
-    <a:masterClrMapping/>
-  </p:clrMapOvr>
-</p:sld>
-</file>
-
-<file path=ppt/slides/slide14.xml><?xml version="1.0" encoding="utf-8"?>
 <p:sld xmlns:a="http://schemas.openxmlformats.org/drawingml/2006/main" xmlns:r="http://schemas.openxmlformats.org/officeDocument/2006/relationships" xmlns:p="http://schemas.openxmlformats.org/presentationml/2006/main">
   <p:cSld>
     <p:spTree>
@@ -35520,7 +36123,7 @@
             <a:fld id="{294A09A9-5501-47C1-A89A-A340965A2BE2}" type="slidenum">
               <a:rPr lang="en-US" smtClean="0"/>
               <a:pPr/>
-              <a:t>14</a:t>
+              <a:t>13</a:t>
             </a:fld>
             <a:endParaRPr lang="en-US"/>
           </a:p>
@@ -37133,7 +37736,7 @@
 </p:sld>
 </file>
 
-<file path=ppt/slides/slide15.xml><?xml version="1.0" encoding="utf-8"?>
+<file path=ppt/slides/slide14.xml><?xml version="1.0" encoding="utf-8"?>
 <p:sld xmlns:a="http://schemas.openxmlformats.org/drawingml/2006/main" xmlns:r="http://schemas.openxmlformats.org/officeDocument/2006/relationships" xmlns:p="http://schemas.openxmlformats.org/presentationml/2006/main">
   <p:cSld>
     <p:spTree>
@@ -37155,7 +37758,7 @@
           <p:cNvPr id="2" name="Title 1">
             <a:extLst>
               <a:ext uri="{FF2B5EF4-FFF2-40B4-BE49-F238E27FC236}">
-                <a16:creationId xmlns:a16="http://schemas.microsoft.com/office/drawing/2014/main" id="{E5F191A4-7839-4F63-B17C-7C366C59488C}"/>
+                <a16:creationId xmlns:a16="http://schemas.microsoft.com/office/drawing/2014/main" id="{8460295B-54B9-4937-90E3-BAB9CE69E30B}"/>
               </a:ext>
             </a:extLst>
           </p:cNvPr>
@@ -37163,13 +37766,13 @@
             <a:spLocks noGrp="1"/>
           </p:cNvSpPr>
           <p:nvPr>
-            <p:ph type="title"/>
+            <p:ph type="ctrTitle"/>
           </p:nvPr>
         </p:nvSpPr>
         <p:spPr>
           <a:xfrm>
-            <a:off x="1167492" y="381000"/>
-            <a:ext cx="9779183" cy="1325563"/>
+            <a:off x="1167494" y="177553"/>
+            <a:ext cx="6245912" cy="3269447"/>
           </a:xfrm>
         </p:spPr>
         <p:txBody>
@@ -37178,17 +37781,17 @@
           <a:p>
             <a:r>
               <a:rPr lang="en-US"/>
-              <a:t>How we get there</a:t>
+              <a:t>What is the Benefit?</a:t>
             </a:r>
           </a:p>
         </p:txBody>
       </p:sp>
       <p:sp>
         <p:nvSpPr>
-          <p:cNvPr id="9" name="Content Placeholder 8">
+          <p:cNvPr id="4" name="Text Placeholder 3">
             <a:extLst>
               <a:ext uri="{FF2B5EF4-FFF2-40B4-BE49-F238E27FC236}">
-                <a16:creationId xmlns:a16="http://schemas.microsoft.com/office/drawing/2014/main" id="{472FA7B1-CD7F-3646-B44C-91A107A0CBEE}"/>
+                <a16:creationId xmlns:a16="http://schemas.microsoft.com/office/drawing/2014/main" id="{D51A6D85-3837-435F-A342-5A3F98172B12}"/>
               </a:ext>
             </a:extLst>
           </p:cNvPr>
@@ -37196,132 +37799,13 @@
             <a:spLocks noGrp="1"/>
           </p:cNvSpPr>
           <p:nvPr>
-            <p:ph type="body" sz="quarter" idx="14"/>
+            <p:ph type="subTitle" idx="1"/>
           </p:nvPr>
         </p:nvSpPr>
         <p:spPr>
           <a:xfrm>
-            <a:off x="1166813" y="2020329"/>
-            <a:ext cx="3219450" cy="468933"/>
-          </a:xfrm>
-        </p:spPr>
-        <p:txBody>
-          <a:bodyPr/>
-          <a:lstStyle/>
-          <a:p>
-            <a:r>
-              <a:rPr lang="en-US"/>
-              <a:t>ROI</a:t>
-            </a:r>
-          </a:p>
-        </p:txBody>
-      </p:sp>
-      <p:sp>
-        <p:nvSpPr>
-          <p:cNvPr id="4" name="Content Placeholder 3">
-            <a:extLst>
-              <a:ext uri="{FF2B5EF4-FFF2-40B4-BE49-F238E27FC236}">
-                <a16:creationId xmlns:a16="http://schemas.microsoft.com/office/drawing/2014/main" id="{9B9ED227-95A7-4B08-91FE-5E0EF0D41D20}"/>
-              </a:ext>
-            </a:extLst>
-          </p:cNvPr>
-          <p:cNvSpPr>
-            <a:spLocks noGrp="1"/>
-          </p:cNvSpPr>
-          <p:nvPr>
-            <p:ph idx="1"/>
-          </p:nvPr>
-        </p:nvSpPr>
-        <p:spPr>
-          <a:xfrm>
-            <a:off x="1167491" y="2526318"/>
-            <a:ext cx="3218688" cy="2828613"/>
-          </a:xfrm>
-        </p:spPr>
-        <p:txBody>
-          <a:bodyPr vert="horz" lIns="91440" tIns="45720" rIns="91440" bIns="45720" rtlCol="0" anchor="t">
-            <a:noAutofit/>
-          </a:bodyPr>
-          <a:lstStyle/>
-          <a:p>
-            <a:r>
-              <a:rPr lang="en-US"/>
-              <a:t>Envision multimedia-based expertise and cross-media growth strategies</a:t>
-            </a:r>
-          </a:p>
-          <a:p>
-            <a:r>
-              <a:rPr lang="en-US"/>
-              <a:t>Visualize quality intellectual capital</a:t>
-            </a:r>
-          </a:p>
-          <a:p>
-            <a:r>
-              <a:rPr lang="en-US"/>
-              <a:t>Engage worldwide methodologies with web-enabled technologies</a:t>
-            </a:r>
-          </a:p>
-          <a:p>
-            <a:endParaRPr lang="en-US"/>
-          </a:p>
-          <a:p>
-            <a:endParaRPr lang="en-US"/>
-          </a:p>
-        </p:txBody>
-      </p:sp>
-      <p:sp>
-        <p:nvSpPr>
-          <p:cNvPr id="10" name="Content Placeholder 9">
-            <a:extLst>
-              <a:ext uri="{FF2B5EF4-FFF2-40B4-BE49-F238E27FC236}">
-                <a16:creationId xmlns:a16="http://schemas.microsoft.com/office/drawing/2014/main" id="{585697B7-EBBB-0E4B-AA02-0D3F94821C6E}"/>
-              </a:ext>
-            </a:extLst>
-          </p:cNvPr>
-          <p:cNvSpPr>
-            <a:spLocks noGrp="1"/>
-          </p:cNvSpPr>
-          <p:nvPr>
-            <p:ph type="body" sz="quarter" idx="15"/>
-          </p:nvPr>
-        </p:nvSpPr>
-        <p:spPr>
-          <a:xfrm>
-            <a:off x="4683787" y="2020329"/>
-            <a:ext cx="3173279" cy="468933"/>
-          </a:xfrm>
-        </p:spPr>
-        <p:txBody>
-          <a:bodyPr/>
-          <a:lstStyle/>
-          <a:p>
-            <a:r>
-              <a:rPr lang="en-US"/>
-              <a:t>Niche Markets</a:t>
-            </a:r>
-          </a:p>
-        </p:txBody>
-      </p:sp>
-      <p:sp>
-        <p:nvSpPr>
-          <p:cNvPr id="5" name="Content Placeholder 4">
-            <a:extLst>
-              <a:ext uri="{FF2B5EF4-FFF2-40B4-BE49-F238E27FC236}">
-                <a16:creationId xmlns:a16="http://schemas.microsoft.com/office/drawing/2014/main" id="{9C2ECAAA-1E9C-4845-8EA9-E11A76F08150}"/>
-              </a:ext>
-            </a:extLst>
-          </p:cNvPr>
-          <p:cNvSpPr>
-            <a:spLocks noGrp="1"/>
-          </p:cNvSpPr>
-          <p:nvPr>
-            <p:ph idx="10"/>
-          </p:nvPr>
-        </p:nvSpPr>
-        <p:spPr>
-          <a:xfrm>
-            <a:off x="4683787" y="2526318"/>
-            <a:ext cx="3173279" cy="2828613"/>
+            <a:off x="1167494" y="3492896"/>
+            <a:ext cx="6245912" cy="912850"/>
           </a:xfrm>
         </p:spPr>
         <p:txBody>
@@ -37330,194 +37814,6 @@
           </a:bodyPr>
           <a:lstStyle/>
           <a:p>
-            <a:r>
-              <a:rPr lang="en-US"/>
-              <a:t>Pursue scalable customer service through sustainable strategies</a:t>
-            </a:r>
-          </a:p>
-          <a:p>
-            <a:r>
-              <a:rPr lang="en-US"/>
-              <a:t>Engage top-line web services with cutting-edge deliverables</a:t>
-            </a:r>
-          </a:p>
-          <a:p>
-            <a:endParaRPr lang="en-US"/>
-          </a:p>
-          <a:p>
-            <a:endParaRPr lang="en-US"/>
-          </a:p>
-        </p:txBody>
-      </p:sp>
-      <p:sp>
-        <p:nvSpPr>
-          <p:cNvPr id="13" name="Content Placeholder 12">
-            <a:extLst>
-              <a:ext uri="{FF2B5EF4-FFF2-40B4-BE49-F238E27FC236}">
-                <a16:creationId xmlns:a16="http://schemas.microsoft.com/office/drawing/2014/main" id="{EB1FFBC5-1733-5E4A-BF11-2C157D9917CC}"/>
-              </a:ext>
-            </a:extLst>
-          </p:cNvPr>
-          <p:cNvSpPr>
-            <a:spLocks noGrp="1"/>
-          </p:cNvSpPr>
-          <p:nvPr>
-            <p:ph type="body" sz="quarter" idx="16"/>
-          </p:nvPr>
-        </p:nvSpPr>
-        <p:spPr>
-          <a:xfrm>
-            <a:off x="8200082" y="2018581"/>
-            <a:ext cx="3173279" cy="468933"/>
-          </a:xfrm>
-        </p:spPr>
-        <p:txBody>
-          <a:bodyPr/>
-          <a:lstStyle/>
-          <a:p>
-            <a:r>
-              <a:rPr lang="en-US"/>
-              <a:t>Supply chains</a:t>
-            </a:r>
-          </a:p>
-        </p:txBody>
-      </p:sp>
-      <p:sp>
-        <p:nvSpPr>
-          <p:cNvPr id="11" name="Content Placeholder 10">
-            <a:extLst>
-              <a:ext uri="{FF2B5EF4-FFF2-40B4-BE49-F238E27FC236}">
-                <a16:creationId xmlns:a16="http://schemas.microsoft.com/office/drawing/2014/main" id="{48A12450-9474-8A49-BAEB-20C6F51540D5}"/>
-              </a:ext>
-            </a:extLst>
-          </p:cNvPr>
-          <p:cNvSpPr>
-            <a:spLocks noGrp="1"/>
-          </p:cNvSpPr>
-          <p:nvPr>
-            <p:ph idx="13"/>
-          </p:nvPr>
-        </p:nvSpPr>
-        <p:spPr>
-          <a:xfrm>
-            <a:off x="8200082" y="2526318"/>
-            <a:ext cx="3173279" cy="2828613"/>
-          </a:xfrm>
-        </p:spPr>
-        <p:txBody>
-          <a:bodyPr/>
-          <a:lstStyle/>
-          <a:p>
-            <a:r>
-              <a:rPr lang="en-US"/>
-              <a:t>Cultivate one-to-one customer service with robust ideas</a:t>
-            </a:r>
-          </a:p>
-          <a:p>
-            <a:r>
-              <a:rPr lang="en-US"/>
-              <a:t>Maximize timely deliverables for real-time schemas</a:t>
-            </a:r>
-          </a:p>
-        </p:txBody>
-      </p:sp>
-      <p:sp>
-        <p:nvSpPr>
-          <p:cNvPr id="3" name="Date Placeholder 2">
-            <a:extLst>
-              <a:ext uri="{FF2B5EF4-FFF2-40B4-BE49-F238E27FC236}">
-                <a16:creationId xmlns:a16="http://schemas.microsoft.com/office/drawing/2014/main" id="{3508AD18-0BFF-C70A-8AB7-4CA409012E58}"/>
-              </a:ext>
-            </a:extLst>
-          </p:cNvPr>
-          <p:cNvSpPr>
-            <a:spLocks noGrp="1"/>
-          </p:cNvSpPr>
-          <p:nvPr>
-            <p:ph type="dt" sz="half" idx="2"/>
-          </p:nvPr>
-        </p:nvSpPr>
-        <p:spPr>
-          <a:xfrm>
-            <a:off x="381000" y="6356350"/>
-            <a:ext cx="1767114" cy="365125"/>
-          </a:xfrm>
-        </p:spPr>
-        <p:txBody>
-          <a:bodyPr/>
-          <a:lstStyle/>
-          <a:p>
-            <a:r>
-              <a:rPr lang="en-US"/>
-              <a:t>21/10/2023</a:t>
-            </a:r>
-          </a:p>
-        </p:txBody>
-      </p:sp>
-      <p:sp>
-        <p:nvSpPr>
-          <p:cNvPr id="7" name="Footer Placeholder 6">
-            <a:extLst>
-              <a:ext uri="{FF2B5EF4-FFF2-40B4-BE49-F238E27FC236}">
-                <a16:creationId xmlns:a16="http://schemas.microsoft.com/office/drawing/2014/main" id="{B42ACFC2-B54A-8244-B5D9-4B1EC2EED59D}"/>
-              </a:ext>
-            </a:extLst>
-          </p:cNvPr>
-          <p:cNvSpPr>
-            <a:spLocks noGrp="1"/>
-          </p:cNvSpPr>
-          <p:nvPr>
-            <p:ph type="ftr" sz="quarter" idx="3"/>
-          </p:nvPr>
-        </p:nvSpPr>
-        <p:spPr>
-          <a:xfrm>
-            <a:off x="4038600" y="6356350"/>
-            <a:ext cx="4114800" cy="365125"/>
-          </a:xfrm>
-        </p:spPr>
-        <p:txBody>
-          <a:bodyPr/>
-          <a:lstStyle/>
-          <a:p>
-            <a:r>
-              <a:rPr lang="en-US"/>
-              <a:t>Preventing Black Holes in MANETs</a:t>
-            </a:r>
-          </a:p>
-        </p:txBody>
-      </p:sp>
-      <p:sp>
-        <p:nvSpPr>
-          <p:cNvPr id="8" name="Slide Number Placeholder 7">
-            <a:extLst>
-              <a:ext uri="{FF2B5EF4-FFF2-40B4-BE49-F238E27FC236}">
-                <a16:creationId xmlns:a16="http://schemas.microsoft.com/office/drawing/2014/main" id="{B609FC03-B5BE-D846-993A-8E351C9509F3}"/>
-              </a:ext>
-            </a:extLst>
-          </p:cNvPr>
-          <p:cNvSpPr>
-            <a:spLocks noGrp="1"/>
-          </p:cNvSpPr>
-          <p:nvPr>
-            <p:ph type="sldNum" sz="quarter" idx="4"/>
-          </p:nvPr>
-        </p:nvSpPr>
-        <p:spPr>
-          <a:xfrm>
-            <a:off x="10153276" y="6356350"/>
-            <a:ext cx="1657723" cy="365125"/>
-          </a:xfrm>
-        </p:spPr>
-        <p:txBody>
-          <a:bodyPr/>
-          <a:lstStyle/>
-          <a:p>
-            <a:fld id="{294A09A9-5501-47C1-A89A-A340965A2BE2}" type="slidenum">
-              <a:rPr lang="en-US" smtClean="0"/>
-              <a:pPr/>
-              <a:t>15</a:t>
-            </a:fld>
             <a:endParaRPr lang="en-US"/>
           </a:p>
         </p:txBody>
@@ -37525,7 +37821,7 @@
     </p:spTree>
     <p:extLst>
       <p:ext uri="{BB962C8B-B14F-4D97-AF65-F5344CB8AC3E}">
-        <p14:creationId xmlns:p14="http://schemas.microsoft.com/office/powerpoint/2010/main" val="2721508595"/>
+        <p14:creationId xmlns:p14="http://schemas.microsoft.com/office/powerpoint/2010/main" val="3828285987"/>
       </p:ext>
     </p:extLst>
   </p:cSld>
@@ -37535,7 +37831,7 @@
 </p:sld>
 </file>
 
-<file path=ppt/slides/slide16.xml><?xml version="1.0" encoding="utf-8"?>
+<file path=ppt/slides/slide15.xml><?xml version="1.0" encoding="utf-8"?>
 <p:sld xmlns:a="http://schemas.openxmlformats.org/drawingml/2006/main" xmlns:r="http://schemas.openxmlformats.org/officeDocument/2006/relationships" xmlns:p="http://schemas.openxmlformats.org/presentationml/2006/main">
   <p:cSld>
     <p:spTree>
@@ -37886,7 +38182,7 @@
             <a:fld id="{294A09A9-5501-47C1-A89A-A340965A2BE2}" type="slidenum">
               <a:rPr lang="en-US" smtClean="0"/>
               <a:pPr/>
-              <a:t>16</a:t>
+              <a:t>15</a:t>
             </a:fld>
             <a:endParaRPr lang="en-US"/>
           </a:p>
@@ -37905,102 +38201,7 @@
 </p:sld>
 </file>
 
-<file path=ppt/slides/slide17.xml><?xml version="1.0" encoding="utf-8"?>
-<p:sld xmlns:a="http://schemas.openxmlformats.org/drawingml/2006/main" xmlns:r="http://schemas.openxmlformats.org/officeDocument/2006/relationships" xmlns:p="http://schemas.openxmlformats.org/presentationml/2006/main">
-  <p:cSld>
-    <p:spTree>
-      <p:nvGrpSpPr>
-        <p:cNvPr id="1" name=""/>
-        <p:cNvGrpSpPr/>
-        <p:nvPr/>
-      </p:nvGrpSpPr>
-      <p:grpSpPr>
-        <a:xfrm>
-          <a:off x="0" y="0"/>
-          <a:ext cx="0" cy="0"/>
-          <a:chOff x="0" y="0"/>
-          <a:chExt cx="0" cy="0"/>
-        </a:xfrm>
-      </p:grpSpPr>
-      <p:sp>
-        <p:nvSpPr>
-          <p:cNvPr id="2" name="Title 1">
-            <a:extLst>
-              <a:ext uri="{FF2B5EF4-FFF2-40B4-BE49-F238E27FC236}">
-                <a16:creationId xmlns:a16="http://schemas.microsoft.com/office/drawing/2014/main" id="{8460295B-54B9-4937-90E3-BAB9CE69E30B}"/>
-              </a:ext>
-            </a:extLst>
-          </p:cNvPr>
-          <p:cNvSpPr>
-            <a:spLocks noGrp="1"/>
-          </p:cNvSpPr>
-          <p:nvPr>
-            <p:ph type="ctrTitle"/>
-          </p:nvPr>
-        </p:nvSpPr>
-        <p:spPr>
-          <a:xfrm>
-            <a:off x="1167494" y="177553"/>
-            <a:ext cx="6245912" cy="3269447"/>
-          </a:xfrm>
-        </p:spPr>
-        <p:txBody>
-          <a:bodyPr/>
-          <a:lstStyle/>
-          <a:p>
-            <a:r>
-              <a:rPr lang="en-US"/>
-              <a:t>Undertaking the Project</a:t>
-            </a:r>
-          </a:p>
-        </p:txBody>
-      </p:sp>
-      <p:sp>
-        <p:nvSpPr>
-          <p:cNvPr id="4" name="Text Placeholder 3">
-            <a:extLst>
-              <a:ext uri="{FF2B5EF4-FFF2-40B4-BE49-F238E27FC236}">
-                <a16:creationId xmlns:a16="http://schemas.microsoft.com/office/drawing/2014/main" id="{D51A6D85-3837-435F-A342-5A3F98172B12}"/>
-              </a:ext>
-            </a:extLst>
-          </p:cNvPr>
-          <p:cNvSpPr>
-            <a:spLocks noGrp="1"/>
-          </p:cNvSpPr>
-          <p:nvPr>
-            <p:ph type="subTitle" idx="1"/>
-          </p:nvPr>
-        </p:nvSpPr>
-        <p:spPr>
-          <a:xfrm>
-            <a:off x="1167494" y="3492896"/>
-            <a:ext cx="6245912" cy="912850"/>
-          </a:xfrm>
-        </p:spPr>
-        <p:txBody>
-          <a:bodyPr vert="horz" lIns="91440" tIns="45720" rIns="91440" bIns="45720" rtlCol="0" anchor="t">
-            <a:normAutofit/>
-          </a:bodyPr>
-          <a:lstStyle/>
-          <a:p>
-            <a:endParaRPr lang="en-US"/>
-          </a:p>
-        </p:txBody>
-      </p:sp>
-    </p:spTree>
-    <p:extLst>
-      <p:ext uri="{BB962C8B-B14F-4D97-AF65-F5344CB8AC3E}">
-        <p14:creationId xmlns:p14="http://schemas.microsoft.com/office/powerpoint/2010/main" val="72899556"/>
-      </p:ext>
-    </p:extLst>
-  </p:cSld>
-  <p:clrMapOvr>
-    <a:masterClrMapping/>
-  </p:clrMapOvr>
-</p:sld>
-</file>
-
-<file path=ppt/slides/slide18.xml><?xml version="1.0" encoding="utf-8"?>
+<file path=ppt/slides/slide16.xml><?xml version="1.0" encoding="utf-8"?>
 <p:sld xmlns:a="http://schemas.openxmlformats.org/drawingml/2006/main" xmlns:r="http://schemas.openxmlformats.org/officeDocument/2006/relationships" xmlns:p="http://schemas.openxmlformats.org/presentationml/2006/main">
   <p:cSld>
     <p:spTree>
@@ -38176,7 +38377,7 @@
             <a:fld id="{294A09A9-5501-47C1-A89A-A340965A2BE2}" type="slidenum">
               <a:rPr lang="en-US" smtClean="0"/>
               <a:pPr/>
-              <a:t>18</a:t>
+              <a:t>16</a:t>
             </a:fld>
             <a:endParaRPr lang="en-US"/>
           </a:p>
@@ -38195,7 +38396,102 @@
 </p:sld>
 </file>
 
-<file path=ppt/slides/slide19.xml><?xml version="1.0" encoding="utf-8"?>
+<file path=ppt/slides/slide17.xml><?xml version="1.0" encoding="utf-8"?>
+<p:sld xmlns:a="http://schemas.openxmlformats.org/drawingml/2006/main" xmlns:r="http://schemas.openxmlformats.org/officeDocument/2006/relationships" xmlns:p="http://schemas.openxmlformats.org/presentationml/2006/main">
+  <p:cSld>
+    <p:spTree>
+      <p:nvGrpSpPr>
+        <p:cNvPr id="1" name=""/>
+        <p:cNvGrpSpPr/>
+        <p:nvPr/>
+      </p:nvGrpSpPr>
+      <p:grpSpPr>
+        <a:xfrm>
+          <a:off x="0" y="0"/>
+          <a:ext cx="0" cy="0"/>
+          <a:chOff x="0" y="0"/>
+          <a:chExt cx="0" cy="0"/>
+        </a:xfrm>
+      </p:grpSpPr>
+      <p:sp>
+        <p:nvSpPr>
+          <p:cNvPr id="2" name="Title 1">
+            <a:extLst>
+              <a:ext uri="{FF2B5EF4-FFF2-40B4-BE49-F238E27FC236}">
+                <a16:creationId xmlns:a16="http://schemas.microsoft.com/office/drawing/2014/main" id="{8460295B-54B9-4937-90E3-BAB9CE69E30B}"/>
+              </a:ext>
+            </a:extLst>
+          </p:cNvPr>
+          <p:cNvSpPr>
+            <a:spLocks noGrp="1"/>
+          </p:cNvSpPr>
+          <p:nvPr>
+            <p:ph type="ctrTitle"/>
+          </p:nvPr>
+        </p:nvSpPr>
+        <p:spPr>
+          <a:xfrm>
+            <a:off x="1167494" y="177553"/>
+            <a:ext cx="6245912" cy="3269447"/>
+          </a:xfrm>
+        </p:spPr>
+        <p:txBody>
+          <a:bodyPr/>
+          <a:lstStyle/>
+          <a:p>
+            <a:r>
+              <a:rPr lang="en-US"/>
+              <a:t>Undertaking the Project</a:t>
+            </a:r>
+          </a:p>
+        </p:txBody>
+      </p:sp>
+      <p:sp>
+        <p:nvSpPr>
+          <p:cNvPr id="4" name="Text Placeholder 3">
+            <a:extLst>
+              <a:ext uri="{FF2B5EF4-FFF2-40B4-BE49-F238E27FC236}">
+                <a16:creationId xmlns:a16="http://schemas.microsoft.com/office/drawing/2014/main" id="{D51A6D85-3837-435F-A342-5A3F98172B12}"/>
+              </a:ext>
+            </a:extLst>
+          </p:cNvPr>
+          <p:cNvSpPr>
+            <a:spLocks noGrp="1"/>
+          </p:cNvSpPr>
+          <p:nvPr>
+            <p:ph type="subTitle" idx="1"/>
+          </p:nvPr>
+        </p:nvSpPr>
+        <p:spPr>
+          <a:xfrm>
+            <a:off x="1167494" y="3492896"/>
+            <a:ext cx="6245912" cy="912850"/>
+          </a:xfrm>
+        </p:spPr>
+        <p:txBody>
+          <a:bodyPr vert="horz" lIns="91440" tIns="45720" rIns="91440" bIns="45720" rtlCol="0" anchor="t">
+            <a:normAutofit/>
+          </a:bodyPr>
+          <a:lstStyle/>
+          <a:p>
+            <a:endParaRPr lang="en-US"/>
+          </a:p>
+        </p:txBody>
+      </p:sp>
+    </p:spTree>
+    <p:extLst>
+      <p:ext uri="{BB962C8B-B14F-4D97-AF65-F5344CB8AC3E}">
+        <p14:creationId xmlns:p14="http://schemas.microsoft.com/office/powerpoint/2010/main" val="72899556"/>
+      </p:ext>
+    </p:extLst>
+  </p:cSld>
+  <p:clrMapOvr>
+    <a:masterClrMapping/>
+  </p:clrMapOvr>
+</p:sld>
+</file>
+
+<file path=ppt/slides/slide18.xml><?xml version="1.0" encoding="utf-8"?>
 <p:sld xmlns:a="http://schemas.openxmlformats.org/drawingml/2006/main" xmlns:r="http://schemas.openxmlformats.org/officeDocument/2006/relationships" xmlns:p="http://schemas.openxmlformats.org/presentationml/2006/main">
   <p:cSld>
     <p:spTree>
@@ -38275,7 +38571,7 @@
           <a:p>
             <a:r>
               <a:rPr lang="en-US"/>
-              <a:t>___</a:t>
+              <a:t>Simulation Environment Setup</a:t>
             </a:r>
           </a:p>
         </p:txBody>
@@ -38298,8 +38594,8 @@
         </p:nvSpPr>
         <p:spPr>
           <a:xfrm>
-            <a:off x="1167491" y="2526318"/>
-            <a:ext cx="3218688" cy="2828613"/>
+            <a:off x="1167491" y="2797538"/>
+            <a:ext cx="3218688" cy="2557393"/>
           </a:xfrm>
         </p:spPr>
         <p:txBody>
@@ -38308,27 +38604,48 @@
           </a:bodyPr>
           <a:lstStyle/>
           <a:p>
-            <a:r>
-              <a:rPr lang="en-US"/>
-              <a:t>___</a:t>
-            </a:r>
-          </a:p>
-          <a:p>
-            <a:endParaRPr lang="en-US"/>
-          </a:p>
-          <a:p>
-            <a:r>
-              <a:rPr lang="en-US"/>
-              <a:t>___</a:t>
-            </a:r>
-          </a:p>
-          <a:p>
-            <a:endParaRPr lang="en-US"/>
-          </a:p>
-          <a:p>
-            <a:r>
-              <a:rPr lang="en-US"/>
-              <a:t>___</a:t>
+            <a:pPr marL="342900" indent="-342900">
+              <a:buChar char="•"/>
+            </a:pPr>
+            <a:endParaRPr lang="en-US" sz="1800"/>
+          </a:p>
+          <a:p>
+            <a:pPr marL="342900" indent="-342900">
+              <a:buChar char="•"/>
+            </a:pPr>
+            <a:r>
+              <a:rPr lang="en-US" sz="1800"/>
+              <a:t>Trial and Error</a:t>
+            </a:r>
+          </a:p>
+          <a:p>
+            <a:pPr marL="342900" indent="-342900">
+              <a:buChar char="•"/>
+            </a:pPr>
+            <a:endParaRPr lang="en-US" sz="1800"/>
+          </a:p>
+          <a:p>
+            <a:pPr marL="342900" indent="-342900">
+              <a:buChar char="•"/>
+            </a:pPr>
+            <a:r>
+              <a:rPr lang="en-US" sz="1800"/>
+              <a:t>Different base OSes and modules; git recursion</a:t>
+            </a:r>
+          </a:p>
+          <a:p>
+            <a:pPr marL="342900" indent="-342900">
+              <a:buChar char="•"/>
+            </a:pPr>
+            <a:endParaRPr lang="en-US" sz="1800"/>
+          </a:p>
+          <a:p>
+            <a:pPr marL="342900" indent="-342900">
+              <a:buChar char="•"/>
+            </a:pPr>
+            <a:r>
+              <a:rPr lang="en-US" sz="1800"/>
+              <a:t>Patch availability</a:t>
             </a:r>
           </a:p>
         </p:txBody>
@@ -38363,7 +38680,7 @@
           <a:p>
             <a:r>
               <a:rPr lang="en-US"/>
-              <a:t>___</a:t>
+              <a:t>Project Goal Similarity</a:t>
             </a:r>
           </a:p>
         </p:txBody>
@@ -38386,8 +38703,8 @@
         </p:nvSpPr>
         <p:spPr>
           <a:xfrm>
-            <a:off x="4683787" y="2526318"/>
-            <a:ext cx="3173279" cy="2828613"/>
+            <a:off x="4683787" y="2797538"/>
+            <a:ext cx="3173279" cy="2557393"/>
           </a:xfrm>
         </p:spPr>
         <p:txBody>
@@ -38396,18 +38713,33 @@
           </a:bodyPr>
           <a:lstStyle/>
           <a:p>
-            <a:r>
-              <a:rPr lang="en-US"/>
-              <a:t>___</a:t>
-            </a:r>
-          </a:p>
-          <a:p>
-            <a:endParaRPr lang="en-US"/>
-          </a:p>
-          <a:p>
-            <a:r>
-              <a:rPr lang="en-US"/>
-              <a:t>___</a:t>
+            <a:pPr marL="342900" indent="-342900">
+              <a:buChar char="•"/>
+            </a:pPr>
+            <a:endParaRPr lang="en-US" sz="1800"/>
+          </a:p>
+          <a:p>
+            <a:pPr marL="342900" indent="-342900">
+              <a:buChar char="•"/>
+            </a:pPr>
+            <a:r>
+              <a:rPr lang="en-US" sz="1800"/>
+              <a:t>AODV/Black Hole mitigation originality</a:t>
+            </a:r>
+          </a:p>
+          <a:p>
+            <a:pPr marL="342900" indent="-342900">
+              <a:buChar char="•"/>
+            </a:pPr>
+            <a:endParaRPr lang="en-US" sz="1800"/>
+          </a:p>
+          <a:p>
+            <a:pPr marL="342900" indent="-342900">
+              <a:buChar char="•"/>
+            </a:pPr>
+            <a:r>
+              <a:rPr lang="en-US" sz="1800"/>
+              <a:t>Focus on value desired goal can provide</a:t>
             </a:r>
           </a:p>
         </p:txBody>
@@ -38441,8 +38773,8 @@
           <a:lstStyle/>
           <a:p>
             <a:r>
-              <a:rPr lang="en-US"/>
-              <a:t>___</a:t>
+              <a:rPr lang="en-AU"/>
+              <a:t>Program Customisation</a:t>
             </a:r>
           </a:p>
         </p:txBody>
@@ -38465,8 +38797,8 @@
         </p:nvSpPr>
         <p:spPr>
           <a:xfrm>
-            <a:off x="8200082" y="2526318"/>
-            <a:ext cx="3173279" cy="2828613"/>
+            <a:off x="8200082" y="2797538"/>
+            <a:ext cx="3173279" cy="2557393"/>
           </a:xfrm>
         </p:spPr>
         <p:txBody>
@@ -38475,18 +38807,33 @@
           </a:bodyPr>
           <a:lstStyle/>
           <a:p>
-            <a:r>
-              <a:rPr lang="en-US"/>
-              <a:t>___</a:t>
-            </a:r>
-          </a:p>
-          <a:p>
-            <a:endParaRPr lang="en-US"/>
-          </a:p>
-          <a:p>
-            <a:r>
-              <a:rPr lang="en-US"/>
-              <a:t>___</a:t>
+            <a:pPr marL="342900" indent="-342900">
+              <a:buChar char="•"/>
+            </a:pPr>
+            <a:endParaRPr lang="en-US" sz="1800"/>
+          </a:p>
+          <a:p>
+            <a:pPr marL="342900" indent="-342900">
+              <a:buChar char="•"/>
+            </a:pPr>
+            <a:r>
+              <a:rPr lang="en-US" sz="1800"/>
+              <a:t>Understand NS3 architecture</a:t>
+            </a:r>
+          </a:p>
+          <a:p>
+            <a:pPr marL="342900" indent="-342900">
+              <a:buChar char="•"/>
+            </a:pPr>
+            <a:endParaRPr lang="en-US" sz="1800"/>
+          </a:p>
+          <a:p>
+            <a:pPr marL="342900" indent="-342900">
+              <a:buChar char="•"/>
+            </a:pPr>
+            <a:r>
+              <a:rPr lang="en-US" sz="1800"/>
+              <a:t>Artefact handling and overall management</a:t>
             </a:r>
           </a:p>
         </p:txBody>
@@ -38586,7 +38933,7 @@
             <a:fld id="{294A09A9-5501-47C1-A89A-A340965A2BE2}" type="slidenum">
               <a:rPr lang="en-US" smtClean="0"/>
               <a:pPr/>
-              <a:t>19</a:t>
+              <a:t>18</a:t>
             </a:fld>
             <a:endParaRPr lang="en-US"/>
           </a:p>
@@ -38596,6 +38943,377 @@
     <p:extLst>
       <p:ext uri="{BB962C8B-B14F-4D97-AF65-F5344CB8AC3E}">
         <p14:creationId xmlns:p14="http://schemas.microsoft.com/office/powerpoint/2010/main" val="880208661"/>
+      </p:ext>
+    </p:extLst>
+  </p:cSld>
+  <p:clrMapOvr>
+    <a:masterClrMapping/>
+  </p:clrMapOvr>
+</p:sld>
+</file>
+
+<file path=ppt/slides/slide19.xml><?xml version="1.0" encoding="utf-8"?>
+<p:sld xmlns:a="http://schemas.openxmlformats.org/drawingml/2006/main" xmlns:r="http://schemas.openxmlformats.org/officeDocument/2006/relationships" xmlns:p="http://schemas.openxmlformats.org/presentationml/2006/main">
+  <p:cSld>
+    <p:spTree>
+      <p:nvGrpSpPr>
+        <p:cNvPr id="1" name=""/>
+        <p:cNvGrpSpPr/>
+        <p:nvPr/>
+      </p:nvGrpSpPr>
+      <p:grpSpPr>
+        <a:xfrm>
+          <a:off x="0" y="0"/>
+          <a:ext cx="0" cy="0"/>
+          <a:chOff x="0" y="0"/>
+          <a:chExt cx="0" cy="0"/>
+        </a:xfrm>
+      </p:grpSpPr>
+      <p:sp>
+        <p:nvSpPr>
+          <p:cNvPr id="2" name="Title 1">
+            <a:extLst>
+              <a:ext uri="{FF2B5EF4-FFF2-40B4-BE49-F238E27FC236}">
+                <a16:creationId xmlns:a16="http://schemas.microsoft.com/office/drawing/2014/main" id="{19256B7E-1633-44AB-8584-82DF5B726834}"/>
+              </a:ext>
+            </a:extLst>
+          </p:cNvPr>
+          <p:cNvSpPr>
+            <a:spLocks noGrp="1"/>
+          </p:cNvSpPr>
+          <p:nvPr>
+            <p:ph type="title"/>
+          </p:nvPr>
+        </p:nvSpPr>
+        <p:spPr>
+          <a:xfrm>
+            <a:off x="1167492" y="136526"/>
+            <a:ext cx="9779183" cy="1570038"/>
+          </a:xfrm>
+        </p:spPr>
+        <p:txBody>
+          <a:bodyPr/>
+          <a:lstStyle/>
+          <a:p>
+            <a:r>
+              <a:rPr lang="en-US"/>
+              <a:t>Deliverables</a:t>
+            </a:r>
+          </a:p>
+        </p:txBody>
+      </p:sp>
+      <p:sp>
+        <p:nvSpPr>
+          <p:cNvPr id="3" name="Text Placeholder 2">
+            <a:extLst>
+              <a:ext uri="{FF2B5EF4-FFF2-40B4-BE49-F238E27FC236}">
+                <a16:creationId xmlns:a16="http://schemas.microsoft.com/office/drawing/2014/main" id="{EFB90AB4-D228-4548-B072-726498212362}"/>
+              </a:ext>
+            </a:extLst>
+          </p:cNvPr>
+          <p:cNvSpPr>
+            <a:spLocks noGrp="1"/>
+          </p:cNvSpPr>
+          <p:nvPr>
+            <p:ph type="body" sz="quarter" idx="13"/>
+          </p:nvPr>
+        </p:nvSpPr>
+        <p:spPr>
+          <a:xfrm>
+            <a:off x="1166813" y="2023984"/>
+            <a:ext cx="4664075" cy="469051"/>
+          </a:xfrm>
+        </p:spPr>
+        <p:txBody>
+          <a:bodyPr vert="horz" lIns="91440" tIns="45720" rIns="91440" bIns="45720" rtlCol="0" anchor="t">
+            <a:noAutofit/>
+          </a:bodyPr>
+          <a:lstStyle/>
+          <a:p>
+            <a:r>
+              <a:rPr lang="en-AU"/>
+              <a:t>Black Hole resistant model</a:t>
+            </a:r>
+          </a:p>
+        </p:txBody>
+      </p:sp>
+      <p:sp>
+        <p:nvSpPr>
+          <p:cNvPr id="4" name="Content Placeholder 3">
+            <a:extLst>
+              <a:ext uri="{FF2B5EF4-FFF2-40B4-BE49-F238E27FC236}">
+                <a16:creationId xmlns:a16="http://schemas.microsoft.com/office/drawing/2014/main" id="{950677C9-3E42-427F-93B8-526692906471}"/>
+              </a:ext>
+            </a:extLst>
+          </p:cNvPr>
+          <p:cNvSpPr>
+            <a:spLocks noGrp="1"/>
+          </p:cNvSpPr>
+          <p:nvPr>
+            <p:ph idx="1"/>
+          </p:nvPr>
+        </p:nvSpPr>
+        <p:spPr>
+          <a:xfrm>
+            <a:off x="1167493" y="2528203"/>
+            <a:ext cx="4663440" cy="2828613"/>
+          </a:xfrm>
+        </p:spPr>
+        <p:txBody>
+          <a:bodyPr vert="horz" lIns="91440" tIns="45720" rIns="91440" bIns="45720" rtlCol="0" anchor="t">
+            <a:normAutofit/>
+          </a:bodyPr>
+          <a:lstStyle/>
+          <a:p>
+            <a:pPr marL="342900" indent="-342900">
+              <a:buChar char="•"/>
+            </a:pPr>
+            <a:r>
+              <a:rPr lang="en-AU" sz="1800"/>
+              <a:t>Specifically, for AODV protocol based networks</a:t>
+            </a:r>
+          </a:p>
+          <a:p>
+            <a:pPr marL="342900" indent="-342900">
+              <a:buChar char="•"/>
+            </a:pPr>
+            <a:endParaRPr lang="en-AU" sz="1800"/>
+          </a:p>
+          <a:p>
+            <a:pPr marL="285750" indent="-285750">
+              <a:buChar char="•"/>
+            </a:pPr>
+            <a:r>
+              <a:rPr lang="en-AU" sz="1800"/>
+              <a:t>___</a:t>
+            </a:r>
+          </a:p>
+          <a:p>
+            <a:pPr marL="285750" indent="-285750">
+              <a:buChar char="•"/>
+            </a:pPr>
+            <a:endParaRPr lang="en-AU" sz="1800"/>
+          </a:p>
+          <a:p>
+            <a:pPr marL="285750" indent="-285750">
+              <a:buChar char="•"/>
+            </a:pPr>
+            <a:r>
+              <a:rPr lang="en-AU" sz="1800"/>
+              <a:t>___</a:t>
+            </a:r>
+            <a:endParaRPr lang="en-AU"/>
+          </a:p>
+        </p:txBody>
+      </p:sp>
+      <p:sp>
+        <p:nvSpPr>
+          <p:cNvPr id="6" name="Text Placeholder 5">
+            <a:extLst>
+              <a:ext uri="{FF2B5EF4-FFF2-40B4-BE49-F238E27FC236}">
+                <a16:creationId xmlns:a16="http://schemas.microsoft.com/office/drawing/2014/main" id="{F5018B6D-E395-49AD-92AD-AD69E3AB40C3}"/>
+              </a:ext>
+            </a:extLst>
+          </p:cNvPr>
+          <p:cNvSpPr>
+            <a:spLocks noGrp="1"/>
+          </p:cNvSpPr>
+          <p:nvPr>
+            <p:ph type="body" sz="quarter" idx="14"/>
+          </p:nvPr>
+        </p:nvSpPr>
+        <p:spPr>
+          <a:xfrm>
+            <a:off x="6283235" y="2023984"/>
+            <a:ext cx="4664075" cy="469051"/>
+          </a:xfrm>
+        </p:spPr>
+        <p:txBody>
+          <a:bodyPr vert="horz" lIns="91440" tIns="45720" rIns="91440" bIns="45720" rtlCol="0" anchor="t">
+            <a:noAutofit/>
+          </a:bodyPr>
+          <a:lstStyle/>
+          <a:p>
+            <a:r>
+              <a:rPr lang="en-AU"/>
+              <a:t>Professional documentation</a:t>
+            </a:r>
+          </a:p>
+        </p:txBody>
+      </p:sp>
+      <p:sp>
+        <p:nvSpPr>
+          <p:cNvPr id="5" name="Content Placeholder 4">
+            <a:extLst>
+              <a:ext uri="{FF2B5EF4-FFF2-40B4-BE49-F238E27FC236}">
+                <a16:creationId xmlns:a16="http://schemas.microsoft.com/office/drawing/2014/main" id="{BDB9D020-1E25-453D-83DF-1420ACD3968D}"/>
+              </a:ext>
+            </a:extLst>
+          </p:cNvPr>
+          <p:cNvSpPr>
+            <a:spLocks noGrp="1"/>
+          </p:cNvSpPr>
+          <p:nvPr>
+            <p:ph idx="10"/>
+          </p:nvPr>
+        </p:nvSpPr>
+        <p:spPr>
+          <a:xfrm>
+            <a:off x="6283235" y="2528203"/>
+            <a:ext cx="4663440" cy="2828613"/>
+          </a:xfrm>
+        </p:spPr>
+        <p:txBody>
+          <a:bodyPr vert="horz" lIns="91440" tIns="45720" rIns="91440" bIns="45720" rtlCol="0" anchor="t">
+            <a:normAutofit/>
+          </a:bodyPr>
+          <a:lstStyle/>
+          <a:p>
+            <a:pPr marL="285750" indent="-285750">
+              <a:buChar char="•"/>
+            </a:pPr>
+            <a:r>
+              <a:rPr lang="en-AU" sz="1800"/>
+              <a:t>Target audience may desire sensor-based networks, but not understand the technical requirements</a:t>
+            </a:r>
+          </a:p>
+          <a:p>
+            <a:pPr marL="285750" indent="-285750">
+              <a:buChar char="•"/>
+            </a:pPr>
+            <a:endParaRPr lang="en-AU" sz="1800"/>
+          </a:p>
+          <a:p>
+            <a:pPr marL="285750" indent="-285750">
+              <a:buChar char="•"/>
+            </a:pPr>
+            <a:r>
+              <a:rPr lang="en-AU" sz="1800"/>
+              <a:t>___</a:t>
+            </a:r>
+          </a:p>
+          <a:p>
+            <a:pPr marL="285750" indent="-285750">
+              <a:buChar char="•"/>
+            </a:pPr>
+            <a:endParaRPr lang="en-AU" sz="1800"/>
+          </a:p>
+          <a:p>
+            <a:pPr marL="285750" indent="-285750">
+              <a:buChar char="•"/>
+            </a:pPr>
+            <a:r>
+              <a:rPr lang="en-AU" sz="1800"/>
+              <a:t>___</a:t>
+            </a:r>
+          </a:p>
+        </p:txBody>
+      </p:sp>
+      <p:sp>
+        <p:nvSpPr>
+          <p:cNvPr id="7" name="Date Placeholder 6">
+            <a:extLst>
+              <a:ext uri="{FF2B5EF4-FFF2-40B4-BE49-F238E27FC236}">
+                <a16:creationId xmlns:a16="http://schemas.microsoft.com/office/drawing/2014/main" id="{B11B3F0D-7AB3-4810-9284-F2342066A75B}"/>
+              </a:ext>
+            </a:extLst>
+          </p:cNvPr>
+          <p:cNvSpPr>
+            <a:spLocks noGrp="1"/>
+          </p:cNvSpPr>
+          <p:nvPr>
+            <p:ph type="dt" sz="half" idx="2"/>
+          </p:nvPr>
+        </p:nvSpPr>
+        <p:spPr>
+          <a:xfrm>
+            <a:off x="381000" y="6356350"/>
+            <a:ext cx="2743200" cy="365125"/>
+          </a:xfrm>
+        </p:spPr>
+        <p:txBody>
+          <a:bodyPr/>
+          <a:lstStyle/>
+          <a:p>
+            <a:r>
+              <a:rPr lang="en-US"/>
+              <a:t>21/10/2023</a:t>
+            </a:r>
+          </a:p>
+        </p:txBody>
+      </p:sp>
+      <p:sp>
+        <p:nvSpPr>
+          <p:cNvPr id="8" name="Footer Placeholder 7">
+            <a:extLst>
+              <a:ext uri="{FF2B5EF4-FFF2-40B4-BE49-F238E27FC236}">
+                <a16:creationId xmlns:a16="http://schemas.microsoft.com/office/drawing/2014/main" id="{0DD1986A-9AF9-5C45-BE85-20D5AA267AE1}"/>
+              </a:ext>
+            </a:extLst>
+          </p:cNvPr>
+          <p:cNvSpPr>
+            <a:spLocks noGrp="1"/>
+          </p:cNvSpPr>
+          <p:nvPr>
+            <p:ph type="ftr" sz="quarter" idx="3"/>
+          </p:nvPr>
+        </p:nvSpPr>
+        <p:spPr>
+          <a:xfrm>
+            <a:off x="4038600" y="6356350"/>
+            <a:ext cx="4114800" cy="365125"/>
+          </a:xfrm>
+        </p:spPr>
+        <p:txBody>
+          <a:bodyPr/>
+          <a:lstStyle/>
+          <a:p>
+            <a:r>
+              <a:rPr lang="en-US"/>
+              <a:t>Preventing Black Holes in MANETs</a:t>
+            </a:r>
+          </a:p>
+        </p:txBody>
+      </p:sp>
+      <p:sp>
+        <p:nvSpPr>
+          <p:cNvPr id="9" name="Slide Number Placeholder 8">
+            <a:extLst>
+              <a:ext uri="{FF2B5EF4-FFF2-40B4-BE49-F238E27FC236}">
+                <a16:creationId xmlns:a16="http://schemas.microsoft.com/office/drawing/2014/main" id="{6FD448B0-743E-0045-8131-69B4EEC58365}"/>
+              </a:ext>
+            </a:extLst>
+          </p:cNvPr>
+          <p:cNvSpPr>
+            <a:spLocks noGrp="1"/>
+          </p:cNvSpPr>
+          <p:nvPr>
+            <p:ph type="sldNum" sz="quarter" idx="4"/>
+          </p:nvPr>
+        </p:nvSpPr>
+        <p:spPr>
+          <a:xfrm>
+            <a:off x="10153276" y="6356350"/>
+            <a:ext cx="1657723" cy="365125"/>
+          </a:xfrm>
+        </p:spPr>
+        <p:txBody>
+          <a:bodyPr/>
+          <a:lstStyle/>
+          <a:p>
+            <a:fld id="{294A09A9-5501-47C1-A89A-A340965A2BE2}" type="slidenum">
+              <a:rPr lang="en-US" smtClean="0"/>
+              <a:pPr/>
+              <a:t>19</a:t>
+            </a:fld>
+            <a:endParaRPr lang="en-US"/>
+          </a:p>
+        </p:txBody>
+      </p:sp>
+    </p:spTree>
+    <p:extLst>
+      <p:ext uri="{BB962C8B-B14F-4D97-AF65-F5344CB8AC3E}">
+        <p14:creationId xmlns:p14="http://schemas.microsoft.com/office/powerpoint/2010/main" val="4255055894"/>
       </p:ext>
     </p:extLst>
   </p:cSld>
@@ -39811,346 +40529,6 @@
           <p:cNvPr id="2" name="Title 1">
             <a:extLst>
               <a:ext uri="{FF2B5EF4-FFF2-40B4-BE49-F238E27FC236}">
-                <a16:creationId xmlns:a16="http://schemas.microsoft.com/office/drawing/2014/main" id="{19256B7E-1633-44AB-8584-82DF5B726834}"/>
-              </a:ext>
-            </a:extLst>
-          </p:cNvPr>
-          <p:cNvSpPr>
-            <a:spLocks noGrp="1"/>
-          </p:cNvSpPr>
-          <p:nvPr>
-            <p:ph type="title"/>
-          </p:nvPr>
-        </p:nvSpPr>
-        <p:spPr>
-          <a:xfrm>
-            <a:off x="1167492" y="136526"/>
-            <a:ext cx="9779183" cy="1570038"/>
-          </a:xfrm>
-        </p:spPr>
-        <p:txBody>
-          <a:bodyPr/>
-          <a:lstStyle/>
-          <a:p>
-            <a:r>
-              <a:rPr lang="en-US"/>
-              <a:t>Deliverables</a:t>
-            </a:r>
-          </a:p>
-        </p:txBody>
-      </p:sp>
-      <p:sp>
-        <p:nvSpPr>
-          <p:cNvPr id="3" name="Text Placeholder 2">
-            <a:extLst>
-              <a:ext uri="{FF2B5EF4-FFF2-40B4-BE49-F238E27FC236}">
-                <a16:creationId xmlns:a16="http://schemas.microsoft.com/office/drawing/2014/main" id="{EFB90AB4-D228-4548-B072-726498212362}"/>
-              </a:ext>
-            </a:extLst>
-          </p:cNvPr>
-          <p:cNvSpPr>
-            <a:spLocks noGrp="1"/>
-          </p:cNvSpPr>
-          <p:nvPr>
-            <p:ph type="body" sz="quarter" idx="13"/>
-          </p:nvPr>
-        </p:nvSpPr>
-        <p:spPr>
-          <a:xfrm>
-            <a:off x="1166813" y="2023984"/>
-            <a:ext cx="4664075" cy="469051"/>
-          </a:xfrm>
-        </p:spPr>
-        <p:txBody>
-          <a:bodyPr vert="horz" lIns="91440" tIns="45720" rIns="91440" bIns="45720" rtlCol="0" anchor="t">
-            <a:noAutofit/>
-          </a:bodyPr>
-          <a:lstStyle/>
-          <a:p>
-            <a:r>
-              <a:rPr lang="en-US"/>
-              <a:t>___</a:t>
-            </a:r>
-          </a:p>
-        </p:txBody>
-      </p:sp>
-      <p:sp>
-        <p:nvSpPr>
-          <p:cNvPr id="4" name="Content Placeholder 3">
-            <a:extLst>
-              <a:ext uri="{FF2B5EF4-FFF2-40B4-BE49-F238E27FC236}">
-                <a16:creationId xmlns:a16="http://schemas.microsoft.com/office/drawing/2014/main" id="{950677C9-3E42-427F-93B8-526692906471}"/>
-              </a:ext>
-            </a:extLst>
-          </p:cNvPr>
-          <p:cNvSpPr>
-            <a:spLocks noGrp="1"/>
-          </p:cNvSpPr>
-          <p:nvPr>
-            <p:ph idx="1"/>
-          </p:nvPr>
-        </p:nvSpPr>
-        <p:spPr>
-          <a:xfrm>
-            <a:off x="1167493" y="2528203"/>
-            <a:ext cx="4663440" cy="2828613"/>
-          </a:xfrm>
-        </p:spPr>
-        <p:txBody>
-          <a:bodyPr vert="horz" lIns="91440" tIns="45720" rIns="91440" bIns="45720" rtlCol="0" anchor="t">
-            <a:normAutofit/>
-          </a:bodyPr>
-          <a:lstStyle/>
-          <a:p>
-            <a:r>
-              <a:rPr lang="en-AU"/>
-              <a:t>___</a:t>
-            </a:r>
-          </a:p>
-          <a:p>
-            <a:endParaRPr lang="en-AU"/>
-          </a:p>
-          <a:p>
-            <a:r>
-              <a:rPr lang="en-AU"/>
-              <a:t>___</a:t>
-            </a:r>
-          </a:p>
-          <a:p>
-            <a:endParaRPr lang="en-AU"/>
-          </a:p>
-          <a:p>
-            <a:r>
-              <a:rPr lang="en-AU"/>
-              <a:t>___</a:t>
-            </a:r>
-          </a:p>
-        </p:txBody>
-      </p:sp>
-      <p:sp>
-        <p:nvSpPr>
-          <p:cNvPr id="6" name="Text Placeholder 5">
-            <a:extLst>
-              <a:ext uri="{FF2B5EF4-FFF2-40B4-BE49-F238E27FC236}">
-                <a16:creationId xmlns:a16="http://schemas.microsoft.com/office/drawing/2014/main" id="{F5018B6D-E395-49AD-92AD-AD69E3AB40C3}"/>
-              </a:ext>
-            </a:extLst>
-          </p:cNvPr>
-          <p:cNvSpPr>
-            <a:spLocks noGrp="1"/>
-          </p:cNvSpPr>
-          <p:nvPr>
-            <p:ph type="body" sz="quarter" idx="14"/>
-          </p:nvPr>
-        </p:nvSpPr>
-        <p:spPr>
-          <a:xfrm>
-            <a:off x="6283235" y="2023984"/>
-            <a:ext cx="4664075" cy="469051"/>
-          </a:xfrm>
-        </p:spPr>
-        <p:txBody>
-          <a:bodyPr vert="horz" lIns="91440" tIns="45720" rIns="91440" bIns="45720" rtlCol="0" anchor="t">
-            <a:noAutofit/>
-          </a:bodyPr>
-          <a:lstStyle/>
-          <a:p>
-            <a:r>
-              <a:rPr lang="en-US"/>
-              <a:t>___</a:t>
-            </a:r>
-          </a:p>
-        </p:txBody>
-      </p:sp>
-      <p:sp>
-        <p:nvSpPr>
-          <p:cNvPr id="5" name="Content Placeholder 4">
-            <a:extLst>
-              <a:ext uri="{FF2B5EF4-FFF2-40B4-BE49-F238E27FC236}">
-                <a16:creationId xmlns:a16="http://schemas.microsoft.com/office/drawing/2014/main" id="{BDB9D020-1E25-453D-83DF-1420ACD3968D}"/>
-              </a:ext>
-            </a:extLst>
-          </p:cNvPr>
-          <p:cNvSpPr>
-            <a:spLocks noGrp="1"/>
-          </p:cNvSpPr>
-          <p:nvPr>
-            <p:ph idx="10"/>
-          </p:nvPr>
-        </p:nvSpPr>
-        <p:spPr>
-          <a:xfrm>
-            <a:off x="6283235" y="2528203"/>
-            <a:ext cx="4663440" cy="2828613"/>
-          </a:xfrm>
-        </p:spPr>
-        <p:txBody>
-          <a:bodyPr vert="horz" lIns="91440" tIns="45720" rIns="91440" bIns="45720" rtlCol="0" anchor="t">
-            <a:normAutofit/>
-          </a:bodyPr>
-          <a:lstStyle/>
-          <a:p>
-            <a:r>
-              <a:rPr lang="en-AU"/>
-              <a:t>___</a:t>
-            </a:r>
-          </a:p>
-          <a:p>
-            <a:endParaRPr lang="en-AU"/>
-          </a:p>
-          <a:p>
-            <a:r>
-              <a:rPr lang="en-AU"/>
-              <a:t>___</a:t>
-            </a:r>
-          </a:p>
-          <a:p>
-            <a:endParaRPr lang="en-AU"/>
-          </a:p>
-          <a:p>
-            <a:r>
-              <a:rPr lang="en-AU"/>
-              <a:t>___</a:t>
-            </a:r>
-          </a:p>
-        </p:txBody>
-      </p:sp>
-      <p:sp>
-        <p:nvSpPr>
-          <p:cNvPr id="7" name="Date Placeholder 6">
-            <a:extLst>
-              <a:ext uri="{FF2B5EF4-FFF2-40B4-BE49-F238E27FC236}">
-                <a16:creationId xmlns:a16="http://schemas.microsoft.com/office/drawing/2014/main" id="{B11B3F0D-7AB3-4810-9284-F2342066A75B}"/>
-              </a:ext>
-            </a:extLst>
-          </p:cNvPr>
-          <p:cNvSpPr>
-            <a:spLocks noGrp="1"/>
-          </p:cNvSpPr>
-          <p:nvPr>
-            <p:ph type="dt" sz="half" idx="2"/>
-          </p:nvPr>
-        </p:nvSpPr>
-        <p:spPr>
-          <a:xfrm>
-            <a:off x="381000" y="6356350"/>
-            <a:ext cx="2743200" cy="365125"/>
-          </a:xfrm>
-        </p:spPr>
-        <p:txBody>
-          <a:bodyPr/>
-          <a:lstStyle/>
-          <a:p>
-            <a:r>
-              <a:rPr lang="en-US"/>
-              <a:t>21/10/2023</a:t>
-            </a:r>
-          </a:p>
-        </p:txBody>
-      </p:sp>
-      <p:sp>
-        <p:nvSpPr>
-          <p:cNvPr id="8" name="Footer Placeholder 7">
-            <a:extLst>
-              <a:ext uri="{FF2B5EF4-FFF2-40B4-BE49-F238E27FC236}">
-                <a16:creationId xmlns:a16="http://schemas.microsoft.com/office/drawing/2014/main" id="{0DD1986A-9AF9-5C45-BE85-20D5AA267AE1}"/>
-              </a:ext>
-            </a:extLst>
-          </p:cNvPr>
-          <p:cNvSpPr>
-            <a:spLocks noGrp="1"/>
-          </p:cNvSpPr>
-          <p:nvPr>
-            <p:ph type="ftr" sz="quarter" idx="3"/>
-          </p:nvPr>
-        </p:nvSpPr>
-        <p:spPr>
-          <a:xfrm>
-            <a:off x="4038600" y="6356350"/>
-            <a:ext cx="4114800" cy="365125"/>
-          </a:xfrm>
-        </p:spPr>
-        <p:txBody>
-          <a:bodyPr/>
-          <a:lstStyle/>
-          <a:p>
-            <a:r>
-              <a:rPr lang="en-US"/>
-              <a:t>Preventing Black Holes in MANETs</a:t>
-            </a:r>
-          </a:p>
-        </p:txBody>
-      </p:sp>
-      <p:sp>
-        <p:nvSpPr>
-          <p:cNvPr id="9" name="Slide Number Placeholder 8">
-            <a:extLst>
-              <a:ext uri="{FF2B5EF4-FFF2-40B4-BE49-F238E27FC236}">
-                <a16:creationId xmlns:a16="http://schemas.microsoft.com/office/drawing/2014/main" id="{6FD448B0-743E-0045-8131-69B4EEC58365}"/>
-              </a:ext>
-            </a:extLst>
-          </p:cNvPr>
-          <p:cNvSpPr>
-            <a:spLocks noGrp="1"/>
-          </p:cNvSpPr>
-          <p:nvPr>
-            <p:ph type="sldNum" sz="quarter" idx="4"/>
-          </p:nvPr>
-        </p:nvSpPr>
-        <p:spPr>
-          <a:xfrm>
-            <a:off x="10153276" y="6356350"/>
-            <a:ext cx="1657723" cy="365125"/>
-          </a:xfrm>
-        </p:spPr>
-        <p:txBody>
-          <a:bodyPr/>
-          <a:lstStyle/>
-          <a:p>
-            <a:fld id="{294A09A9-5501-47C1-A89A-A340965A2BE2}" type="slidenum">
-              <a:rPr lang="en-US" smtClean="0"/>
-              <a:pPr/>
-              <a:t>20</a:t>
-            </a:fld>
-            <a:endParaRPr lang="en-US"/>
-          </a:p>
-        </p:txBody>
-      </p:sp>
-    </p:spTree>
-    <p:extLst>
-      <p:ext uri="{BB962C8B-B14F-4D97-AF65-F5344CB8AC3E}">
-        <p14:creationId xmlns:p14="http://schemas.microsoft.com/office/powerpoint/2010/main" val="4255055894"/>
-      </p:ext>
-    </p:extLst>
-  </p:cSld>
-  <p:clrMapOvr>
-    <a:masterClrMapping/>
-  </p:clrMapOvr>
-</p:sld>
-</file>
-
-<file path=ppt/slides/slide21.xml><?xml version="1.0" encoding="utf-8"?>
-<p:sld xmlns:a="http://schemas.openxmlformats.org/drawingml/2006/main" xmlns:r="http://schemas.openxmlformats.org/officeDocument/2006/relationships" xmlns:p="http://schemas.openxmlformats.org/presentationml/2006/main">
-  <p:cSld>
-    <p:spTree>
-      <p:nvGrpSpPr>
-        <p:cNvPr id="1" name=""/>
-        <p:cNvGrpSpPr/>
-        <p:nvPr/>
-      </p:nvGrpSpPr>
-      <p:grpSpPr>
-        <a:xfrm>
-          <a:off x="0" y="0"/>
-          <a:ext cx="0" cy="0"/>
-          <a:chOff x="0" y="0"/>
-          <a:chExt cx="0" cy="0"/>
-        </a:xfrm>
-      </p:grpSpPr>
-      <p:sp>
-        <p:nvSpPr>
-          <p:cNvPr id="2" name="Title 1">
-            <a:extLst>
-              <a:ext uri="{FF2B5EF4-FFF2-40B4-BE49-F238E27FC236}">
                 <a16:creationId xmlns:a16="http://schemas.microsoft.com/office/drawing/2014/main" id="{43E50492-3B05-672A-7080-9A3E030BE2F0}"/>
               </a:ext>
             </a:extLst>
@@ -40305,7 +40683,7 @@
             <a:fld id="{294A09A9-5501-47C1-A89A-A340965A2BE2}" type="slidenum">
               <a:rPr lang="en-US" smtClean="0"/>
               <a:pPr/>
-              <a:t>21</a:t>
+              <a:t>20</a:t>
             </a:fld>
             <a:endParaRPr lang="en-US"/>
           </a:p>
@@ -40324,380 +40702,7 @@
 </p:sld>
 </file>
 
-<file path=ppt/slides/slide22.xml><?xml version="1.0" encoding="utf-8"?>
-<p:sld xmlns:a="http://schemas.openxmlformats.org/drawingml/2006/main" xmlns:r="http://schemas.openxmlformats.org/officeDocument/2006/relationships" xmlns:p="http://schemas.openxmlformats.org/presentationml/2006/main">
-  <p:cSld>
-    <p:spTree>
-      <p:nvGrpSpPr>
-        <p:cNvPr id="1" name=""/>
-        <p:cNvGrpSpPr/>
-        <p:nvPr/>
-      </p:nvGrpSpPr>
-      <p:grpSpPr>
-        <a:xfrm>
-          <a:off x="0" y="0"/>
-          <a:ext cx="0" cy="0"/>
-          <a:chOff x="0" y="0"/>
-          <a:chExt cx="0" cy="0"/>
-        </a:xfrm>
-      </p:grpSpPr>
-      <p:sp>
-        <p:nvSpPr>
-          <p:cNvPr id="2" name="Title 1">
-            <a:extLst>
-              <a:ext uri="{FF2B5EF4-FFF2-40B4-BE49-F238E27FC236}">
-                <a16:creationId xmlns:a16="http://schemas.microsoft.com/office/drawing/2014/main" id="{E5F191A4-7839-4F63-B17C-7C366C59488C}"/>
-              </a:ext>
-            </a:extLst>
-          </p:cNvPr>
-          <p:cNvSpPr>
-            <a:spLocks noGrp="1"/>
-          </p:cNvSpPr>
-          <p:nvPr>
-            <p:ph type="title"/>
-          </p:nvPr>
-        </p:nvSpPr>
-        <p:spPr>
-          <a:xfrm>
-            <a:off x="1167492" y="381000"/>
-            <a:ext cx="9779183" cy="1325563"/>
-          </a:xfrm>
-        </p:spPr>
-        <p:txBody>
-          <a:bodyPr/>
-          <a:lstStyle/>
-          <a:p>
-            <a:r>
-              <a:rPr lang="en-US"/>
-              <a:t>Project Achievements</a:t>
-            </a:r>
-          </a:p>
-        </p:txBody>
-      </p:sp>
-      <p:sp>
-        <p:nvSpPr>
-          <p:cNvPr id="3" name="Date Placeholder 2">
-            <a:extLst>
-              <a:ext uri="{FF2B5EF4-FFF2-40B4-BE49-F238E27FC236}">
-                <a16:creationId xmlns:a16="http://schemas.microsoft.com/office/drawing/2014/main" id="{3508AD18-0BFF-C70A-8AB7-4CA409012E58}"/>
-              </a:ext>
-            </a:extLst>
-          </p:cNvPr>
-          <p:cNvSpPr>
-            <a:spLocks noGrp="1"/>
-          </p:cNvSpPr>
-          <p:nvPr>
-            <p:ph type="dt" sz="half" idx="2"/>
-          </p:nvPr>
-        </p:nvSpPr>
-        <p:spPr>
-          <a:xfrm>
-            <a:off x="381000" y="6356350"/>
-            <a:ext cx="1767114" cy="365125"/>
-          </a:xfrm>
-        </p:spPr>
-        <p:txBody>
-          <a:bodyPr/>
-          <a:lstStyle/>
-          <a:p>
-            <a:r>
-              <a:rPr lang="en-US"/>
-              <a:t>21/10/2023</a:t>
-            </a:r>
-          </a:p>
-        </p:txBody>
-      </p:sp>
-      <p:sp>
-        <p:nvSpPr>
-          <p:cNvPr id="7" name="Footer Placeholder 6">
-            <a:extLst>
-              <a:ext uri="{FF2B5EF4-FFF2-40B4-BE49-F238E27FC236}">
-                <a16:creationId xmlns:a16="http://schemas.microsoft.com/office/drawing/2014/main" id="{B42ACFC2-B54A-8244-B5D9-4B1EC2EED59D}"/>
-              </a:ext>
-            </a:extLst>
-          </p:cNvPr>
-          <p:cNvSpPr>
-            <a:spLocks noGrp="1"/>
-          </p:cNvSpPr>
-          <p:nvPr>
-            <p:ph type="ftr" sz="quarter" idx="3"/>
-          </p:nvPr>
-        </p:nvSpPr>
-        <p:spPr>
-          <a:xfrm>
-            <a:off x="4038600" y="6356350"/>
-            <a:ext cx="4114800" cy="365125"/>
-          </a:xfrm>
-        </p:spPr>
-        <p:txBody>
-          <a:bodyPr/>
-          <a:lstStyle/>
-          <a:p>
-            <a:r>
-              <a:rPr lang="en-US"/>
-              <a:t>Preventing Black Holes in MANETs</a:t>
-            </a:r>
-          </a:p>
-        </p:txBody>
-      </p:sp>
-      <p:sp>
-        <p:nvSpPr>
-          <p:cNvPr id="8" name="Slide Number Placeholder 7">
-            <a:extLst>
-              <a:ext uri="{FF2B5EF4-FFF2-40B4-BE49-F238E27FC236}">
-                <a16:creationId xmlns:a16="http://schemas.microsoft.com/office/drawing/2014/main" id="{B609FC03-B5BE-D846-993A-8E351C9509F3}"/>
-              </a:ext>
-            </a:extLst>
-          </p:cNvPr>
-          <p:cNvSpPr>
-            <a:spLocks noGrp="1"/>
-          </p:cNvSpPr>
-          <p:nvPr>
-            <p:ph type="sldNum" sz="quarter" idx="4"/>
-          </p:nvPr>
-        </p:nvSpPr>
-        <p:spPr>
-          <a:xfrm>
-            <a:off x="10153276" y="6356350"/>
-            <a:ext cx="1657723" cy="365125"/>
-          </a:xfrm>
-        </p:spPr>
-        <p:txBody>
-          <a:bodyPr/>
-          <a:lstStyle/>
-          <a:p>
-            <a:fld id="{294A09A9-5501-47C1-A89A-A340965A2BE2}" type="slidenum">
-              <a:rPr lang="en-US" smtClean="0"/>
-              <a:pPr/>
-              <a:t>22</a:t>
-            </a:fld>
-            <a:endParaRPr lang="en-US"/>
-          </a:p>
-        </p:txBody>
-      </p:sp>
-      <p:sp>
-        <p:nvSpPr>
-          <p:cNvPr id="23" name="Content Placeholder 22">
-            <a:extLst>
-              <a:ext uri="{FF2B5EF4-FFF2-40B4-BE49-F238E27FC236}">
-                <a16:creationId xmlns:a16="http://schemas.microsoft.com/office/drawing/2014/main" id="{63520EF2-F970-9413-3201-5F8599F01594}"/>
-              </a:ext>
-            </a:extLst>
-          </p:cNvPr>
-          <p:cNvSpPr>
-            <a:spLocks noGrp="1"/>
-          </p:cNvSpPr>
-          <p:nvPr>
-            <p:ph idx="13"/>
-          </p:nvPr>
-        </p:nvSpPr>
-        <p:spPr>
-          <a:xfrm>
-            <a:off x="1171928" y="2097231"/>
-            <a:ext cx="10201433" cy="3257700"/>
-          </a:xfrm>
-        </p:spPr>
-        <p:txBody>
-          <a:bodyPr vert="horz" lIns="91440" tIns="45720" rIns="91440" bIns="45720" rtlCol="0" anchor="t">
-            <a:noAutofit/>
-          </a:bodyPr>
-          <a:lstStyle/>
-          <a:p>
-            <a:pPr marL="342900" indent="-342900">
-              <a:buAutoNum type="arabicPeriod"/>
-            </a:pPr>
-            <a:r>
-              <a:rPr lang="en-AU" sz="1800" dirty="0">
-                <a:latin typeface="Segoe UI"/>
-                <a:cs typeface="Segoe UI"/>
-              </a:rPr>
-              <a:t>&lt;Black Hole Node resistant modelling for AODV networks&gt;</a:t>
-            </a:r>
-          </a:p>
-          <a:p>
-            <a:pPr marL="342900" indent="-342900">
-              <a:buAutoNum type="arabicPeriod"/>
-            </a:pPr>
-            <a:r>
-              <a:rPr lang="en-AU" sz="1800" dirty="0">
-                <a:latin typeface="Segoe UI"/>
-                <a:cs typeface="Segoe UI"/>
-              </a:rPr>
-              <a:t>Reproducable Environment Build Instructions</a:t>
-            </a:r>
-            <a:endParaRPr lang="en-AU" dirty="0">
-              <a:latin typeface="Tenorite"/>
-              <a:cs typeface="Segoe UI"/>
-            </a:endParaRPr>
-          </a:p>
-          <a:p>
-            <a:pPr marL="342900" indent="-342900">
-              <a:buAutoNum type="arabicPeriod"/>
-            </a:pPr>
-            <a:r>
-              <a:rPr lang="en-AU" sz="1800" dirty="0">
-                <a:latin typeface="Segoe UI"/>
-                <a:cs typeface="Segoe UI"/>
-              </a:rPr>
-              <a:t>Concise descriptions and documentation on AODV and Black Hole Nodes</a:t>
-            </a:r>
-            <a:endParaRPr lang="en-AU" dirty="0">
-              <a:latin typeface="Tenorite"/>
-              <a:cs typeface="Segoe UI"/>
-            </a:endParaRPr>
-          </a:p>
-          <a:p>
-            <a:pPr marL="342900" indent="-342900">
-              <a:buAutoNum type="arabicPeriod"/>
-            </a:pPr>
-            <a:r>
-              <a:rPr lang="en-AU" sz="1800" dirty="0">
-                <a:latin typeface="Segoe UI"/>
-                <a:cs typeface="Segoe UI"/>
-              </a:rPr>
-              <a:t>Evidentiary documentation of conducting Project in professional manner &lt;minutes, git merge process, </a:t>
-            </a:r>
-            <a:r>
-              <a:rPr lang="en-AU" sz="1800" dirty="0" err="1">
-                <a:latin typeface="Segoe UI"/>
-                <a:cs typeface="Segoe UI"/>
-              </a:rPr>
-              <a:t>gantt</a:t>
-            </a:r>
-            <a:r>
-              <a:rPr lang="en-AU" sz="1800" dirty="0">
-                <a:latin typeface="Segoe UI"/>
-                <a:cs typeface="Segoe UI"/>
-              </a:rPr>
-              <a:t> chart, etc.&gt;</a:t>
-            </a:r>
-          </a:p>
-          <a:p>
-            <a:pPr marL="342900" indent="-342900">
-              <a:buAutoNum type="arabicPeriod"/>
-            </a:pPr>
-            <a:r>
-              <a:rPr lang="en-AU" sz="1800" dirty="0">
-                <a:latin typeface="Segoe UI"/>
-                <a:cs typeface="Segoe UI"/>
-              </a:rPr>
-              <a:t>___</a:t>
-            </a:r>
-          </a:p>
-          <a:p>
-            <a:endParaRPr lang="en-AU" sz="1400"/>
-          </a:p>
-        </p:txBody>
-      </p:sp>
-    </p:spTree>
-    <p:extLst>
-      <p:ext uri="{BB962C8B-B14F-4D97-AF65-F5344CB8AC3E}">
-        <p14:creationId xmlns:p14="http://schemas.microsoft.com/office/powerpoint/2010/main" val="3105804923"/>
-      </p:ext>
-    </p:extLst>
-  </p:cSld>
-  <p:clrMapOvr>
-    <a:masterClrMapping/>
-  </p:clrMapOvr>
-</p:sld>
-</file>
-
-<file path=ppt/slides/slide23.xml><?xml version="1.0" encoding="utf-8"?>
-<p:sld xmlns:a="http://schemas.openxmlformats.org/drawingml/2006/main" xmlns:r="http://schemas.openxmlformats.org/officeDocument/2006/relationships" xmlns:p="http://schemas.openxmlformats.org/presentationml/2006/main">
-  <p:cSld>
-    <p:spTree>
-      <p:nvGrpSpPr>
-        <p:cNvPr id="1" name=""/>
-        <p:cNvGrpSpPr/>
-        <p:nvPr/>
-      </p:nvGrpSpPr>
-      <p:grpSpPr>
-        <a:xfrm>
-          <a:off x="0" y="0"/>
-          <a:ext cx="0" cy="0"/>
-          <a:chOff x="0" y="0"/>
-          <a:chExt cx="0" cy="0"/>
-        </a:xfrm>
-      </p:grpSpPr>
-      <p:sp>
-        <p:nvSpPr>
-          <p:cNvPr id="2" name="Title 1">
-            <a:extLst>
-              <a:ext uri="{FF2B5EF4-FFF2-40B4-BE49-F238E27FC236}">
-                <a16:creationId xmlns:a16="http://schemas.microsoft.com/office/drawing/2014/main" id="{8460295B-54B9-4937-90E3-BAB9CE69E30B}"/>
-              </a:ext>
-            </a:extLst>
-          </p:cNvPr>
-          <p:cNvSpPr>
-            <a:spLocks noGrp="1"/>
-          </p:cNvSpPr>
-          <p:nvPr>
-            <p:ph type="ctrTitle"/>
-          </p:nvPr>
-        </p:nvSpPr>
-        <p:spPr>
-          <a:xfrm>
-            <a:off x="1167494" y="177553"/>
-            <a:ext cx="6245912" cy="3269447"/>
-          </a:xfrm>
-        </p:spPr>
-        <p:txBody>
-          <a:bodyPr/>
-          <a:lstStyle/>
-          <a:p>
-            <a:r>
-              <a:rPr lang="en-US"/>
-              <a:t>Key Lessons and Takeaways</a:t>
-            </a:r>
-          </a:p>
-        </p:txBody>
-      </p:sp>
-      <p:sp>
-        <p:nvSpPr>
-          <p:cNvPr id="4" name="Text Placeholder 3">
-            <a:extLst>
-              <a:ext uri="{FF2B5EF4-FFF2-40B4-BE49-F238E27FC236}">
-                <a16:creationId xmlns:a16="http://schemas.microsoft.com/office/drawing/2014/main" id="{D51A6D85-3837-435F-A342-5A3F98172B12}"/>
-              </a:ext>
-            </a:extLst>
-          </p:cNvPr>
-          <p:cNvSpPr>
-            <a:spLocks noGrp="1"/>
-          </p:cNvSpPr>
-          <p:nvPr>
-            <p:ph type="subTitle" idx="1"/>
-          </p:nvPr>
-        </p:nvSpPr>
-        <p:spPr>
-          <a:xfrm>
-            <a:off x="1167494" y="3492896"/>
-            <a:ext cx="6245912" cy="912850"/>
-          </a:xfrm>
-        </p:spPr>
-        <p:txBody>
-          <a:bodyPr vert="horz" lIns="91440" tIns="45720" rIns="91440" bIns="45720" rtlCol="0" anchor="t">
-            <a:normAutofit/>
-          </a:bodyPr>
-          <a:lstStyle/>
-          <a:p>
-            <a:endParaRPr lang="en-US"/>
-          </a:p>
-        </p:txBody>
-      </p:sp>
-    </p:spTree>
-    <p:extLst>
-      <p:ext uri="{BB962C8B-B14F-4D97-AF65-F5344CB8AC3E}">
-        <p14:creationId xmlns:p14="http://schemas.microsoft.com/office/powerpoint/2010/main" val="2852717937"/>
-      </p:ext>
-    </p:extLst>
-  </p:cSld>
-  <p:clrMapOvr>
-    <a:masterClrMapping/>
-  </p:clrMapOvr>
-</p:sld>
-</file>
-
-<file path=ppt/slides/slide24.xml><?xml version="1.0" encoding="utf-8"?>
+<file path=ppt/slides/slide21.xml><?xml version="1.0" encoding="utf-8"?>
 <p:sld xmlns:a="http://schemas.openxmlformats.org/drawingml/2006/main" xmlns:r="http://schemas.openxmlformats.org/officeDocument/2006/relationships" xmlns:p="http://schemas.openxmlformats.org/presentationml/2006/main">
   <p:cSld>
     <p:spTree>
@@ -40845,7 +40850,7 @@
           <a:p>
             <a:r>
               <a:rPr lang="en-US"/>
-              <a:t>Curious audience member</a:t>
+              <a:t>Concerned audience member</a:t>
             </a:r>
           </a:p>
         </p:txBody>
@@ -40945,7 +40950,7 @@
             <a:fld id="{294A09A9-5501-47C1-A89A-A340965A2BE2}" type="slidenum">
               <a:rPr lang="en-US" smtClean="0"/>
               <a:pPr/>
-              <a:t>24</a:t>
+              <a:t>21</a:t>
             </a:fld>
             <a:endParaRPr lang="en-US"/>
           </a:p>
@@ -40955,6 +40960,800 @@
     <p:extLst>
       <p:ext uri="{BB962C8B-B14F-4D97-AF65-F5344CB8AC3E}">
         <p14:creationId xmlns:p14="http://schemas.microsoft.com/office/powerpoint/2010/main" val="1600972175"/>
+      </p:ext>
+    </p:extLst>
+  </p:cSld>
+  <p:clrMapOvr>
+    <a:masterClrMapping/>
+  </p:clrMapOvr>
+</p:sld>
+</file>
+
+<file path=ppt/slides/slide22.xml><?xml version="1.0" encoding="utf-8"?>
+<p:sld xmlns:a="http://schemas.openxmlformats.org/drawingml/2006/main" xmlns:r="http://schemas.openxmlformats.org/officeDocument/2006/relationships" xmlns:p="http://schemas.openxmlformats.org/presentationml/2006/main">
+  <p:cSld>
+    <p:spTree>
+      <p:nvGrpSpPr>
+        <p:cNvPr id="1" name=""/>
+        <p:cNvGrpSpPr/>
+        <p:nvPr/>
+      </p:nvGrpSpPr>
+      <p:grpSpPr>
+        <a:xfrm>
+          <a:off x="0" y="0"/>
+          <a:ext cx="0" cy="0"/>
+          <a:chOff x="0" y="0"/>
+          <a:chExt cx="0" cy="0"/>
+        </a:xfrm>
+      </p:grpSpPr>
+      <p:sp>
+        <p:nvSpPr>
+          <p:cNvPr id="2" name="Title 1">
+            <a:extLst>
+              <a:ext uri="{FF2B5EF4-FFF2-40B4-BE49-F238E27FC236}">
+                <a16:creationId xmlns:a16="http://schemas.microsoft.com/office/drawing/2014/main" id="{8460295B-54B9-4937-90E3-BAB9CE69E30B}"/>
+              </a:ext>
+            </a:extLst>
+          </p:cNvPr>
+          <p:cNvSpPr>
+            <a:spLocks noGrp="1"/>
+          </p:cNvSpPr>
+          <p:nvPr>
+            <p:ph type="ctrTitle"/>
+          </p:nvPr>
+        </p:nvSpPr>
+        <p:spPr>
+          <a:xfrm>
+            <a:off x="1167494" y="177553"/>
+            <a:ext cx="6245912" cy="3269447"/>
+          </a:xfrm>
+        </p:spPr>
+        <p:txBody>
+          <a:bodyPr/>
+          <a:lstStyle/>
+          <a:p>
+            <a:r>
+              <a:rPr lang="en-US"/>
+              <a:t>Key Lessons and Takeaways</a:t>
+            </a:r>
+          </a:p>
+        </p:txBody>
+      </p:sp>
+      <p:sp>
+        <p:nvSpPr>
+          <p:cNvPr id="4" name="Text Placeholder 3">
+            <a:extLst>
+              <a:ext uri="{FF2B5EF4-FFF2-40B4-BE49-F238E27FC236}">
+                <a16:creationId xmlns:a16="http://schemas.microsoft.com/office/drawing/2014/main" id="{D51A6D85-3837-435F-A342-5A3F98172B12}"/>
+              </a:ext>
+            </a:extLst>
+          </p:cNvPr>
+          <p:cNvSpPr>
+            <a:spLocks noGrp="1"/>
+          </p:cNvSpPr>
+          <p:nvPr>
+            <p:ph type="subTitle" idx="1"/>
+          </p:nvPr>
+        </p:nvSpPr>
+        <p:spPr>
+          <a:xfrm>
+            <a:off x="1167494" y="3492896"/>
+            <a:ext cx="6245912" cy="912850"/>
+          </a:xfrm>
+        </p:spPr>
+        <p:txBody>
+          <a:bodyPr vert="horz" lIns="91440" tIns="45720" rIns="91440" bIns="45720" rtlCol="0" anchor="t">
+            <a:normAutofit/>
+          </a:bodyPr>
+          <a:lstStyle/>
+          <a:p>
+            <a:endParaRPr lang="en-US"/>
+          </a:p>
+        </p:txBody>
+      </p:sp>
+    </p:spTree>
+    <p:extLst>
+      <p:ext uri="{BB962C8B-B14F-4D97-AF65-F5344CB8AC3E}">
+        <p14:creationId xmlns:p14="http://schemas.microsoft.com/office/powerpoint/2010/main" val="2852717937"/>
+      </p:ext>
+    </p:extLst>
+  </p:cSld>
+  <p:clrMapOvr>
+    <a:masterClrMapping/>
+  </p:clrMapOvr>
+</p:sld>
+</file>
+
+<file path=ppt/slides/slide23.xml><?xml version="1.0" encoding="utf-8"?>
+<p:sld xmlns:a="http://schemas.openxmlformats.org/drawingml/2006/main" xmlns:r="http://schemas.openxmlformats.org/officeDocument/2006/relationships" xmlns:p="http://schemas.openxmlformats.org/presentationml/2006/main">
+  <p:cSld>
+    <p:spTree>
+      <p:nvGrpSpPr>
+        <p:cNvPr id="1" name=""/>
+        <p:cNvGrpSpPr/>
+        <p:nvPr/>
+      </p:nvGrpSpPr>
+      <p:grpSpPr>
+        <a:xfrm>
+          <a:off x="0" y="0"/>
+          <a:ext cx="0" cy="0"/>
+          <a:chOff x="0" y="0"/>
+          <a:chExt cx="0" cy="0"/>
+        </a:xfrm>
+      </p:grpSpPr>
+      <p:sp>
+        <p:nvSpPr>
+          <p:cNvPr id="2" name="Title 1">
+            <a:extLst>
+              <a:ext uri="{FF2B5EF4-FFF2-40B4-BE49-F238E27FC236}">
+                <a16:creationId xmlns:a16="http://schemas.microsoft.com/office/drawing/2014/main" id="{E5F191A4-7839-4F63-B17C-7C366C59488C}"/>
+              </a:ext>
+            </a:extLst>
+          </p:cNvPr>
+          <p:cNvSpPr>
+            <a:spLocks noGrp="1"/>
+          </p:cNvSpPr>
+          <p:nvPr>
+            <p:ph type="title"/>
+          </p:nvPr>
+        </p:nvSpPr>
+        <p:spPr>
+          <a:xfrm>
+            <a:off x="1167492" y="381000"/>
+            <a:ext cx="9779183" cy="1325563"/>
+          </a:xfrm>
+        </p:spPr>
+        <p:txBody>
+          <a:bodyPr/>
+          <a:lstStyle/>
+          <a:p>
+            <a:r>
+              <a:rPr lang="en-US"/>
+              <a:t>Project Achievements</a:t>
+            </a:r>
+          </a:p>
+        </p:txBody>
+      </p:sp>
+      <p:sp>
+        <p:nvSpPr>
+          <p:cNvPr id="3" name="Date Placeholder 2">
+            <a:extLst>
+              <a:ext uri="{FF2B5EF4-FFF2-40B4-BE49-F238E27FC236}">
+                <a16:creationId xmlns:a16="http://schemas.microsoft.com/office/drawing/2014/main" id="{3508AD18-0BFF-C70A-8AB7-4CA409012E58}"/>
+              </a:ext>
+            </a:extLst>
+          </p:cNvPr>
+          <p:cNvSpPr>
+            <a:spLocks noGrp="1"/>
+          </p:cNvSpPr>
+          <p:nvPr>
+            <p:ph type="dt" sz="half" idx="2"/>
+          </p:nvPr>
+        </p:nvSpPr>
+        <p:spPr>
+          <a:xfrm>
+            <a:off x="381000" y="6356350"/>
+            <a:ext cx="1767114" cy="365125"/>
+          </a:xfrm>
+        </p:spPr>
+        <p:txBody>
+          <a:bodyPr/>
+          <a:lstStyle/>
+          <a:p>
+            <a:r>
+              <a:rPr lang="en-US"/>
+              <a:t>21/10/2023</a:t>
+            </a:r>
+          </a:p>
+        </p:txBody>
+      </p:sp>
+      <p:sp>
+        <p:nvSpPr>
+          <p:cNvPr id="7" name="Footer Placeholder 6">
+            <a:extLst>
+              <a:ext uri="{FF2B5EF4-FFF2-40B4-BE49-F238E27FC236}">
+                <a16:creationId xmlns:a16="http://schemas.microsoft.com/office/drawing/2014/main" id="{B42ACFC2-B54A-8244-B5D9-4B1EC2EED59D}"/>
+              </a:ext>
+            </a:extLst>
+          </p:cNvPr>
+          <p:cNvSpPr>
+            <a:spLocks noGrp="1"/>
+          </p:cNvSpPr>
+          <p:nvPr>
+            <p:ph type="ftr" sz="quarter" idx="3"/>
+          </p:nvPr>
+        </p:nvSpPr>
+        <p:spPr>
+          <a:xfrm>
+            <a:off x="4038600" y="6356350"/>
+            <a:ext cx="4114800" cy="365125"/>
+          </a:xfrm>
+        </p:spPr>
+        <p:txBody>
+          <a:bodyPr/>
+          <a:lstStyle/>
+          <a:p>
+            <a:r>
+              <a:rPr lang="en-US"/>
+              <a:t>Preventing Black Holes in MANETs</a:t>
+            </a:r>
+          </a:p>
+        </p:txBody>
+      </p:sp>
+      <p:sp>
+        <p:nvSpPr>
+          <p:cNvPr id="8" name="Slide Number Placeholder 7">
+            <a:extLst>
+              <a:ext uri="{FF2B5EF4-FFF2-40B4-BE49-F238E27FC236}">
+                <a16:creationId xmlns:a16="http://schemas.microsoft.com/office/drawing/2014/main" id="{B609FC03-B5BE-D846-993A-8E351C9509F3}"/>
+              </a:ext>
+            </a:extLst>
+          </p:cNvPr>
+          <p:cNvSpPr>
+            <a:spLocks noGrp="1"/>
+          </p:cNvSpPr>
+          <p:nvPr>
+            <p:ph type="sldNum" sz="quarter" idx="4"/>
+          </p:nvPr>
+        </p:nvSpPr>
+        <p:spPr>
+          <a:xfrm>
+            <a:off x="10153276" y="6356350"/>
+            <a:ext cx="1657723" cy="365125"/>
+          </a:xfrm>
+        </p:spPr>
+        <p:txBody>
+          <a:bodyPr/>
+          <a:lstStyle/>
+          <a:p>
+            <a:fld id="{294A09A9-5501-47C1-A89A-A340965A2BE2}" type="slidenum">
+              <a:rPr lang="en-US" smtClean="0"/>
+              <a:pPr/>
+              <a:t>23</a:t>
+            </a:fld>
+            <a:endParaRPr lang="en-US"/>
+          </a:p>
+        </p:txBody>
+      </p:sp>
+      <p:sp>
+        <p:nvSpPr>
+          <p:cNvPr id="23" name="Content Placeholder 22">
+            <a:extLst>
+              <a:ext uri="{FF2B5EF4-FFF2-40B4-BE49-F238E27FC236}">
+                <a16:creationId xmlns:a16="http://schemas.microsoft.com/office/drawing/2014/main" id="{63520EF2-F970-9413-3201-5F8599F01594}"/>
+              </a:ext>
+            </a:extLst>
+          </p:cNvPr>
+          <p:cNvSpPr>
+            <a:spLocks noGrp="1"/>
+          </p:cNvSpPr>
+          <p:nvPr>
+            <p:ph idx="13"/>
+          </p:nvPr>
+        </p:nvSpPr>
+        <p:spPr>
+          <a:xfrm>
+            <a:off x="1171928" y="2097231"/>
+            <a:ext cx="10201433" cy="3257700"/>
+          </a:xfrm>
+        </p:spPr>
+        <p:txBody>
+          <a:bodyPr vert="horz" lIns="91440" tIns="45720" rIns="91440" bIns="45720" rtlCol="0" anchor="t">
+            <a:noAutofit/>
+          </a:bodyPr>
+          <a:lstStyle/>
+          <a:p>
+            <a:pPr marL="342900" indent="-342900">
+              <a:buAutoNum type="arabicPeriod"/>
+            </a:pPr>
+            <a:r>
+              <a:rPr lang="en-AU" sz="1800">
+                <a:latin typeface="Segoe UI"/>
+                <a:cs typeface="Segoe UI"/>
+              </a:rPr>
+              <a:t>&lt;Black Hole Node resistant modelling for AODV networks&gt;</a:t>
+            </a:r>
+          </a:p>
+          <a:p>
+            <a:pPr marL="342900" indent="-342900">
+              <a:buAutoNum type="arabicPeriod"/>
+            </a:pPr>
+            <a:endParaRPr lang="en-AU" sz="1800">
+              <a:latin typeface="Segoe UI"/>
+              <a:cs typeface="Segoe UI"/>
+            </a:endParaRPr>
+          </a:p>
+          <a:p>
+            <a:pPr marL="342900" indent="-342900">
+              <a:buAutoNum type="arabicPeriod"/>
+            </a:pPr>
+            <a:r>
+              <a:rPr lang="en-AU" sz="1800">
+                <a:latin typeface="Segoe UI"/>
+                <a:cs typeface="Segoe UI"/>
+              </a:rPr>
+              <a:t>Reproducable Environment Build Instructions</a:t>
+            </a:r>
+            <a:endParaRPr lang="en-AU">
+              <a:latin typeface="Tenorite"/>
+              <a:cs typeface="Segoe UI"/>
+            </a:endParaRPr>
+          </a:p>
+          <a:p>
+            <a:pPr marL="342900" indent="-342900">
+              <a:buAutoNum type="arabicPeriod"/>
+            </a:pPr>
+            <a:endParaRPr lang="en-AU" sz="1800">
+              <a:latin typeface="Segoe UI"/>
+              <a:cs typeface="Segoe UI"/>
+            </a:endParaRPr>
+          </a:p>
+          <a:p>
+            <a:pPr marL="342900" indent="-342900">
+              <a:buAutoNum type="arabicPeriod"/>
+            </a:pPr>
+            <a:r>
+              <a:rPr lang="en-AU" sz="1800">
+                <a:latin typeface="Segoe UI"/>
+                <a:cs typeface="Segoe UI"/>
+              </a:rPr>
+              <a:t>Concise descriptions and documentation on AODV and Black Hole Nodes</a:t>
+            </a:r>
+            <a:endParaRPr lang="en-AU">
+              <a:latin typeface="Tenorite"/>
+              <a:cs typeface="Segoe UI"/>
+            </a:endParaRPr>
+          </a:p>
+          <a:p>
+            <a:pPr marL="342900" indent="-342900">
+              <a:buAutoNum type="arabicPeriod"/>
+            </a:pPr>
+            <a:endParaRPr lang="en-AU" sz="1800">
+              <a:latin typeface="Segoe UI"/>
+              <a:cs typeface="Segoe UI"/>
+            </a:endParaRPr>
+          </a:p>
+          <a:p>
+            <a:pPr marL="342900" indent="-342900">
+              <a:buAutoNum type="arabicPeriod"/>
+            </a:pPr>
+            <a:r>
+              <a:rPr lang="en-AU" sz="1800">
+                <a:latin typeface="Segoe UI"/>
+                <a:cs typeface="Segoe UI"/>
+              </a:rPr>
+              <a:t>Evidentiary documentation of conducting Project in professional manner &lt;minutes, git merge process, </a:t>
+            </a:r>
+            <a:r>
+              <a:rPr lang="en-AU" sz="1800" err="1">
+                <a:latin typeface="Segoe UI"/>
+                <a:cs typeface="Segoe UI"/>
+              </a:rPr>
+              <a:t>gantt</a:t>
+            </a:r>
+            <a:r>
+              <a:rPr lang="en-AU" sz="1800">
+                <a:latin typeface="Segoe UI"/>
+                <a:cs typeface="Segoe UI"/>
+              </a:rPr>
+              <a:t> chart, etc.&gt;</a:t>
+            </a:r>
+            <a:endParaRPr lang="en-AU"/>
+          </a:p>
+          <a:p>
+            <a:endParaRPr lang="en-AU" sz="1400">
+              <a:latin typeface="Tenorite"/>
+              <a:cs typeface="Segoe UI"/>
+            </a:endParaRPr>
+          </a:p>
+        </p:txBody>
+      </p:sp>
+    </p:spTree>
+    <p:extLst>
+      <p:ext uri="{BB962C8B-B14F-4D97-AF65-F5344CB8AC3E}">
+        <p14:creationId xmlns:p14="http://schemas.microsoft.com/office/powerpoint/2010/main" val="3105804923"/>
+      </p:ext>
+    </p:extLst>
+  </p:cSld>
+  <p:clrMapOvr>
+    <a:masterClrMapping/>
+  </p:clrMapOvr>
+</p:sld>
+</file>
+
+<file path=ppt/slides/slide24.xml><?xml version="1.0" encoding="utf-8"?>
+<p:sld xmlns:a="http://schemas.openxmlformats.org/drawingml/2006/main" xmlns:r="http://schemas.openxmlformats.org/officeDocument/2006/relationships" xmlns:p="http://schemas.openxmlformats.org/presentationml/2006/main" show="0">
+  <p:cSld>
+    <p:spTree>
+      <p:nvGrpSpPr>
+        <p:cNvPr id="1" name=""/>
+        <p:cNvGrpSpPr/>
+        <p:nvPr/>
+      </p:nvGrpSpPr>
+      <p:grpSpPr>
+        <a:xfrm>
+          <a:off x="0" y="0"/>
+          <a:ext cx="0" cy="0"/>
+          <a:chOff x="0" y="0"/>
+          <a:chExt cx="0" cy="0"/>
+        </a:xfrm>
+      </p:grpSpPr>
+      <p:sp>
+        <p:nvSpPr>
+          <p:cNvPr id="2" name="Title 1">
+            <a:extLst>
+              <a:ext uri="{FF2B5EF4-FFF2-40B4-BE49-F238E27FC236}">
+                <a16:creationId xmlns:a16="http://schemas.microsoft.com/office/drawing/2014/main" id="{E5F191A4-7839-4F63-B17C-7C366C59488C}"/>
+              </a:ext>
+            </a:extLst>
+          </p:cNvPr>
+          <p:cNvSpPr>
+            <a:spLocks noGrp="1"/>
+          </p:cNvSpPr>
+          <p:nvPr>
+            <p:ph type="title"/>
+          </p:nvPr>
+        </p:nvSpPr>
+        <p:spPr>
+          <a:xfrm>
+            <a:off x="1167492" y="381000"/>
+            <a:ext cx="9779183" cy="1325563"/>
+          </a:xfrm>
+        </p:spPr>
+        <p:txBody>
+          <a:bodyPr/>
+          <a:lstStyle/>
+          <a:p>
+            <a:r>
+              <a:rPr lang="en-US"/>
+              <a:t>How we get there</a:t>
+            </a:r>
+          </a:p>
+        </p:txBody>
+      </p:sp>
+      <p:sp>
+        <p:nvSpPr>
+          <p:cNvPr id="9" name="Content Placeholder 8">
+            <a:extLst>
+              <a:ext uri="{FF2B5EF4-FFF2-40B4-BE49-F238E27FC236}">
+                <a16:creationId xmlns:a16="http://schemas.microsoft.com/office/drawing/2014/main" id="{472FA7B1-CD7F-3646-B44C-91A107A0CBEE}"/>
+              </a:ext>
+            </a:extLst>
+          </p:cNvPr>
+          <p:cNvSpPr>
+            <a:spLocks noGrp="1"/>
+          </p:cNvSpPr>
+          <p:nvPr>
+            <p:ph type="body" sz="quarter" idx="14"/>
+          </p:nvPr>
+        </p:nvSpPr>
+        <p:spPr>
+          <a:xfrm>
+            <a:off x="1166813" y="2020329"/>
+            <a:ext cx="3219450" cy="468933"/>
+          </a:xfrm>
+        </p:spPr>
+        <p:txBody>
+          <a:bodyPr/>
+          <a:lstStyle/>
+          <a:p>
+            <a:r>
+              <a:rPr lang="en-US"/>
+              <a:t>ROI</a:t>
+            </a:r>
+          </a:p>
+        </p:txBody>
+      </p:sp>
+      <p:sp>
+        <p:nvSpPr>
+          <p:cNvPr id="4" name="Content Placeholder 3">
+            <a:extLst>
+              <a:ext uri="{FF2B5EF4-FFF2-40B4-BE49-F238E27FC236}">
+                <a16:creationId xmlns:a16="http://schemas.microsoft.com/office/drawing/2014/main" id="{9B9ED227-95A7-4B08-91FE-5E0EF0D41D20}"/>
+              </a:ext>
+            </a:extLst>
+          </p:cNvPr>
+          <p:cNvSpPr>
+            <a:spLocks noGrp="1"/>
+          </p:cNvSpPr>
+          <p:nvPr>
+            <p:ph idx="1"/>
+          </p:nvPr>
+        </p:nvSpPr>
+        <p:spPr>
+          <a:xfrm>
+            <a:off x="1167491" y="2526318"/>
+            <a:ext cx="3218688" cy="2828613"/>
+          </a:xfrm>
+        </p:spPr>
+        <p:txBody>
+          <a:bodyPr vert="horz" lIns="91440" tIns="45720" rIns="91440" bIns="45720" rtlCol="0" anchor="t">
+            <a:noAutofit/>
+          </a:bodyPr>
+          <a:lstStyle/>
+          <a:p>
+            <a:r>
+              <a:rPr lang="en-US"/>
+              <a:t>Envision multimedia-based expertise and cross-media growth strategies</a:t>
+            </a:r>
+          </a:p>
+          <a:p>
+            <a:r>
+              <a:rPr lang="en-US"/>
+              <a:t>Visualize quality intellectual capital</a:t>
+            </a:r>
+          </a:p>
+          <a:p>
+            <a:r>
+              <a:rPr lang="en-US"/>
+              <a:t>Engage worldwide methodologies with web-enabled technologies</a:t>
+            </a:r>
+          </a:p>
+          <a:p>
+            <a:endParaRPr lang="en-US"/>
+          </a:p>
+          <a:p>
+            <a:endParaRPr lang="en-US"/>
+          </a:p>
+        </p:txBody>
+      </p:sp>
+      <p:sp>
+        <p:nvSpPr>
+          <p:cNvPr id="10" name="Content Placeholder 9">
+            <a:extLst>
+              <a:ext uri="{FF2B5EF4-FFF2-40B4-BE49-F238E27FC236}">
+                <a16:creationId xmlns:a16="http://schemas.microsoft.com/office/drawing/2014/main" id="{585697B7-EBBB-0E4B-AA02-0D3F94821C6E}"/>
+              </a:ext>
+            </a:extLst>
+          </p:cNvPr>
+          <p:cNvSpPr>
+            <a:spLocks noGrp="1"/>
+          </p:cNvSpPr>
+          <p:nvPr>
+            <p:ph type="body" sz="quarter" idx="15"/>
+          </p:nvPr>
+        </p:nvSpPr>
+        <p:spPr>
+          <a:xfrm>
+            <a:off x="4683787" y="2020329"/>
+            <a:ext cx="3173279" cy="468933"/>
+          </a:xfrm>
+        </p:spPr>
+        <p:txBody>
+          <a:bodyPr/>
+          <a:lstStyle/>
+          <a:p>
+            <a:r>
+              <a:rPr lang="en-US"/>
+              <a:t>Niche Markets</a:t>
+            </a:r>
+          </a:p>
+        </p:txBody>
+      </p:sp>
+      <p:sp>
+        <p:nvSpPr>
+          <p:cNvPr id="5" name="Content Placeholder 4">
+            <a:extLst>
+              <a:ext uri="{FF2B5EF4-FFF2-40B4-BE49-F238E27FC236}">
+                <a16:creationId xmlns:a16="http://schemas.microsoft.com/office/drawing/2014/main" id="{9C2ECAAA-1E9C-4845-8EA9-E11A76F08150}"/>
+              </a:ext>
+            </a:extLst>
+          </p:cNvPr>
+          <p:cNvSpPr>
+            <a:spLocks noGrp="1"/>
+          </p:cNvSpPr>
+          <p:nvPr>
+            <p:ph idx="10"/>
+          </p:nvPr>
+        </p:nvSpPr>
+        <p:spPr>
+          <a:xfrm>
+            <a:off x="4683787" y="2526318"/>
+            <a:ext cx="3173279" cy="2828613"/>
+          </a:xfrm>
+        </p:spPr>
+        <p:txBody>
+          <a:bodyPr vert="horz" lIns="91440" tIns="45720" rIns="91440" bIns="45720" rtlCol="0" anchor="t">
+            <a:normAutofit/>
+          </a:bodyPr>
+          <a:lstStyle/>
+          <a:p>
+            <a:r>
+              <a:rPr lang="en-US"/>
+              <a:t>Pursue scalable customer service through sustainable strategies</a:t>
+            </a:r>
+          </a:p>
+          <a:p>
+            <a:r>
+              <a:rPr lang="en-US"/>
+              <a:t>Engage top-line web services with cutting-edge deliverables</a:t>
+            </a:r>
+          </a:p>
+          <a:p>
+            <a:endParaRPr lang="en-US"/>
+          </a:p>
+          <a:p>
+            <a:endParaRPr lang="en-US"/>
+          </a:p>
+        </p:txBody>
+      </p:sp>
+      <p:sp>
+        <p:nvSpPr>
+          <p:cNvPr id="13" name="Content Placeholder 12">
+            <a:extLst>
+              <a:ext uri="{FF2B5EF4-FFF2-40B4-BE49-F238E27FC236}">
+                <a16:creationId xmlns:a16="http://schemas.microsoft.com/office/drawing/2014/main" id="{EB1FFBC5-1733-5E4A-BF11-2C157D9917CC}"/>
+              </a:ext>
+            </a:extLst>
+          </p:cNvPr>
+          <p:cNvSpPr>
+            <a:spLocks noGrp="1"/>
+          </p:cNvSpPr>
+          <p:nvPr>
+            <p:ph type="body" sz="quarter" idx="16"/>
+          </p:nvPr>
+        </p:nvSpPr>
+        <p:spPr>
+          <a:xfrm>
+            <a:off x="8200082" y="2018581"/>
+            <a:ext cx="3173279" cy="468933"/>
+          </a:xfrm>
+        </p:spPr>
+        <p:txBody>
+          <a:bodyPr/>
+          <a:lstStyle/>
+          <a:p>
+            <a:r>
+              <a:rPr lang="en-US"/>
+              <a:t>Supply chains</a:t>
+            </a:r>
+          </a:p>
+        </p:txBody>
+      </p:sp>
+      <p:sp>
+        <p:nvSpPr>
+          <p:cNvPr id="11" name="Content Placeholder 10">
+            <a:extLst>
+              <a:ext uri="{FF2B5EF4-FFF2-40B4-BE49-F238E27FC236}">
+                <a16:creationId xmlns:a16="http://schemas.microsoft.com/office/drawing/2014/main" id="{48A12450-9474-8A49-BAEB-20C6F51540D5}"/>
+              </a:ext>
+            </a:extLst>
+          </p:cNvPr>
+          <p:cNvSpPr>
+            <a:spLocks noGrp="1"/>
+          </p:cNvSpPr>
+          <p:nvPr>
+            <p:ph idx="13"/>
+          </p:nvPr>
+        </p:nvSpPr>
+        <p:spPr>
+          <a:xfrm>
+            <a:off x="8200082" y="2526318"/>
+            <a:ext cx="3173279" cy="2828613"/>
+          </a:xfrm>
+        </p:spPr>
+        <p:txBody>
+          <a:bodyPr/>
+          <a:lstStyle/>
+          <a:p>
+            <a:r>
+              <a:rPr lang="en-US"/>
+              <a:t>Cultivate one-to-one customer service with robust ideas</a:t>
+            </a:r>
+          </a:p>
+          <a:p>
+            <a:r>
+              <a:rPr lang="en-US"/>
+              <a:t>Maximize timely deliverables for real-time schemas</a:t>
+            </a:r>
+          </a:p>
+        </p:txBody>
+      </p:sp>
+      <p:sp>
+        <p:nvSpPr>
+          <p:cNvPr id="3" name="Date Placeholder 2">
+            <a:extLst>
+              <a:ext uri="{FF2B5EF4-FFF2-40B4-BE49-F238E27FC236}">
+                <a16:creationId xmlns:a16="http://schemas.microsoft.com/office/drawing/2014/main" id="{3508AD18-0BFF-C70A-8AB7-4CA409012E58}"/>
+              </a:ext>
+            </a:extLst>
+          </p:cNvPr>
+          <p:cNvSpPr>
+            <a:spLocks noGrp="1"/>
+          </p:cNvSpPr>
+          <p:nvPr>
+            <p:ph type="dt" sz="half" idx="2"/>
+          </p:nvPr>
+        </p:nvSpPr>
+        <p:spPr>
+          <a:xfrm>
+            <a:off x="381000" y="6356350"/>
+            <a:ext cx="1767114" cy="365125"/>
+          </a:xfrm>
+        </p:spPr>
+        <p:txBody>
+          <a:bodyPr/>
+          <a:lstStyle/>
+          <a:p>
+            <a:r>
+              <a:rPr lang="en-US"/>
+              <a:t>21/10/2023</a:t>
+            </a:r>
+          </a:p>
+        </p:txBody>
+      </p:sp>
+      <p:sp>
+        <p:nvSpPr>
+          <p:cNvPr id="7" name="Footer Placeholder 6">
+            <a:extLst>
+              <a:ext uri="{FF2B5EF4-FFF2-40B4-BE49-F238E27FC236}">
+                <a16:creationId xmlns:a16="http://schemas.microsoft.com/office/drawing/2014/main" id="{B42ACFC2-B54A-8244-B5D9-4B1EC2EED59D}"/>
+              </a:ext>
+            </a:extLst>
+          </p:cNvPr>
+          <p:cNvSpPr>
+            <a:spLocks noGrp="1"/>
+          </p:cNvSpPr>
+          <p:nvPr>
+            <p:ph type="ftr" sz="quarter" idx="3"/>
+          </p:nvPr>
+        </p:nvSpPr>
+        <p:spPr>
+          <a:xfrm>
+            <a:off x="4038600" y="6356350"/>
+            <a:ext cx="4114800" cy="365125"/>
+          </a:xfrm>
+        </p:spPr>
+        <p:txBody>
+          <a:bodyPr/>
+          <a:lstStyle/>
+          <a:p>
+            <a:r>
+              <a:rPr lang="en-US"/>
+              <a:t>Preventing Black Holes in MANETs</a:t>
+            </a:r>
+          </a:p>
+        </p:txBody>
+      </p:sp>
+      <p:sp>
+        <p:nvSpPr>
+          <p:cNvPr id="8" name="Slide Number Placeholder 7">
+            <a:extLst>
+              <a:ext uri="{FF2B5EF4-FFF2-40B4-BE49-F238E27FC236}">
+                <a16:creationId xmlns:a16="http://schemas.microsoft.com/office/drawing/2014/main" id="{B609FC03-B5BE-D846-993A-8E351C9509F3}"/>
+              </a:ext>
+            </a:extLst>
+          </p:cNvPr>
+          <p:cNvSpPr>
+            <a:spLocks noGrp="1"/>
+          </p:cNvSpPr>
+          <p:nvPr>
+            <p:ph type="sldNum" sz="quarter" idx="4"/>
+          </p:nvPr>
+        </p:nvSpPr>
+        <p:spPr>
+          <a:xfrm>
+            <a:off x="10153276" y="6356350"/>
+            <a:ext cx="1657723" cy="365125"/>
+          </a:xfrm>
+        </p:spPr>
+        <p:txBody>
+          <a:bodyPr/>
+          <a:lstStyle/>
+          <a:p>
+            <a:fld id="{294A09A9-5501-47C1-A89A-A340965A2BE2}" type="slidenum">
+              <a:rPr lang="en-US" smtClean="0"/>
+              <a:pPr/>
+              <a:t>24</a:t>
+            </a:fld>
+            <a:endParaRPr lang="en-US"/>
+          </a:p>
+        </p:txBody>
+      </p:sp>
+    </p:spTree>
+    <p:extLst>
+      <p:ext uri="{BB962C8B-B14F-4D97-AF65-F5344CB8AC3E}">
+        <p14:creationId xmlns:p14="http://schemas.microsoft.com/office/powerpoint/2010/main" val="2721508595"/>
       </p:ext>
     </p:extLst>
   </p:cSld>
@@ -41495,11 +42294,8 @@
           <a:p>
             <a:r>
               <a:rPr lang="en-US"/>
-              <a:t>At Contoso, we believe in giving 110%. By using our next-generation data architecture, we help organizations virtually manage agile workflows. We thrive because of our market knowledge and great team behind our product. As our CEO says, "Efficiencies will come from proactively transforming how we do business."</a:t>
-            </a:r>
-          </a:p>
-          <a:p>
-            <a:endParaRPr lang="en-US"/>
+              <a:t>___</a:t>
+            </a:r>
           </a:p>
         </p:txBody>
       </p:sp>
@@ -41735,7 +42531,683 @@
 </p:sld>
 </file>
 
+<file path=ppt/slides/slide29.xml><?xml version="1.0" encoding="utf-8"?>
+<p:sld xmlns:a="http://schemas.openxmlformats.org/drawingml/2006/main" xmlns:r="http://schemas.openxmlformats.org/officeDocument/2006/relationships" xmlns:p="http://schemas.openxmlformats.org/presentationml/2006/main">
+  <p:cSld>
+    <p:spTree>
+      <p:nvGrpSpPr>
+        <p:cNvPr id="1" name=""/>
+        <p:cNvGrpSpPr/>
+        <p:nvPr/>
+      </p:nvGrpSpPr>
+      <p:grpSpPr>
+        <a:xfrm>
+          <a:off x="0" y="0"/>
+          <a:ext cx="0" cy="0"/>
+          <a:chOff x="0" y="0"/>
+          <a:chExt cx="0" cy="0"/>
+        </a:xfrm>
+      </p:grpSpPr>
+      <p:sp>
+        <p:nvSpPr>
+          <p:cNvPr id="3" name="Date Placeholder 2">
+            <a:extLst>
+              <a:ext uri="{FF2B5EF4-FFF2-40B4-BE49-F238E27FC236}">
+                <a16:creationId xmlns:a16="http://schemas.microsoft.com/office/drawing/2014/main" id="{478098D2-E050-4923-6595-9B43771E61FE}"/>
+              </a:ext>
+            </a:extLst>
+          </p:cNvPr>
+          <p:cNvSpPr>
+            <a:spLocks noGrp="1"/>
+          </p:cNvSpPr>
+          <p:nvPr>
+            <p:ph type="dt" sz="half" idx="10"/>
+          </p:nvPr>
+        </p:nvSpPr>
+        <p:spPr>
+          <a:xfrm>
+            <a:off x="381000" y="6356350"/>
+            <a:ext cx="2743200" cy="365125"/>
+          </a:xfrm>
+        </p:spPr>
+        <p:txBody>
+          <a:bodyPr/>
+          <a:lstStyle/>
+          <a:p>
+            <a:r>
+              <a:rPr lang="en-US"/>
+              <a:t>21/10/2023</a:t>
+            </a:r>
+          </a:p>
+        </p:txBody>
+      </p:sp>
+      <p:sp>
+        <p:nvSpPr>
+          <p:cNvPr id="4" name="Footer Placeholder 3">
+            <a:extLst>
+              <a:ext uri="{FF2B5EF4-FFF2-40B4-BE49-F238E27FC236}">
+                <a16:creationId xmlns:a16="http://schemas.microsoft.com/office/drawing/2014/main" id="{6E4EA976-8646-0143-BA18-8675E6FA5EB7}"/>
+              </a:ext>
+            </a:extLst>
+          </p:cNvPr>
+          <p:cNvSpPr>
+            <a:spLocks noGrp="1"/>
+          </p:cNvSpPr>
+          <p:nvPr>
+            <p:ph type="ftr" sz="quarter" idx="11"/>
+          </p:nvPr>
+        </p:nvSpPr>
+        <p:spPr>
+          <a:xfrm>
+            <a:off x="4038600" y="6356350"/>
+            <a:ext cx="4114800" cy="365125"/>
+          </a:xfrm>
+        </p:spPr>
+        <p:txBody>
+          <a:bodyPr/>
+          <a:lstStyle/>
+          <a:p>
+            <a:r>
+              <a:rPr lang="en-US"/>
+              <a:t>Preventing Black Holes in MANETs</a:t>
+            </a:r>
+          </a:p>
+        </p:txBody>
+      </p:sp>
+      <p:sp>
+        <p:nvSpPr>
+          <p:cNvPr id="5" name="Slide Number Placeholder 4">
+            <a:extLst>
+              <a:ext uri="{FF2B5EF4-FFF2-40B4-BE49-F238E27FC236}">
+                <a16:creationId xmlns:a16="http://schemas.microsoft.com/office/drawing/2014/main" id="{7003A5E2-8F37-D546-BCD9-24A2037BB54D}"/>
+              </a:ext>
+            </a:extLst>
+          </p:cNvPr>
+          <p:cNvSpPr>
+            <a:spLocks noGrp="1"/>
+          </p:cNvSpPr>
+          <p:nvPr>
+            <p:ph type="sldNum" sz="quarter" idx="12"/>
+          </p:nvPr>
+        </p:nvSpPr>
+        <p:spPr>
+          <a:xfrm>
+            <a:off x="9067800" y="6356350"/>
+            <a:ext cx="2743200" cy="365125"/>
+          </a:xfrm>
+        </p:spPr>
+        <p:txBody>
+          <a:bodyPr/>
+          <a:lstStyle/>
+          <a:p>
+            <a:fld id="{294A09A9-5501-47C1-A89A-A340965A2BE2}" type="slidenum">
+              <a:rPr lang="en-US" smtClean="0"/>
+              <a:pPr/>
+              <a:t>29</a:t>
+            </a:fld>
+            <a:endParaRPr lang="en-US"/>
+          </a:p>
+        </p:txBody>
+      </p:sp>
+      <p:sp>
+        <p:nvSpPr>
+          <p:cNvPr id="20" name="Title 1">
+            <a:extLst>
+              <a:ext uri="{FF2B5EF4-FFF2-40B4-BE49-F238E27FC236}">
+                <a16:creationId xmlns:a16="http://schemas.microsoft.com/office/drawing/2014/main" id="{3AFBEB63-9431-D70F-1CF5-2780A212FFD2}"/>
+              </a:ext>
+            </a:extLst>
+          </p:cNvPr>
+          <p:cNvSpPr>
+            <a:spLocks noGrp="1"/>
+          </p:cNvSpPr>
+          <p:nvPr>
+            <p:ph type="title"/>
+          </p:nvPr>
+        </p:nvSpPr>
+        <p:spPr>
+          <a:xfrm>
+            <a:off x="1167492" y="136526"/>
+            <a:ext cx="9779183" cy="1285902"/>
+          </a:xfrm>
+        </p:spPr>
+        <p:txBody>
+          <a:bodyPr/>
+          <a:lstStyle/>
+          <a:p>
+            <a:pPr algn="l"/>
+            <a:r>
+              <a:rPr lang="en-US" sz="4800"/>
+              <a:t>Bibliography</a:t>
+            </a:r>
+            <a:r>
+              <a:rPr lang="en-US"/>
+              <a:t> </a:t>
+            </a:r>
+          </a:p>
+        </p:txBody>
+      </p:sp>
+      <p:sp>
+        <p:nvSpPr>
+          <p:cNvPr id="22" name="Content Placeholder 2">
+            <a:extLst>
+              <a:ext uri="{FF2B5EF4-FFF2-40B4-BE49-F238E27FC236}">
+                <a16:creationId xmlns:a16="http://schemas.microsoft.com/office/drawing/2014/main" id="{2EB98486-74F6-7F88-A0A0-F879903F080C}"/>
+              </a:ext>
+            </a:extLst>
+          </p:cNvPr>
+          <p:cNvSpPr txBox="1">
+            <a:spLocks/>
+          </p:cNvSpPr>
+          <p:nvPr/>
+        </p:nvSpPr>
+        <p:spPr>
+          <a:xfrm>
+            <a:off x="1167492" y="1632862"/>
+            <a:ext cx="9779183" cy="4456788"/>
+          </a:xfrm>
+          <a:prstGeom prst="rect">
+            <a:avLst/>
+          </a:prstGeom>
+        </p:spPr>
+        <p:txBody>
+          <a:bodyPr vert="horz" lIns="91440" tIns="45720" rIns="91440" bIns="45720" rtlCol="0" anchor="t">
+            <a:normAutofit/>
+          </a:bodyPr>
+          <a:lstStyle>
+            <a:lvl1pPr marL="228600" indent="-228600" algn="l" defTabSz="914400" rtl="0" eaLnBrk="1" latinLnBrk="0" hangingPunct="1">
+              <a:lnSpc>
+                <a:spcPct val="90000"/>
+              </a:lnSpc>
+              <a:spcBef>
+                <a:spcPts val="1000"/>
+              </a:spcBef>
+              <a:buFont typeface="Arial" panose="020B0604020202020204" pitchFamily="34" charset="0"/>
+              <a:buChar char="•"/>
+              <a:defRPr sz="2800" kern="1200">
+                <a:solidFill>
+                  <a:schemeClr val="tx1"/>
+                </a:solidFill>
+                <a:latin typeface="+mn-lt"/>
+                <a:ea typeface="+mn-ea"/>
+                <a:cs typeface="+mn-cs"/>
+              </a:defRPr>
+            </a:lvl1pPr>
+            <a:lvl2pPr marL="685800" indent="-228600" algn="l" defTabSz="914400" rtl="0" eaLnBrk="1" latinLnBrk="0" hangingPunct="1">
+              <a:lnSpc>
+                <a:spcPct val="90000"/>
+              </a:lnSpc>
+              <a:spcBef>
+                <a:spcPts val="500"/>
+              </a:spcBef>
+              <a:buFont typeface="Arial" panose="020B0604020202020204" pitchFamily="34" charset="0"/>
+              <a:buChar char="•"/>
+              <a:defRPr sz="2400" kern="1200">
+                <a:solidFill>
+                  <a:schemeClr val="tx1"/>
+                </a:solidFill>
+                <a:latin typeface="+mn-lt"/>
+                <a:ea typeface="+mn-ea"/>
+                <a:cs typeface="+mn-cs"/>
+              </a:defRPr>
+            </a:lvl2pPr>
+            <a:lvl3pPr marL="1143000" indent="-228600" algn="l" defTabSz="914400" rtl="0" eaLnBrk="1" latinLnBrk="0" hangingPunct="1">
+              <a:lnSpc>
+                <a:spcPct val="90000"/>
+              </a:lnSpc>
+              <a:spcBef>
+                <a:spcPts val="500"/>
+              </a:spcBef>
+              <a:buFont typeface="Arial" panose="020B0604020202020204" pitchFamily="34" charset="0"/>
+              <a:buChar char="•"/>
+              <a:defRPr sz="2000" kern="1200">
+                <a:solidFill>
+                  <a:schemeClr val="tx1"/>
+                </a:solidFill>
+                <a:latin typeface="+mn-lt"/>
+                <a:ea typeface="+mn-ea"/>
+                <a:cs typeface="+mn-cs"/>
+              </a:defRPr>
+            </a:lvl3pPr>
+            <a:lvl4pPr marL="1600200" indent="-228600" algn="l" defTabSz="914400" rtl="0" eaLnBrk="1" latinLnBrk="0" hangingPunct="1">
+              <a:lnSpc>
+                <a:spcPct val="90000"/>
+              </a:lnSpc>
+              <a:spcBef>
+                <a:spcPts val="500"/>
+              </a:spcBef>
+              <a:buFont typeface="Arial" panose="020B0604020202020204" pitchFamily="34" charset="0"/>
+              <a:buChar char="•"/>
+              <a:defRPr sz="1800" kern="1200">
+                <a:solidFill>
+                  <a:schemeClr val="tx1"/>
+                </a:solidFill>
+                <a:latin typeface="+mn-lt"/>
+                <a:ea typeface="+mn-ea"/>
+                <a:cs typeface="+mn-cs"/>
+              </a:defRPr>
+            </a:lvl4pPr>
+            <a:lvl5pPr marL="2057400" indent="-228600" algn="l" defTabSz="914400" rtl="0" eaLnBrk="1" latinLnBrk="0" hangingPunct="1">
+              <a:lnSpc>
+                <a:spcPct val="90000"/>
+              </a:lnSpc>
+              <a:spcBef>
+                <a:spcPts val="500"/>
+              </a:spcBef>
+              <a:buFont typeface="Arial" panose="020B0604020202020204" pitchFamily="34" charset="0"/>
+              <a:buChar char="•"/>
+              <a:defRPr sz="1800" kern="1200">
+                <a:solidFill>
+                  <a:schemeClr val="tx1"/>
+                </a:solidFill>
+                <a:latin typeface="+mn-lt"/>
+                <a:ea typeface="+mn-ea"/>
+                <a:cs typeface="+mn-cs"/>
+              </a:defRPr>
+            </a:lvl5pPr>
+            <a:lvl6pPr marL="2514600" indent="-228600" algn="l" defTabSz="914400" rtl="0" eaLnBrk="1" latinLnBrk="0" hangingPunct="1">
+              <a:lnSpc>
+                <a:spcPct val="90000"/>
+              </a:lnSpc>
+              <a:spcBef>
+                <a:spcPts val="500"/>
+              </a:spcBef>
+              <a:buFont typeface="Arial" panose="020B0604020202020204" pitchFamily="34" charset="0"/>
+              <a:buChar char="•"/>
+              <a:defRPr sz="1800" kern="1200">
+                <a:solidFill>
+                  <a:schemeClr val="tx1"/>
+                </a:solidFill>
+                <a:latin typeface="+mn-lt"/>
+                <a:ea typeface="+mn-ea"/>
+                <a:cs typeface="+mn-cs"/>
+              </a:defRPr>
+            </a:lvl6pPr>
+            <a:lvl7pPr marL="2971800" indent="-228600" algn="l" defTabSz="914400" rtl="0" eaLnBrk="1" latinLnBrk="0" hangingPunct="1">
+              <a:lnSpc>
+                <a:spcPct val="90000"/>
+              </a:lnSpc>
+              <a:spcBef>
+                <a:spcPts val="500"/>
+              </a:spcBef>
+              <a:buFont typeface="Arial" panose="020B0604020202020204" pitchFamily="34" charset="0"/>
+              <a:buChar char="•"/>
+              <a:defRPr sz="1800" kern="1200">
+                <a:solidFill>
+                  <a:schemeClr val="tx1"/>
+                </a:solidFill>
+                <a:latin typeface="+mn-lt"/>
+                <a:ea typeface="+mn-ea"/>
+                <a:cs typeface="+mn-cs"/>
+              </a:defRPr>
+            </a:lvl7pPr>
+            <a:lvl8pPr marL="3429000" indent="-228600" algn="l" defTabSz="914400" rtl="0" eaLnBrk="1" latinLnBrk="0" hangingPunct="1">
+              <a:lnSpc>
+                <a:spcPct val="90000"/>
+              </a:lnSpc>
+              <a:spcBef>
+                <a:spcPts val="500"/>
+              </a:spcBef>
+              <a:buFont typeface="Arial" panose="020B0604020202020204" pitchFamily="34" charset="0"/>
+              <a:buChar char="•"/>
+              <a:defRPr sz="1800" kern="1200">
+                <a:solidFill>
+                  <a:schemeClr val="tx1"/>
+                </a:solidFill>
+                <a:latin typeface="+mn-lt"/>
+                <a:ea typeface="+mn-ea"/>
+                <a:cs typeface="+mn-cs"/>
+              </a:defRPr>
+            </a:lvl8pPr>
+            <a:lvl9pPr marL="3886200" indent="-228600" algn="l" defTabSz="914400" rtl="0" eaLnBrk="1" latinLnBrk="0" hangingPunct="1">
+              <a:lnSpc>
+                <a:spcPct val="90000"/>
+              </a:lnSpc>
+              <a:spcBef>
+                <a:spcPts val="500"/>
+              </a:spcBef>
+              <a:buFont typeface="Arial" panose="020B0604020202020204" pitchFamily="34" charset="0"/>
+              <a:buChar char="•"/>
+              <a:defRPr sz="1800" kern="1200">
+                <a:solidFill>
+                  <a:schemeClr val="tx1"/>
+                </a:solidFill>
+                <a:latin typeface="+mn-lt"/>
+                <a:ea typeface="+mn-ea"/>
+                <a:cs typeface="+mn-cs"/>
+              </a:defRPr>
+            </a:lvl9pPr>
+          </a:lstStyle>
+          <a:p>
+            <a:r>
+              <a:rPr lang="en-US" sz="1200">
+                <a:solidFill>
+                  <a:schemeClr val="bg1"/>
+                </a:solidFill>
+                <a:latin typeface="Calibri"/>
+                <a:ea typeface="Calibri"/>
+                <a:cs typeface="Calibri"/>
+              </a:rPr>
+              <a:t>Singh </a:t>
+            </a:r>
+            <a:r>
+              <a:rPr lang="en-US" sz="1200" err="1">
+                <a:solidFill>
+                  <a:schemeClr val="bg1"/>
+                </a:solidFill>
+                <a:latin typeface="Calibri"/>
+                <a:ea typeface="Calibri"/>
+                <a:cs typeface="Calibri"/>
+              </a:rPr>
+              <a:t>Sengar</a:t>
+            </a:r>
+            <a:r>
+              <a:rPr lang="en-US" sz="1200">
+                <a:solidFill>
+                  <a:schemeClr val="bg1"/>
+                </a:solidFill>
+                <a:latin typeface="Calibri"/>
+                <a:ea typeface="Calibri"/>
+                <a:cs typeface="Calibri"/>
+              </a:rPr>
+              <a:t>, Sandeep &amp; Singh, Alok &amp; Narayan Tripathi, Pramod. (2011). A Survey on Telecommunication Technology Standards.</a:t>
+            </a:r>
+            <a:br>
+              <a:rPr lang="en-US" sz="1200">
+                <a:solidFill>
+                  <a:schemeClr val="bg1"/>
+                </a:solidFill>
+                <a:latin typeface="Calibri"/>
+                <a:ea typeface="Calibri"/>
+                <a:cs typeface="Calibri"/>
+              </a:rPr>
+            </a:br>
+            <a:r>
+              <a:rPr lang="en-US" sz="1200">
+                <a:solidFill>
+                  <a:schemeClr val="bg1"/>
+                </a:solidFill>
+                <a:latin typeface="Calibri"/>
+                <a:ea typeface="Calibri"/>
+                <a:cs typeface="Calibri"/>
+              </a:rPr>
+              <a:t>Viewed 7 October 2023, &lt;</a:t>
+            </a:r>
+            <a:r>
+              <a:rPr lang="en-US" sz="1200">
+                <a:solidFill>
+                  <a:schemeClr val="bg1"/>
+                </a:solidFill>
+                <a:latin typeface="Calibri"/>
+                <a:ea typeface="Calibri"/>
+                <a:cs typeface="Calibri"/>
+                <a:hlinkClick r:id="rId3">
+                  <a:extLst>
+                    <a:ext uri="{A12FA001-AC4F-418D-AE19-62706E023703}">
+                      <ahyp:hlinkClr xmlns:ahyp="http://schemas.microsoft.com/office/drawing/2018/hyperlinkcolor" val="tx"/>
+                    </a:ext>
+                  </a:extLst>
+                </a:hlinkClick>
+              </a:rPr>
+              <a:t>https://www.researchgate.net/figure/Architecture-of-MANET_fig1_241688995</a:t>
+            </a:r>
+            <a:r>
+              <a:rPr lang="en-US" sz="1200">
+                <a:solidFill>
+                  <a:schemeClr val="bg1"/>
+                </a:solidFill>
+                <a:latin typeface="Calibri"/>
+                <a:ea typeface="Calibri"/>
+                <a:cs typeface="Calibri"/>
+              </a:rPr>
+              <a:t>&gt;</a:t>
+            </a:r>
+          </a:p>
+          <a:p>
+            <a:r>
+              <a:rPr lang="en-US" sz="1200">
+                <a:solidFill>
+                  <a:schemeClr val="bg1"/>
+                </a:solidFill>
+                <a:latin typeface="Calibri"/>
+                <a:ea typeface="Calibri"/>
+                <a:cs typeface="Calibri"/>
+              </a:rPr>
+              <a:t>___</a:t>
+            </a:r>
+          </a:p>
+          <a:p>
+            <a:endParaRPr lang="en-US" sz="1200">
+              <a:solidFill>
+                <a:schemeClr val="bg1"/>
+              </a:solidFill>
+              <a:latin typeface="Calibri"/>
+              <a:ea typeface="Calibri"/>
+              <a:cs typeface="Calibri"/>
+            </a:endParaRPr>
+          </a:p>
+        </p:txBody>
+      </p:sp>
+    </p:spTree>
+    <p:extLst>
+      <p:ext uri="{BB962C8B-B14F-4D97-AF65-F5344CB8AC3E}">
+        <p14:creationId xmlns:p14="http://schemas.microsoft.com/office/powerpoint/2010/main" val="650017812"/>
+      </p:ext>
+    </p:extLst>
+  </p:cSld>
+  <p:clrMapOvr>
+    <a:masterClrMapping/>
+  </p:clrMapOvr>
+</p:sld>
+</file>
+
 <file path=ppt/slides/slide3.xml><?xml version="1.0" encoding="utf-8"?>
+<p:sld xmlns:a="http://schemas.openxmlformats.org/drawingml/2006/main" xmlns:r="http://schemas.openxmlformats.org/officeDocument/2006/relationships" xmlns:p="http://schemas.openxmlformats.org/presentationml/2006/main">
+  <p:cSld>
+    <p:spTree>
+      <p:nvGrpSpPr>
+        <p:cNvPr id="1" name=""/>
+        <p:cNvGrpSpPr/>
+        <p:nvPr/>
+      </p:nvGrpSpPr>
+      <p:grpSpPr>
+        <a:xfrm>
+          <a:off x="0" y="0"/>
+          <a:ext cx="0" cy="0"/>
+          <a:chOff x="0" y="0"/>
+          <a:chExt cx="0" cy="0"/>
+        </a:xfrm>
+      </p:grpSpPr>
+      <p:sp>
+        <p:nvSpPr>
+          <p:cNvPr id="2" name="Title 1">
+            <a:extLst>
+              <a:ext uri="{FF2B5EF4-FFF2-40B4-BE49-F238E27FC236}">
+                <a16:creationId xmlns:a16="http://schemas.microsoft.com/office/drawing/2014/main" id="{8C543F67-9C70-4748-8C0C-3A7863422F99}"/>
+              </a:ext>
+            </a:extLst>
+          </p:cNvPr>
+          <p:cNvSpPr>
+            <a:spLocks noGrp="1"/>
+          </p:cNvSpPr>
+          <p:nvPr>
+            <p:ph type="title"/>
+          </p:nvPr>
+        </p:nvSpPr>
+        <p:spPr>
+          <a:xfrm>
+            <a:off x="1167492" y="136526"/>
+            <a:ext cx="9779183" cy="1570038"/>
+          </a:xfrm>
+        </p:spPr>
+        <p:txBody>
+          <a:bodyPr/>
+          <a:lstStyle/>
+          <a:p>
+            <a:r>
+              <a:rPr lang="en-US"/>
+              <a:t>Introduction</a:t>
+            </a:r>
+          </a:p>
+        </p:txBody>
+      </p:sp>
+      <p:sp>
+        <p:nvSpPr>
+          <p:cNvPr id="3" name="Content Placeholder 2">
+            <a:extLst>
+              <a:ext uri="{FF2B5EF4-FFF2-40B4-BE49-F238E27FC236}">
+                <a16:creationId xmlns:a16="http://schemas.microsoft.com/office/drawing/2014/main" id="{95B371F2-DBA5-415A-82C8-651F587B857A}"/>
+              </a:ext>
+            </a:extLst>
+          </p:cNvPr>
+          <p:cNvSpPr>
+            <a:spLocks noGrp="1"/>
+          </p:cNvSpPr>
+          <p:nvPr>
+            <p:ph type="body" idx="1"/>
+          </p:nvPr>
+        </p:nvSpPr>
+        <p:spPr>
+          <a:xfrm>
+            <a:off x="1167492" y="2653167"/>
+            <a:ext cx="9779183" cy="3436483"/>
+          </a:xfrm>
+        </p:spPr>
+        <p:txBody>
+          <a:bodyPr vert="horz" lIns="91440" tIns="45720" rIns="91440" bIns="45720" rtlCol="0" anchor="t">
+            <a:noAutofit/>
+          </a:bodyPr>
+          <a:lstStyle/>
+          <a:p>
+            <a:r>
+              <a:rPr lang="en-US">
+                <a:solidFill>
+                  <a:srgbClr val="FFFFFF"/>
+                </a:solidFill>
+                <a:ea typeface="+mn-lt"/>
+                <a:cs typeface="+mn-lt"/>
+              </a:rPr>
+              <a:t>Our project tackles Black Hole nodes in mobile networks, which divert and block traffic. By employing Machine Learning, we aim to create a tool that detects and addresses this issue, improving network safety and efficiency. We apply a combination of academic and industry knowledge, employing structured planning and agile methods to safeguard networks and conserve energy.</a:t>
+            </a:r>
+            <a:endParaRPr lang="en-US"/>
+          </a:p>
+        </p:txBody>
+      </p:sp>
+      <p:sp>
+        <p:nvSpPr>
+          <p:cNvPr id="4" name="Date Placeholder 3">
+            <a:extLst>
+              <a:ext uri="{FF2B5EF4-FFF2-40B4-BE49-F238E27FC236}">
+                <a16:creationId xmlns:a16="http://schemas.microsoft.com/office/drawing/2014/main" id="{F3E5C536-0FAD-D8F4-70CE-5C310D2F976A}"/>
+              </a:ext>
+            </a:extLst>
+          </p:cNvPr>
+          <p:cNvSpPr>
+            <a:spLocks noGrp="1"/>
+          </p:cNvSpPr>
+          <p:nvPr>
+            <p:ph type="dt" sz="half" idx="10"/>
+          </p:nvPr>
+        </p:nvSpPr>
+        <p:spPr>
+          <a:xfrm>
+            <a:off x="381000" y="6356350"/>
+            <a:ext cx="2743200" cy="365125"/>
+          </a:xfrm>
+        </p:spPr>
+        <p:txBody>
+          <a:bodyPr/>
+          <a:lstStyle/>
+          <a:p>
+            <a:r>
+              <a:rPr lang="en-US"/>
+              <a:t>21/10/2023</a:t>
+            </a:r>
+          </a:p>
+        </p:txBody>
+      </p:sp>
+      <p:sp>
+        <p:nvSpPr>
+          <p:cNvPr id="5" name="Footer Placeholder 4">
+            <a:extLst>
+              <a:ext uri="{FF2B5EF4-FFF2-40B4-BE49-F238E27FC236}">
+                <a16:creationId xmlns:a16="http://schemas.microsoft.com/office/drawing/2014/main" id="{D593FA18-50D6-0344-B477-1D7C91CF4029}"/>
+              </a:ext>
+            </a:extLst>
+          </p:cNvPr>
+          <p:cNvSpPr>
+            <a:spLocks noGrp="1"/>
+          </p:cNvSpPr>
+          <p:nvPr>
+            <p:ph type="ftr" sz="quarter" idx="11"/>
+          </p:nvPr>
+        </p:nvSpPr>
+        <p:spPr>
+          <a:xfrm>
+            <a:off x="4038600" y="6356350"/>
+            <a:ext cx="4114800" cy="365125"/>
+          </a:xfrm>
+        </p:spPr>
+        <p:txBody>
+          <a:bodyPr/>
+          <a:lstStyle/>
+          <a:p>
+            <a:r>
+              <a:rPr lang="en-US"/>
+              <a:t>Preventing Black Holes in MANETs</a:t>
+            </a:r>
+          </a:p>
+        </p:txBody>
+      </p:sp>
+      <p:sp>
+        <p:nvSpPr>
+          <p:cNvPr id="6" name="Slide Number Placeholder 5">
+            <a:extLst>
+              <a:ext uri="{FF2B5EF4-FFF2-40B4-BE49-F238E27FC236}">
+                <a16:creationId xmlns:a16="http://schemas.microsoft.com/office/drawing/2014/main" id="{134C72D2-EFDF-844A-8472-CB49A59B127B}"/>
+              </a:ext>
+            </a:extLst>
+          </p:cNvPr>
+          <p:cNvSpPr>
+            <a:spLocks noGrp="1"/>
+          </p:cNvSpPr>
+          <p:nvPr>
+            <p:ph type="sldNum" sz="quarter" idx="12"/>
+          </p:nvPr>
+        </p:nvSpPr>
+        <p:spPr>
+          <a:xfrm>
+            <a:off x="10206318" y="6356350"/>
+            <a:ext cx="1604682" cy="365125"/>
+          </a:xfrm>
+        </p:spPr>
+        <p:txBody>
+          <a:bodyPr/>
+          <a:lstStyle/>
+          <a:p>
+            <a:fld id="{294A09A9-5501-47C1-A89A-A340965A2BE2}" type="slidenum">
+              <a:rPr lang="en-US" smtClean="0"/>
+              <a:pPr/>
+              <a:t>3</a:t>
+            </a:fld>
+            <a:endParaRPr lang="en-US"/>
+          </a:p>
+        </p:txBody>
+      </p:sp>
+    </p:spTree>
+    <p:extLst>
+      <p:ext uri="{BB962C8B-B14F-4D97-AF65-F5344CB8AC3E}">
+        <p14:creationId xmlns:p14="http://schemas.microsoft.com/office/powerpoint/2010/main" val="1639799154"/>
+      </p:ext>
+    </p:extLst>
+  </p:cSld>
+  <p:clrMapOvr>
+    <a:masterClrMapping/>
+  </p:clrMapOvr>
+</p:sld>
+</file>
+
+<file path=ppt/slides/slide4.xml><?xml version="1.0" encoding="utf-8"?>
 <p:sld xmlns:a="http://schemas.openxmlformats.org/drawingml/2006/main" xmlns:r="http://schemas.openxmlformats.org/officeDocument/2006/relationships" xmlns:p="http://schemas.openxmlformats.org/presentationml/2006/main">
   <p:cSld>
     <p:spTree>
@@ -41948,7 +43420,7 @@
             <a:fld id="{294A09A9-5501-47C1-A89A-A340965A2BE2}" type="slidenum">
               <a:rPr lang="en-US" smtClean="0"/>
               <a:pPr/>
-              <a:t>3</a:t>
+              <a:t>4</a:t>
             </a:fld>
             <a:endParaRPr lang="en-US"/>
           </a:p>
@@ -41958,212 +43430,6 @@
     <p:extLst>
       <p:ext uri="{BB962C8B-B14F-4D97-AF65-F5344CB8AC3E}">
         <p14:creationId xmlns:p14="http://schemas.microsoft.com/office/powerpoint/2010/main" val="1325608595"/>
-      </p:ext>
-    </p:extLst>
-  </p:cSld>
-  <p:clrMapOvr>
-    <a:masterClrMapping/>
-  </p:clrMapOvr>
-</p:sld>
-</file>
-
-<file path=ppt/slides/slide4.xml><?xml version="1.0" encoding="utf-8"?>
-<p:sld xmlns:a="http://schemas.openxmlformats.org/drawingml/2006/main" xmlns:r="http://schemas.openxmlformats.org/officeDocument/2006/relationships" xmlns:p="http://schemas.openxmlformats.org/presentationml/2006/main">
-  <p:cSld>
-    <p:spTree>
-      <p:nvGrpSpPr>
-        <p:cNvPr id="1" name=""/>
-        <p:cNvGrpSpPr/>
-        <p:nvPr/>
-      </p:nvGrpSpPr>
-      <p:grpSpPr>
-        <a:xfrm>
-          <a:off x="0" y="0"/>
-          <a:ext cx="0" cy="0"/>
-          <a:chOff x="0" y="0"/>
-          <a:chExt cx="0" cy="0"/>
-        </a:xfrm>
-      </p:grpSpPr>
-      <p:sp>
-        <p:nvSpPr>
-          <p:cNvPr id="2" name="Title 1">
-            <a:extLst>
-              <a:ext uri="{FF2B5EF4-FFF2-40B4-BE49-F238E27FC236}">
-                <a16:creationId xmlns:a16="http://schemas.microsoft.com/office/drawing/2014/main" id="{8C543F67-9C70-4748-8C0C-3A7863422F99}"/>
-              </a:ext>
-            </a:extLst>
-          </p:cNvPr>
-          <p:cNvSpPr>
-            <a:spLocks noGrp="1"/>
-          </p:cNvSpPr>
-          <p:nvPr>
-            <p:ph type="title"/>
-          </p:nvPr>
-        </p:nvSpPr>
-        <p:spPr>
-          <a:xfrm>
-            <a:off x="1167492" y="136526"/>
-            <a:ext cx="9779183" cy="1570038"/>
-          </a:xfrm>
-        </p:spPr>
-        <p:txBody>
-          <a:bodyPr/>
-          <a:lstStyle/>
-          <a:p>
-            <a:r>
-              <a:rPr lang="en-US"/>
-              <a:t>Introduction</a:t>
-            </a:r>
-          </a:p>
-        </p:txBody>
-      </p:sp>
-      <p:sp>
-        <p:nvSpPr>
-          <p:cNvPr id="3" name="Content Placeholder 2">
-            <a:extLst>
-              <a:ext uri="{FF2B5EF4-FFF2-40B4-BE49-F238E27FC236}">
-                <a16:creationId xmlns:a16="http://schemas.microsoft.com/office/drawing/2014/main" id="{95B371F2-DBA5-415A-82C8-651F587B857A}"/>
-              </a:ext>
-            </a:extLst>
-          </p:cNvPr>
-          <p:cNvSpPr>
-            <a:spLocks noGrp="1"/>
-          </p:cNvSpPr>
-          <p:nvPr>
-            <p:ph type="body" idx="1"/>
-          </p:nvPr>
-        </p:nvSpPr>
-        <p:spPr>
-          <a:xfrm>
-            <a:off x="1167492" y="2653167"/>
-            <a:ext cx="9779183" cy="3436483"/>
-          </a:xfrm>
-        </p:spPr>
-        <p:txBody>
-          <a:bodyPr vert="horz" lIns="91440" tIns="45720" rIns="91440" bIns="45720" rtlCol="0" anchor="t">
-            <a:noAutofit/>
-          </a:bodyPr>
-          <a:lstStyle/>
-          <a:p>
-            <a:r>
-              <a:rPr lang="en-US">
-                <a:solidFill>
-                  <a:srgbClr val="FFFFFF"/>
-                </a:solidFill>
-                <a:ea typeface="+mn-lt"/>
-                <a:cs typeface="+mn-lt"/>
-              </a:rPr>
-              <a:t>Our project tackles Black Hole nodes in mobile networks, which divert and block traffic. By employing Machine Learning, we aim to create a tool that detects and addresses this issue, improving network safety and efficiency. We apply a combination of academic and industry knowledge, employing structured planning and agile methods to safeguard networks and conserve energy.</a:t>
-            </a:r>
-            <a:endParaRPr lang="en-US"/>
-          </a:p>
-        </p:txBody>
-      </p:sp>
-      <p:sp>
-        <p:nvSpPr>
-          <p:cNvPr id="4" name="Date Placeholder 3">
-            <a:extLst>
-              <a:ext uri="{FF2B5EF4-FFF2-40B4-BE49-F238E27FC236}">
-                <a16:creationId xmlns:a16="http://schemas.microsoft.com/office/drawing/2014/main" id="{F3E5C536-0FAD-D8F4-70CE-5C310D2F976A}"/>
-              </a:ext>
-            </a:extLst>
-          </p:cNvPr>
-          <p:cNvSpPr>
-            <a:spLocks noGrp="1"/>
-          </p:cNvSpPr>
-          <p:nvPr>
-            <p:ph type="dt" sz="half" idx="10"/>
-          </p:nvPr>
-        </p:nvSpPr>
-        <p:spPr>
-          <a:xfrm>
-            <a:off x="381000" y="6356350"/>
-            <a:ext cx="2743200" cy="365125"/>
-          </a:xfrm>
-        </p:spPr>
-        <p:txBody>
-          <a:bodyPr/>
-          <a:lstStyle/>
-          <a:p>
-            <a:r>
-              <a:rPr lang="en-US"/>
-              <a:t>21/10/2023</a:t>
-            </a:r>
-          </a:p>
-        </p:txBody>
-      </p:sp>
-      <p:sp>
-        <p:nvSpPr>
-          <p:cNvPr id="5" name="Footer Placeholder 4">
-            <a:extLst>
-              <a:ext uri="{FF2B5EF4-FFF2-40B4-BE49-F238E27FC236}">
-                <a16:creationId xmlns:a16="http://schemas.microsoft.com/office/drawing/2014/main" id="{D593FA18-50D6-0344-B477-1D7C91CF4029}"/>
-              </a:ext>
-            </a:extLst>
-          </p:cNvPr>
-          <p:cNvSpPr>
-            <a:spLocks noGrp="1"/>
-          </p:cNvSpPr>
-          <p:nvPr>
-            <p:ph type="ftr" sz="quarter" idx="11"/>
-          </p:nvPr>
-        </p:nvSpPr>
-        <p:spPr>
-          <a:xfrm>
-            <a:off x="4038600" y="6356350"/>
-            <a:ext cx="4114800" cy="365125"/>
-          </a:xfrm>
-        </p:spPr>
-        <p:txBody>
-          <a:bodyPr/>
-          <a:lstStyle/>
-          <a:p>
-            <a:r>
-              <a:rPr lang="en-US"/>
-              <a:t>Preventing Black Holes in MANETs</a:t>
-            </a:r>
-          </a:p>
-        </p:txBody>
-      </p:sp>
-      <p:sp>
-        <p:nvSpPr>
-          <p:cNvPr id="6" name="Slide Number Placeholder 5">
-            <a:extLst>
-              <a:ext uri="{FF2B5EF4-FFF2-40B4-BE49-F238E27FC236}">
-                <a16:creationId xmlns:a16="http://schemas.microsoft.com/office/drawing/2014/main" id="{134C72D2-EFDF-844A-8472-CB49A59B127B}"/>
-              </a:ext>
-            </a:extLst>
-          </p:cNvPr>
-          <p:cNvSpPr>
-            <a:spLocks noGrp="1"/>
-          </p:cNvSpPr>
-          <p:nvPr>
-            <p:ph type="sldNum" sz="quarter" idx="12"/>
-          </p:nvPr>
-        </p:nvSpPr>
-        <p:spPr>
-          <a:xfrm>
-            <a:off x="10206318" y="6356350"/>
-            <a:ext cx="1604682" cy="365125"/>
-          </a:xfrm>
-        </p:spPr>
-        <p:txBody>
-          <a:bodyPr/>
-          <a:lstStyle/>
-          <a:p>
-            <a:fld id="{294A09A9-5501-47C1-A89A-A340965A2BE2}" type="slidenum">
-              <a:rPr lang="en-US" smtClean="0"/>
-              <a:pPr/>
-              <a:t>4</a:t>
-            </a:fld>
-            <a:endParaRPr lang="en-US"/>
-          </a:p>
-        </p:txBody>
-      </p:sp>
-    </p:spTree>
-    <p:extLst>
-      <p:ext uri="{BB962C8B-B14F-4D97-AF65-F5344CB8AC3E}">
-        <p14:creationId xmlns:p14="http://schemas.microsoft.com/office/powerpoint/2010/main" val="1639799154"/>
       </p:ext>
     </p:extLst>
   </p:cSld>
